--- a/CPSC-24500/Week06/2017SpringW06Slides.pptx
+++ b/CPSC-24500/Week06/2017SpringW06Slides.pptx
@@ -5,7 +5,7 @@
     <p:sldMasterId id="2147483648" r:id="rId4"/>
   </p:sldMasterIdLst>
   <p:notesMasterIdLst>
-    <p:notesMasterId r:id="rId31"/>
+    <p:notesMasterId r:id="rId32"/>
   </p:notesMasterIdLst>
   <p:sldIdLst>
     <p:sldId id="381" r:id="rId5"/>
@@ -22,18 +22,19 @@
     <p:sldId id="467" r:id="rId16"/>
     <p:sldId id="509" r:id="rId17"/>
     <p:sldId id="470" r:id="rId18"/>
-    <p:sldId id="480" r:id="rId19"/>
-    <p:sldId id="458" r:id="rId20"/>
-    <p:sldId id="476" r:id="rId21"/>
-    <p:sldId id="478" r:id="rId22"/>
-    <p:sldId id="479" r:id="rId23"/>
-    <p:sldId id="481" r:id="rId24"/>
-    <p:sldId id="475" r:id="rId25"/>
-    <p:sldId id="472" r:id="rId26"/>
-    <p:sldId id="473" r:id="rId27"/>
-    <p:sldId id="497" r:id="rId28"/>
-    <p:sldId id="498" r:id="rId29"/>
-    <p:sldId id="490" r:id="rId30"/>
+    <p:sldId id="481" r:id="rId19"/>
+    <p:sldId id="510" r:id="rId20"/>
+    <p:sldId id="511" r:id="rId21"/>
+    <p:sldId id="512" r:id="rId22"/>
+    <p:sldId id="513" r:id="rId23"/>
+    <p:sldId id="515" r:id="rId24"/>
+    <p:sldId id="516" r:id="rId25"/>
+    <p:sldId id="517" r:id="rId26"/>
+    <p:sldId id="475" r:id="rId27"/>
+    <p:sldId id="514" r:id="rId28"/>
+    <p:sldId id="473" r:id="rId29"/>
+    <p:sldId id="497" r:id="rId30"/>
+    <p:sldId id="490" r:id="rId31"/>
   </p:sldIdLst>
   <p:sldSz cx="12192000" cy="6858000"/>
   <p:notesSz cx="7315200" cy="9601200"/>
@@ -225,7 +226,7 @@
           <a:p>
             <a:fld id="{91ED72D7-FE6F-4B82-8D31-76BC00B06094}" type="datetimeFigureOut">
               <a:rPr lang="en-US" smtClean="0"/>
-              <a:t>4/24/2017</a:t>
+              <a:t>4/25/2017</a:t>
             </a:fld>
             <a:endParaRPr lang="en-US" dirty="0"/>
           </a:p>
@@ -961,7 +962,7 @@
             </a:pPr>
             <a:r>
               <a:rPr lang="en-US" sz="1000" dirty="0"/>
-              <a:t>Application performance is  ALWAYS a challenge. Learn how to optimize, test, and enhance the performance regularly. It can’t be built in at the end of a project!</a:t>
+              <a:t>This time we are primarily focused on using a familiar topic (performance, threading, and prime numbers) to learn a new environment and language. </a:t>
             </a:r>
           </a:p>
           <a:p>
@@ -969,15 +970,6 @@
               <a:buNone/>
             </a:pPr>
             <a:endParaRPr lang="en-US" sz="1000" dirty="0"/>
-          </a:p>
-          <a:p>
-            <a:pPr marL="0" indent="0">
-              <a:buNone/>
-            </a:pPr>
-            <a:r>
-              <a:rPr lang="en-US" sz="1000" dirty="0"/>
-              <a:t>Note that I have made updates to this week’s assignment. Please be sure to get the current version (it says “version 2” at the top) before you complete the assignment. </a:t>
-            </a:r>
           </a:p>
           <a:p>
             <a:pPr marL="0" indent="0">
@@ -1067,269 +1059,22 @@
           <a:bodyPr/>
           <a:lstStyle/>
           <a:p>
-            <a:pPr marL="0" marR="0" lvl="0" indent="0" algn="l" defTabSz="914400" rtl="0" eaLnBrk="1" fontAlgn="auto" latinLnBrk="0" hangingPunct="1">
-              <a:lnSpc>
-                <a:spcPct val="100000"/>
-              </a:lnSpc>
+            <a:pPr marL="0" indent="0">
+              <a:buNone/>
+            </a:pPr>
+            <a:r>
+              <a:rPr lang="en-US" sz="1000" dirty="0"/>
+              <a:t>Once again, this time we are primarily focused on using a familiar topic (performance, threading, and prime numbers) to learn the Visual Studio environment and C# language. </a:t>
+            </a:r>
+          </a:p>
+          <a:p>
+            <a:pPr marL="0" indent="0">
               <a:spcBef>
-                <a:spcPts val="0"/>
+                <a:spcPts val="1800"/>
               </a:spcBef>
-              <a:spcAft>
-                <a:spcPts val="0"/>
-              </a:spcAft>
-              <a:buClrTx/>
-              <a:buSzTx/>
-              <a:buFontTx/>
-              <a:buNone/>
-              <a:tabLst/>
-              <a:defRPr/>
-            </a:pPr>
-            <a:r>
-              <a:rPr lang="en-US" sz="1000" dirty="0"/>
-              <a:t>I believe that performance optimization is one of the most important and challenging aspects of developing high quality software. </a:t>
-            </a:r>
-          </a:p>
-          <a:p>
-            <a:pPr marL="0" marR="0" lvl="0" indent="0" algn="l" defTabSz="914400" rtl="0" eaLnBrk="1" fontAlgn="auto" latinLnBrk="0" hangingPunct="1">
-              <a:lnSpc>
-                <a:spcPct val="100000"/>
-              </a:lnSpc>
-              <a:spcBef>
-                <a:spcPts val="0"/>
-              </a:spcBef>
-              <a:spcAft>
-                <a:spcPts val="0"/>
-              </a:spcAft>
-              <a:buClrTx/>
-              <a:buSzTx/>
-              <a:buFontTx/>
-              <a:buNone/>
-              <a:tabLst/>
-              <a:defRPr/>
-            </a:pPr>
-            <a:endParaRPr lang="en-US" sz="1000" dirty="0"/>
-          </a:p>
-          <a:p>
-            <a:pPr marL="0" marR="0" lvl="0" indent="0" algn="l" defTabSz="914400" rtl="0" eaLnBrk="1" fontAlgn="auto" latinLnBrk="0" hangingPunct="1">
-              <a:lnSpc>
-                <a:spcPct val="100000"/>
-              </a:lnSpc>
-              <a:spcBef>
-                <a:spcPts val="0"/>
-              </a:spcBef>
-              <a:spcAft>
-                <a:spcPts val="0"/>
-              </a:spcAft>
-              <a:buClrTx/>
-              <a:buSzTx/>
-              <a:buFontTx/>
-              <a:buNone/>
-              <a:tabLst/>
-              <a:defRPr/>
-            </a:pPr>
-            <a:r>
-              <a:rPr lang="en-US" sz="1000" dirty="0"/>
-              <a:t>Consider mobile phone networks and satellite networks… and latency.</a:t>
-            </a:r>
-          </a:p>
-          <a:p>
-            <a:endParaRPr lang="en-US" sz="1000" dirty="0"/>
-          </a:p>
-          <a:p>
-            <a:r>
-              <a:rPr lang="en-US" sz="1000" dirty="0"/>
-              <a:t>User experience.</a:t>
-            </a:r>
-          </a:p>
-          <a:p>
-            <a:endParaRPr lang="en-US" sz="1000" dirty="0"/>
-          </a:p>
-          <a:p>
-            <a:r>
-              <a:rPr lang="en-US" sz="1000" dirty="0"/>
-              <a:t>Know the difference between latency and bandwidth and how it impacts network and application performance:</a:t>
-            </a:r>
-          </a:p>
-          <a:p>
-            <a:r>
-              <a:rPr lang="en-US" sz="1000" dirty="0"/>
-              <a:t>https://en.wikipedia.org/wiki/Network_performance</a:t>
-            </a:r>
-          </a:p>
-          <a:p>
-            <a:endParaRPr lang="en-US" sz="1000" dirty="0"/>
-          </a:p>
-          <a:p>
-            <a:r>
-              <a:rPr lang="en-US" sz="1000" b="0" i="0" kern="1200" dirty="0">
-                <a:solidFill>
-                  <a:schemeClr val="tx1"/>
-                </a:solidFill>
-                <a:effectLst/>
-                <a:latin typeface="+mn-lt"/>
-                <a:ea typeface="+mn-ea"/>
-                <a:cs typeface="+mn-cs"/>
-              </a:rPr>
-              <a:t>The following measures are often considered important:</a:t>
-            </a:r>
-          </a:p>
-          <a:p>
-            <a:r>
-              <a:rPr lang="en-US" sz="1000" b="1" i="0" kern="1200" dirty="0">
-                <a:solidFill>
-                  <a:schemeClr val="tx1"/>
-                </a:solidFill>
-                <a:effectLst/>
-                <a:latin typeface="+mn-lt"/>
-                <a:ea typeface="+mn-ea"/>
-                <a:cs typeface="+mn-cs"/>
-              </a:rPr>
-              <a:t>Bandwidth</a:t>
-            </a:r>
-            <a:r>
-              <a:rPr lang="en-US" sz="1000" b="0" i="0" kern="1200" dirty="0">
-                <a:solidFill>
-                  <a:schemeClr val="tx1"/>
-                </a:solidFill>
-                <a:effectLst/>
-                <a:latin typeface="+mn-lt"/>
-                <a:ea typeface="+mn-ea"/>
-                <a:cs typeface="+mn-cs"/>
-              </a:rPr>
-              <a:t> commonly measured in bits/second is the maximum rate that information can be transferred</a:t>
-            </a:r>
-          </a:p>
-          <a:p>
-            <a:r>
-              <a:rPr lang="en-US" sz="1000" b="1" i="0" kern="1200" dirty="0">
-                <a:solidFill>
-                  <a:schemeClr val="tx1"/>
-                </a:solidFill>
-                <a:effectLst/>
-                <a:latin typeface="+mn-lt"/>
-                <a:ea typeface="+mn-ea"/>
-                <a:cs typeface="+mn-cs"/>
-              </a:rPr>
-              <a:t>Latency</a:t>
-            </a:r>
-            <a:r>
-              <a:rPr lang="en-US" sz="1000" b="0" i="0" kern="1200" dirty="0">
-                <a:solidFill>
-                  <a:schemeClr val="tx1"/>
-                </a:solidFill>
-                <a:effectLst/>
-                <a:latin typeface="+mn-lt"/>
-                <a:ea typeface="+mn-ea"/>
-                <a:cs typeface="+mn-cs"/>
-              </a:rPr>
-              <a:t> the delay between the sender and the receiver decoding it, this is mainly a function of the signals travel time, and processing time at any nodes the information traverses</a:t>
-            </a:r>
-          </a:p>
-          <a:p>
-            <a:pPr marL="0" marR="0" lvl="0" indent="0" algn="l" defTabSz="914400" rtl="0" eaLnBrk="1" fontAlgn="auto" latinLnBrk="0" hangingPunct="1">
-              <a:lnSpc>
-                <a:spcPct val="100000"/>
-              </a:lnSpc>
-              <a:spcBef>
-                <a:spcPts val="0"/>
-              </a:spcBef>
-              <a:spcAft>
-                <a:spcPts val="0"/>
-              </a:spcAft>
-              <a:buClrTx/>
-              <a:buSzTx/>
-              <a:buFontTx/>
-              <a:buNone/>
-              <a:tabLst/>
-              <a:defRPr/>
-            </a:pPr>
-            <a:r>
-              <a:rPr lang="en-US" sz="1000" b="1" i="0" kern="1200" dirty="0">
-                <a:solidFill>
-                  <a:schemeClr val="tx1"/>
-                </a:solidFill>
-                <a:effectLst/>
-                <a:latin typeface="+mn-lt"/>
-                <a:ea typeface="+mn-ea"/>
-                <a:cs typeface="+mn-cs"/>
-              </a:rPr>
-              <a:t>Throughput</a:t>
-            </a:r>
-            <a:r>
-              <a:rPr lang="en-US" sz="1000" b="0" i="0" kern="1200" dirty="0">
-                <a:solidFill>
-                  <a:schemeClr val="tx1"/>
-                </a:solidFill>
-                <a:effectLst/>
-                <a:latin typeface="+mn-lt"/>
-                <a:ea typeface="+mn-ea"/>
-                <a:cs typeface="+mn-cs"/>
-              </a:rPr>
-              <a:t> is the actual rate that information is transferred</a:t>
-            </a:r>
-          </a:p>
-          <a:p>
-            <a:r>
-              <a:rPr lang="en-US" sz="1000" b="1" i="0" kern="1200" dirty="0">
-                <a:solidFill>
-                  <a:schemeClr val="tx1"/>
-                </a:solidFill>
-                <a:effectLst/>
-                <a:latin typeface="+mn-lt"/>
-                <a:ea typeface="+mn-ea"/>
-                <a:cs typeface="+mn-cs"/>
-              </a:rPr>
-              <a:t>Jitter</a:t>
-            </a:r>
-            <a:r>
-              <a:rPr lang="en-US" sz="1000" b="0" i="0" kern="1200" dirty="0">
-                <a:solidFill>
-                  <a:schemeClr val="tx1"/>
-                </a:solidFill>
-                <a:effectLst/>
-                <a:latin typeface="+mn-lt"/>
-                <a:ea typeface="+mn-ea"/>
-                <a:cs typeface="+mn-cs"/>
-              </a:rPr>
-              <a:t> variation in packet delay at the receiver of the information</a:t>
-            </a:r>
-          </a:p>
-          <a:p>
-            <a:r>
-              <a:rPr lang="en-US" sz="1000" b="1" i="0" kern="1200" dirty="0">
-                <a:solidFill>
-                  <a:schemeClr val="tx1"/>
-                </a:solidFill>
-                <a:effectLst/>
-                <a:latin typeface="+mn-lt"/>
-                <a:ea typeface="+mn-ea"/>
-                <a:cs typeface="+mn-cs"/>
-              </a:rPr>
-              <a:t>Error rate</a:t>
-            </a:r>
-            <a:r>
-              <a:rPr lang="en-US" sz="1000" b="0" i="0" kern="1200" dirty="0">
-                <a:solidFill>
-                  <a:schemeClr val="tx1"/>
-                </a:solidFill>
-                <a:effectLst/>
-                <a:latin typeface="+mn-lt"/>
-                <a:ea typeface="+mn-ea"/>
-                <a:cs typeface="+mn-cs"/>
-              </a:rPr>
-              <a:t> the number of corrupted bits expressed as a percentage or fraction of the total sent</a:t>
-            </a:r>
-          </a:p>
-          <a:p>
-            <a:endParaRPr lang="en-US" sz="1000" dirty="0"/>
-          </a:p>
-          <a:p>
-            <a:r>
-              <a:rPr lang="en-US" sz="1000" dirty="0"/>
-              <a:t>You can usually buy more bandwidth. Fixing a latency issue might require you to change the speed of light. </a:t>
-            </a:r>
-          </a:p>
-          <a:p>
+              <a:buFont typeface="Wingdings" panose="05000000000000000000" pitchFamily="2" charset="2"/>
+              <a:buNone/>
+            </a:pPr>
             <a:endParaRPr lang="en-US" sz="1000" dirty="0"/>
           </a:p>
         </p:txBody>
@@ -1360,7 +1105,7 @@
     </p:spTree>
     <p:extLst>
       <p:ext uri="{BB962C8B-B14F-4D97-AF65-F5344CB8AC3E}">
-        <p14:creationId xmlns:p14="http://schemas.microsoft.com/office/powerpoint/2010/main" val="2555495049"/>
+        <p14:creationId xmlns:p14="http://schemas.microsoft.com/office/powerpoint/2010/main" val="2153697557"/>
       </p:ext>
     </p:extLst>
   </p:cSld>
@@ -1414,19 +1159,185 @@
           <a:bodyPr/>
           <a:lstStyle/>
           <a:p>
+            <a:pPr marL="0" indent="0">
+              <a:spcBef>
+                <a:spcPts val="1800"/>
+              </a:spcBef>
+              <a:buFont typeface="Wingdings" panose="05000000000000000000" pitchFamily="2" charset="2"/>
+              <a:buNone/>
+            </a:pPr>
             <a:r>
               <a:rPr lang="en-US" sz="1000" dirty="0"/>
-              <a:t>The difference between user perceived (real or perceived) is as important as actual performance. Optimizing application performance to reflect user capabilities is challenging and necessary. It doesn’t matter if you optimize an application to be 10 times faster if the bottleneck is how fast the user.</a:t>
-            </a:r>
-          </a:p>
-          <a:p>
+              <a:t>If you are going to adopt an IDE, </a:t>
+            </a:r>
+            <a:r>
+              <a:rPr lang="en-US" sz="1000" u="sng" dirty="0"/>
+              <a:t>understand how it works </a:t>
+            </a:r>
+            <a:r>
+              <a:rPr lang="en-US" sz="1000" dirty="0"/>
+              <a:t>and embrace it’s preferences whenever possible. </a:t>
+            </a:r>
+          </a:p>
+          <a:p>
+            <a:pPr marL="0" indent="0">
+              <a:spcBef>
+                <a:spcPts val="1800"/>
+              </a:spcBef>
+              <a:buFont typeface="Wingdings" panose="05000000000000000000" pitchFamily="2" charset="2"/>
+              <a:buNone/>
+            </a:pPr>
             <a:endParaRPr lang="en-US" sz="1000" dirty="0"/>
           </a:p>
           <a:p>
+            <a:pPr marL="0" indent="0">
+              <a:spcBef>
+                <a:spcPts val="1800"/>
+              </a:spcBef>
+              <a:buFont typeface="Wingdings" panose="05000000000000000000" pitchFamily="2" charset="2"/>
+              <a:buNone/>
+            </a:pPr>
             <a:r>
               <a:rPr lang="en-US" sz="1000" dirty="0"/>
-              <a:t>Multithreading is the primary method of optimizing CPU performance. It is unlikely to be of benefit if the bottleneck is elsewhere. For example, if you are disk bound, splitting your process into multiple threads is unlike to be of benefit.</a:t>
-            </a:r>
+              <a:t>New Application Wizard’s are great, but not nearly as great as they first appear. You must invest the time to understand their “magic” so that when there is a problem you know where to look. </a:t>
+            </a:r>
+          </a:p>
+          <a:p>
+            <a:pPr marL="0" indent="0">
+              <a:spcBef>
+                <a:spcPts val="1800"/>
+              </a:spcBef>
+              <a:buFont typeface="Wingdings" panose="05000000000000000000" pitchFamily="2" charset="2"/>
+              <a:buNone/>
+            </a:pPr>
+            <a:endParaRPr lang="en-US" sz="1000" dirty="0"/>
+          </a:p>
+          <a:p>
+            <a:pPr marL="0" indent="0">
+              <a:spcBef>
+                <a:spcPts val="1800"/>
+              </a:spcBef>
+              <a:buFont typeface="Wingdings" panose="05000000000000000000" pitchFamily="2" charset="2"/>
+              <a:buNone/>
+            </a:pPr>
+            <a:r>
+              <a:rPr lang="en-US" sz="1000" u="sng" dirty="0"/>
+              <a:t>*Important</a:t>
+            </a:r>
+            <a:r>
+              <a:rPr lang="en-US" sz="1000" dirty="0"/>
+              <a:t>: For this week’s assignment you will want to start with File-&gt;New-&gt;Project-&gt;Visual C#-&gt;Console App (.NET Framework)… And name your project “</a:t>
+            </a:r>
+            <a:r>
+              <a:rPr lang="en-US" sz="1000" dirty="0" err="1"/>
+              <a:t>FastPrimeCS</a:t>
+            </a:r>
+            <a:r>
+              <a:rPr lang="en-US" sz="1000" dirty="0"/>
+              <a:t>”</a:t>
+            </a:r>
+          </a:p>
+          <a:p>
+            <a:pPr marL="0" indent="0">
+              <a:spcBef>
+                <a:spcPts val="1800"/>
+              </a:spcBef>
+              <a:buFont typeface="Wingdings" panose="05000000000000000000" pitchFamily="2" charset="2"/>
+              <a:buNone/>
+            </a:pPr>
+            <a:endParaRPr lang="en-US" sz="1000" dirty="0"/>
+          </a:p>
+          <a:p>
+            <a:pPr marL="0" indent="0">
+              <a:spcBef>
+                <a:spcPts val="1800"/>
+              </a:spcBef>
+              <a:buFont typeface="Wingdings" panose="05000000000000000000" pitchFamily="2" charset="2"/>
+              <a:buNone/>
+            </a:pPr>
+            <a:r>
+              <a:rPr lang="en-US" sz="1000" dirty="0"/>
+              <a:t>Command Line Arguments: Right click “ConsoleApp1”and select Properties-&gt;Debug-&gt;Command line arguments.</a:t>
+            </a:r>
+          </a:p>
+          <a:p>
+            <a:pPr marL="0" indent="0">
+              <a:spcBef>
+                <a:spcPts val="1800"/>
+              </a:spcBef>
+              <a:buFont typeface="Wingdings" panose="05000000000000000000" pitchFamily="2" charset="2"/>
+              <a:buNone/>
+            </a:pPr>
+            <a:endParaRPr lang="en-US" sz="1000" dirty="0"/>
+          </a:p>
+          <a:p>
+            <a:pPr marL="0" indent="0">
+              <a:spcBef>
+                <a:spcPts val="1800"/>
+              </a:spcBef>
+              <a:buFont typeface="Wingdings" panose="05000000000000000000" pitchFamily="2" charset="2"/>
+              <a:buNone/>
+            </a:pPr>
+            <a:r>
+              <a:rPr lang="en-US" sz="1000" dirty="0"/>
+              <a:t>Bracket Formatting: Tools-&gt;Options-&gt;Text Editor-&gt;C#-&gt;Code Style-&gt;Formatting-&gt;New Lines-&gt;Place open brace on new line for types (unmark all)</a:t>
+            </a:r>
+          </a:p>
+          <a:p>
+            <a:pPr marL="0" indent="0">
+              <a:spcBef>
+                <a:spcPts val="1800"/>
+              </a:spcBef>
+              <a:buFont typeface="Wingdings" panose="05000000000000000000" pitchFamily="2" charset="2"/>
+              <a:buNone/>
+            </a:pPr>
+            <a:endParaRPr lang="en-US" sz="1000" dirty="0"/>
+          </a:p>
+          <a:p>
+            <a:pPr marL="0" indent="0">
+              <a:spcBef>
+                <a:spcPts val="1800"/>
+              </a:spcBef>
+              <a:buFont typeface="Wingdings" panose="05000000000000000000" pitchFamily="2" charset="2"/>
+              <a:buNone/>
+            </a:pPr>
+            <a:r>
+              <a:rPr lang="en-US" sz="1000" dirty="0"/>
+              <a:t>Hello World C#:</a:t>
+            </a:r>
+          </a:p>
+          <a:p>
+            <a:pPr marL="0" indent="0">
+              <a:spcBef>
+                <a:spcPts val="1800"/>
+              </a:spcBef>
+              <a:buFont typeface="Wingdings" panose="05000000000000000000" pitchFamily="2" charset="2"/>
+              <a:buNone/>
+            </a:pPr>
+            <a:r>
+              <a:rPr lang="en-US" sz="1000" dirty="0"/>
+              <a:t>https://msdn.microsoft.com/en-us/library/aa288463(v=vs.71).aspx</a:t>
+            </a:r>
+          </a:p>
+          <a:p>
+            <a:pPr marL="0" indent="0">
+              <a:spcBef>
+                <a:spcPts val="1800"/>
+              </a:spcBef>
+              <a:buFont typeface="Wingdings" panose="05000000000000000000" pitchFamily="2" charset="2"/>
+              <a:buNone/>
+            </a:pPr>
+            <a:endParaRPr lang="en-US" sz="1000" dirty="0"/>
+          </a:p>
+          <a:p>
+            <a:pPr marL="0" indent="0">
+              <a:spcBef>
+                <a:spcPts val="1800"/>
+              </a:spcBef>
+              <a:buFont typeface="Wingdings" panose="05000000000000000000" pitchFamily="2" charset="2"/>
+              <a:buNone/>
+            </a:pPr>
+            <a:endParaRPr lang="en-US" sz="1000" dirty="0"/>
           </a:p>
         </p:txBody>
       </p:sp>
@@ -1456,7 +1367,7 @@
     </p:spTree>
     <p:extLst>
       <p:ext uri="{BB962C8B-B14F-4D97-AF65-F5344CB8AC3E}">
-        <p14:creationId xmlns:p14="http://schemas.microsoft.com/office/powerpoint/2010/main" val="836328614"/>
+        <p14:creationId xmlns:p14="http://schemas.microsoft.com/office/powerpoint/2010/main" val="1623798163"/>
       </p:ext>
     </p:extLst>
   </p:cSld>
@@ -1510,31 +1421,40 @@
           <a:bodyPr/>
           <a:lstStyle/>
           <a:p>
+            <a:pPr marL="0" indent="0">
+              <a:spcBef>
+                <a:spcPts val="1800"/>
+              </a:spcBef>
+              <a:buFont typeface="Wingdings" panose="05000000000000000000" pitchFamily="2" charset="2"/>
+              <a:buNone/>
+            </a:pPr>
             <a:r>
               <a:rPr lang="en-US" sz="1000" dirty="0"/>
-              <a:t>For this discussion we will using multithreading and multiprocessing terms synonymously for our purposes. </a:t>
-            </a:r>
-          </a:p>
-          <a:p>
+              <a:t>Many Visual Studio languages other that C# (which grew up with .NET) have access to multiple (often competing) class libraries. This can be a substantial challenge as the implementations of similar classes are often not compatible with each other or other elements of their respective libraries. For example, there is at least four competing implementations of  “string” that exists in C++ (C, C++, Windows API, MFC, .NET, etc.).  </a:t>
+            </a:r>
+          </a:p>
+          <a:p>
+            <a:pPr marL="0" indent="0">
+              <a:spcBef>
+                <a:spcPts val="1800"/>
+              </a:spcBef>
+              <a:buFont typeface="Wingdings" panose="05000000000000000000" pitchFamily="2" charset="2"/>
+              <a:buNone/>
+            </a:pPr>
             <a:endParaRPr lang="en-US" sz="1000" dirty="0"/>
           </a:p>
           <a:p>
+            <a:pPr marL="0" indent="0">
+              <a:spcBef>
+                <a:spcPts val="1800"/>
+              </a:spcBef>
+              <a:buFont typeface="Wingdings" panose="05000000000000000000" pitchFamily="2" charset="2"/>
+              <a:buNone/>
+            </a:pPr>
             <a:r>
               <a:rPr lang="en-US" sz="1000" dirty="0"/>
-              <a:t>Modern central processing units (CPUs) are made up of cores. A core is like a mini-processor that works with its fellow cores to perform the work that applications request of the CPU. In the old days, a CPU had just one core, a single channel through which all requests would pass. This was how we optimized applications… CPU, memory, fast disk, slow disk. Today, though, with multiple CPUs and multiple cores, a CPU can pay attention to and do many things at once. </a:t>
-            </a:r>
-          </a:p>
-          <a:p>
-            <a:endParaRPr lang="en-US" sz="1000" dirty="0"/>
-          </a:p>
-          <a:p>
-            <a:r>
-              <a:rPr lang="en-US" sz="1000" dirty="0"/>
-              <a:t>This architecture, in turn, allows today’s applications to perform multiple tasks at once. This ability is called multitasking. Multitasking enables an </a:t>
-            </a:r>
-          </a:p>
-          <a:p>
-            <a:endParaRPr lang="en-US" sz="1000" dirty="0"/>
+              <a:t>In many cases knowing a library or set of APIs has become more important than a given language.  </a:t>
+            </a:r>
           </a:p>
         </p:txBody>
       </p:sp>
@@ -1564,7 +1484,7 @@
     </p:spTree>
     <p:extLst>
       <p:ext uri="{BB962C8B-B14F-4D97-AF65-F5344CB8AC3E}">
-        <p14:creationId xmlns:p14="http://schemas.microsoft.com/office/powerpoint/2010/main" val="970960928"/>
+        <p14:creationId xmlns:p14="http://schemas.microsoft.com/office/powerpoint/2010/main" val="3827889259"/>
       </p:ext>
     </p:extLst>
   </p:cSld>
@@ -1618,82 +1538,17 @@
           <a:bodyPr/>
           <a:lstStyle/>
           <a:p>
-            <a:pPr marL="285750" indent="-285750">
+            <a:pPr marL="0" indent="0">
               <a:spcBef>
                 <a:spcPts val="1800"/>
               </a:spcBef>
               <a:buFont typeface="Wingdings" panose="05000000000000000000" pitchFamily="2" charset="2"/>
-              <a:buChar char="§"/>
-            </a:pPr>
-            <a:r>
-              <a:rPr lang="en-US" sz="1000" u="sng" dirty="0"/>
-              <a:t>Rigidity</a:t>
-            </a:r>
+              <a:buNone/>
+            </a:pPr>
             <a:r>
               <a:rPr lang="en-US" sz="1000" dirty="0"/>
-              <a:t> - It is hard to change because every change affects too many other parts of the system</a:t>
-            </a:r>
-          </a:p>
-          <a:p>
-            <a:pPr marL="285750" indent="-285750">
-              <a:spcBef>
-                <a:spcPts val="1800"/>
-              </a:spcBef>
-              <a:buFont typeface="Wingdings" panose="05000000000000000000" pitchFamily="2" charset="2"/>
-              <a:buChar char="§"/>
-            </a:pPr>
-            <a:r>
-              <a:rPr lang="en-US" sz="1000" u="sng" dirty="0"/>
-              <a:t>Fragility</a:t>
-            </a:r>
-            <a:r>
-              <a:rPr lang="en-US" sz="1000" dirty="0"/>
-              <a:t> - When you make a change, unexpected parts of the system break </a:t>
-            </a:r>
-          </a:p>
-          <a:p>
-            <a:pPr marL="285750" indent="-285750">
-              <a:spcBef>
-                <a:spcPts val="1800"/>
-              </a:spcBef>
-              <a:buFont typeface="Wingdings" panose="05000000000000000000" pitchFamily="2" charset="2"/>
-              <a:buChar char="§"/>
-            </a:pPr>
-            <a:r>
-              <a:rPr lang="en-US" sz="1000" u="sng" dirty="0"/>
-              <a:t>Immobility</a:t>
-            </a:r>
-            <a:r>
-              <a:rPr lang="en-US" sz="1000" dirty="0"/>
-              <a:t> - It is hard to reuse in another application because it cannot be disentangled from the current application</a:t>
-            </a:r>
-          </a:p>
-          <a:p>
-            <a:endParaRPr lang="en-US" sz="1000" dirty="0"/>
-          </a:p>
-          <a:p>
-            <a:r>
-              <a:rPr lang="en-US" sz="1000" dirty="0"/>
-              <a:t>Stadia add-in net change example. </a:t>
-            </a:r>
-          </a:p>
-          <a:p>
-            <a:endParaRPr lang="en-US" sz="1000" dirty="0"/>
-          </a:p>
-          <a:p>
-            <a:r>
-              <a:rPr lang="en-US" sz="1200" b="0" i="0" kern="1200" dirty="0">
-                <a:solidFill>
-                  <a:schemeClr val="tx1"/>
-                </a:solidFill>
-                <a:effectLst/>
-                <a:latin typeface="+mn-lt"/>
-                <a:ea typeface="+mn-ea"/>
-                <a:cs typeface="+mn-cs"/>
-              </a:rPr>
-              <a:t>Deadlock describes a situation where two or more threads are blocked forever, waiting for each other. Deadlock occurs when multiple threads need the same locks but obtain them in different order. </a:t>
-            </a:r>
-            <a:endParaRPr lang="en-US" sz="1000" dirty="0"/>
+              <a:t>Shockingly similar code.</a:t>
+            </a:r>
           </a:p>
         </p:txBody>
       </p:sp>
@@ -1723,7 +1578,7 @@
     </p:spTree>
     <p:extLst>
       <p:ext uri="{BB962C8B-B14F-4D97-AF65-F5344CB8AC3E}">
-        <p14:creationId xmlns:p14="http://schemas.microsoft.com/office/powerpoint/2010/main" val="3681124978"/>
+        <p14:creationId xmlns:p14="http://schemas.microsoft.com/office/powerpoint/2010/main" val="3811047272"/>
       </p:ext>
     </p:extLst>
   </p:cSld>
@@ -1777,168 +1632,6 @@
           <a:bodyPr/>
           <a:lstStyle/>
           <a:p>
-            <a:pPr marL="285750" indent="-285750">
-              <a:spcBef>
-                <a:spcPts val="1800"/>
-              </a:spcBef>
-              <a:buFont typeface="Wingdings" panose="05000000000000000000" pitchFamily="2" charset="2"/>
-              <a:buChar char="§"/>
-            </a:pPr>
-            <a:r>
-              <a:rPr lang="en-US" sz="1000" u="sng" dirty="0"/>
-              <a:t>Rigidity</a:t>
-            </a:r>
-            <a:r>
-              <a:rPr lang="en-US" sz="1000" dirty="0"/>
-              <a:t> - It is hard to change because every change affects too many other parts of the system</a:t>
-            </a:r>
-          </a:p>
-          <a:p>
-            <a:pPr marL="285750" indent="-285750">
-              <a:spcBef>
-                <a:spcPts val="1800"/>
-              </a:spcBef>
-              <a:buFont typeface="Wingdings" panose="05000000000000000000" pitchFamily="2" charset="2"/>
-              <a:buChar char="§"/>
-            </a:pPr>
-            <a:r>
-              <a:rPr lang="en-US" sz="1000" u="sng" dirty="0"/>
-              <a:t>Fragility</a:t>
-            </a:r>
-            <a:r>
-              <a:rPr lang="en-US" sz="1000" dirty="0"/>
-              <a:t> - When you make a change, unexpected parts of the system break </a:t>
-            </a:r>
-          </a:p>
-          <a:p>
-            <a:pPr marL="285750" indent="-285750">
-              <a:spcBef>
-                <a:spcPts val="1800"/>
-              </a:spcBef>
-              <a:buFont typeface="Wingdings" panose="05000000000000000000" pitchFamily="2" charset="2"/>
-              <a:buChar char="§"/>
-            </a:pPr>
-            <a:r>
-              <a:rPr lang="en-US" sz="1000" u="sng" dirty="0"/>
-              <a:t>Immobility</a:t>
-            </a:r>
-            <a:r>
-              <a:rPr lang="en-US" sz="1000" dirty="0"/>
-              <a:t> - It is hard to reuse in another application because it cannot be disentangled from the current application</a:t>
-            </a:r>
-          </a:p>
-          <a:p>
-            <a:endParaRPr lang="en-US" sz="1000" dirty="0"/>
-          </a:p>
-          <a:p>
-            <a:r>
-              <a:rPr lang="en-US" sz="1000" dirty="0"/>
-              <a:t>Increased complexity is the primary </a:t>
-            </a:r>
-            <a:r>
-              <a:rPr lang="en-US" sz="1000" u="sng" dirty="0"/>
-              <a:t>disadvantage</a:t>
-            </a:r>
-            <a:r>
-              <a:rPr lang="en-US" sz="1000" dirty="0"/>
-              <a:t> for developing multithreaded applications. </a:t>
-            </a:r>
-          </a:p>
-          <a:p>
-            <a:endParaRPr lang="en-US" sz="1000" dirty="0"/>
-          </a:p>
-          <a:p>
-            <a:r>
-              <a:rPr lang="en-US" sz="1000" dirty="0"/>
-              <a:t>Some languages have come into existence in order to try to reduce the complexity of writing, enhancing, and supporting multithreaded applications. For example, Scala has implemented specific parallelization features in the core language that make it a first class threading language. Note that Scala also targets the Java runtime environment.</a:t>
-            </a:r>
-          </a:p>
-          <a:p>
-            <a:endParaRPr lang="en-US" sz="1000" dirty="0"/>
-          </a:p>
-          <a:p>
-            <a:r>
-              <a:rPr lang="en-US" sz="1000" dirty="0"/>
-              <a:t>C++ would be an example of a language that has implemented a plethora of threading mechanisms for various platforms and implementations. Recent versions have introduced more common approaches. </a:t>
-            </a:r>
-          </a:p>
-          <a:p>
-            <a:endParaRPr lang="en-US" sz="1000" dirty="0"/>
-          </a:p>
-          <a:p>
-            <a:r>
-              <a:rPr lang="en-US" sz="1000" dirty="0"/>
-              <a:t>Stadia add-in example. </a:t>
-            </a:r>
-          </a:p>
-          <a:p>
-            <a:endParaRPr lang="en-US" sz="1000" dirty="0"/>
-          </a:p>
-          <a:p>
-            <a:r>
-              <a:rPr lang="en-US" sz="1000" b="0" i="0" kern="1200" dirty="0">
-                <a:solidFill>
-                  <a:schemeClr val="tx1"/>
-                </a:solidFill>
-                <a:effectLst/>
-                <a:latin typeface="+mn-lt"/>
-                <a:ea typeface="+mn-ea"/>
-                <a:cs typeface="+mn-cs"/>
-              </a:rPr>
-              <a:t>Deadlock describes a situation where two or more threads are blocked forever, waiting for each other. Deadlock occurs when multiple threads need the same locks but obtain them in different order. </a:t>
-            </a:r>
-          </a:p>
-          <a:p>
-            <a:endParaRPr lang="en-US" sz="1000" b="0" i="0" kern="1200" dirty="0">
-              <a:solidFill>
-                <a:schemeClr val="tx1"/>
-              </a:solidFill>
-              <a:effectLst/>
-              <a:latin typeface="+mn-lt"/>
-              <a:ea typeface="+mn-ea"/>
-              <a:cs typeface="+mn-cs"/>
-            </a:endParaRPr>
-          </a:p>
-          <a:p>
-            <a:r>
-              <a:rPr lang="en-US" sz="1000" b="0" i="0" kern="1200" dirty="0">
-                <a:solidFill>
-                  <a:schemeClr val="tx1"/>
-                </a:solidFill>
-                <a:effectLst/>
-                <a:latin typeface="+mn-lt"/>
-                <a:ea typeface="+mn-ea"/>
-                <a:cs typeface="+mn-cs"/>
-              </a:rPr>
-              <a:t>Interesting threading article: </a:t>
-            </a:r>
-          </a:p>
-          <a:p>
-            <a:r>
-              <a:rPr lang="en-US" sz="1000" dirty="0"/>
-              <a:t>http://blog.smartbear.com/programming/why-johnny-cant-write-multithreaded-programs/</a:t>
-            </a:r>
-          </a:p>
-          <a:p>
-            <a:endParaRPr lang="en-US" sz="1000" dirty="0"/>
-          </a:p>
-          <a:p>
-            <a:r>
-              <a:rPr lang="en-US" sz="1000" dirty="0"/>
-              <a:t>When reviewing libraries look for something like “</a:t>
-            </a:r>
-            <a:r>
-              <a:rPr lang="en-US" sz="1200" b="0" i="0" kern="1200" dirty="0">
-                <a:solidFill>
-                  <a:schemeClr val="tx1"/>
-                </a:solidFill>
-                <a:effectLst/>
-                <a:latin typeface="+mn-lt"/>
-                <a:ea typeface="+mn-ea"/>
-                <a:cs typeface="+mn-cs"/>
-              </a:rPr>
-              <a:t>This class is immutable and thread-safe.” before you use it in multithreaded development. </a:t>
-            </a:r>
             <a:endParaRPr lang="en-US" sz="1000" dirty="0"/>
           </a:p>
         </p:txBody>
@@ -1969,7 +1662,7 @@
     </p:spTree>
     <p:extLst>
       <p:ext uri="{BB962C8B-B14F-4D97-AF65-F5344CB8AC3E}">
-        <p14:creationId xmlns:p14="http://schemas.microsoft.com/office/powerpoint/2010/main" val="2767705377"/>
+        <p14:creationId xmlns:p14="http://schemas.microsoft.com/office/powerpoint/2010/main" val="3643638587"/>
       </p:ext>
     </p:extLst>
   </p:cSld>
@@ -2110,39 +1803,39 @@
           <a:bodyPr/>
           <a:lstStyle/>
           <a:p>
-            <a:pPr marL="0" indent="0">
-              <a:spcBef>
-                <a:spcPts val="1800"/>
-              </a:spcBef>
-              <a:buFont typeface="Wingdings" panose="05000000000000000000" pitchFamily="2" charset="2"/>
-              <a:buNone/>
-            </a:pPr>
             <a:r>
               <a:rPr lang="en-US" sz="1000" dirty="0"/>
-              <a:t>It’s good to have a trivial subject matter when starting with threaded applications.  It’s challenging enough to learn a complex new topic when working with a random number or a prime number. </a:t>
-            </a:r>
-          </a:p>
-          <a:p>
-            <a:pPr marL="0" indent="0">
-              <a:spcBef>
-                <a:spcPts val="1800"/>
-              </a:spcBef>
-              <a:buFont typeface="Wingdings" panose="05000000000000000000" pitchFamily="2" charset="2"/>
-              <a:buNone/>
-            </a:pPr>
+              <a:t>A buffered writer or buffered stream efficiently organization reads and writes for optimal disk performance. The danger is that if there is a power failure (or someone accidentally kicks your power strip) you could lose data. It is good to “flush the buffer” at critical times when using a buffered writer on mission critical projects. There is little or no danger in using a buffered reader. </a:t>
+            </a:r>
+          </a:p>
+          <a:p>
             <a:endParaRPr lang="en-US" sz="1000" dirty="0"/>
           </a:p>
           <a:p>
-            <a:pPr marL="0" indent="0">
-              <a:spcBef>
-                <a:spcPts val="1800"/>
-              </a:spcBef>
-              <a:buFont typeface="Wingdings" panose="05000000000000000000" pitchFamily="2" charset="2"/>
-              <a:buNone/>
-            </a:pPr>
             <a:r>
               <a:rPr lang="en-US" sz="1000" dirty="0"/>
-              <a:t>Bonus 10 points for anyone who can implement this application using “implements Runnable” and have it execute at the same speed as the “extending Thread” version… or explain why it performs consistently slower than the extends Thread implementation. </a:t>
+              <a:t>Binary files versus text files. </a:t>
+            </a:r>
+          </a:p>
+          <a:p>
+            <a:endParaRPr lang="en-US" sz="1000" dirty="0"/>
+          </a:p>
+          <a:p>
+            <a:r>
+              <a:rPr lang="en-US" sz="1000" dirty="0"/>
+              <a:t>XML – Text file format for structured data… HTML for data.</a:t>
+            </a:r>
+          </a:p>
+          <a:p>
+            <a:r>
+              <a:rPr lang="en-US" sz="1000" dirty="0"/>
+              <a:t>JSON – “Simplified” text file format for structured data.</a:t>
+            </a:r>
+          </a:p>
+          <a:p>
+            <a:r>
+              <a:rPr lang="en-US" sz="1000" dirty="0"/>
+              <a:t>Binary</a:t>
             </a:r>
           </a:p>
         </p:txBody>
@@ -2173,7 +1866,7 @@
     </p:spTree>
     <p:extLst>
       <p:ext uri="{BB962C8B-B14F-4D97-AF65-F5344CB8AC3E}">
-        <p14:creationId xmlns:p14="http://schemas.microsoft.com/office/powerpoint/2010/main" val="2153697557"/>
+        <p14:creationId xmlns:p14="http://schemas.microsoft.com/office/powerpoint/2010/main" val="7852105"/>
       </p:ext>
     </p:extLst>
   </p:cSld>
@@ -2227,7 +1920,14 @@
           <a:bodyPr/>
           <a:lstStyle/>
           <a:p>
-            <a:endParaRPr lang="en-US" dirty="0"/>
+            <a:pPr marL="0" indent="0">
+              <a:spcBef>
+                <a:spcPts val="1800"/>
+              </a:spcBef>
+              <a:buFont typeface="Wingdings" panose="05000000000000000000" pitchFamily="2" charset="2"/>
+              <a:buNone/>
+            </a:pPr>
+            <a:endParaRPr lang="en-US" sz="1000" dirty="0"/>
           </a:p>
         </p:txBody>
       </p:sp>
@@ -2257,7 +1957,7 @@
     </p:spTree>
     <p:extLst>
       <p:ext uri="{BB962C8B-B14F-4D97-AF65-F5344CB8AC3E}">
-        <p14:creationId xmlns:p14="http://schemas.microsoft.com/office/powerpoint/2010/main" val="4053031286"/>
+        <p14:creationId xmlns:p14="http://schemas.microsoft.com/office/powerpoint/2010/main" val="946640198"/>
       </p:ext>
     </p:extLst>
   </p:cSld>
@@ -2311,75 +2011,95 @@
           <a:bodyPr/>
           <a:lstStyle/>
           <a:p>
+            <a:pPr marL="0" indent="0">
+              <a:spcBef>
+                <a:spcPts val="1800"/>
+              </a:spcBef>
+              <a:buFont typeface="Wingdings" panose="05000000000000000000" pitchFamily="2" charset="2"/>
+              <a:buNone/>
+            </a:pPr>
             <a:r>
               <a:rPr lang="en-US" sz="1000" dirty="0"/>
-              <a:t>Start Recording!!!</a:t>
-            </a:r>
-          </a:p>
-          <a:p>
+              <a:t>Become comfortable in looking at the online documentation and examples… be aware of “reputable” sources and conflicting documentation.</a:t>
+            </a:r>
+          </a:p>
+          <a:p>
+            <a:pPr marL="0" indent="0">
+              <a:spcBef>
+                <a:spcPts val="1800"/>
+              </a:spcBef>
+              <a:buFont typeface="Wingdings" panose="05000000000000000000" pitchFamily="2" charset="2"/>
+              <a:buNone/>
+            </a:pPr>
             <a:endParaRPr lang="en-US" sz="1000" dirty="0"/>
           </a:p>
           <a:p>
+            <a:pPr marL="0" indent="0">
+              <a:spcBef>
+                <a:spcPts val="1800"/>
+              </a:spcBef>
+              <a:buFont typeface="Wingdings" panose="05000000000000000000" pitchFamily="2" charset="2"/>
+              <a:buNone/>
+            </a:pPr>
             <a:r>
               <a:rPr lang="en-US" sz="1000" dirty="0"/>
-              <a:t>Suggested steps:</a:t>
-            </a:r>
-          </a:p>
-          <a:p>
+              <a:t>.NET </a:t>
+            </a:r>
+            <a:r>
+              <a:rPr lang="en-US" sz="1000" dirty="0" err="1"/>
+              <a:t>ArrayList</a:t>
+            </a:r>
             <a:r>
               <a:rPr lang="en-US" sz="1000" dirty="0"/>
-              <a:t>Write a shell application that compiles, runs, and prints a message to the console… make sure that you compile and run the application regularly</a:t>
-            </a:r>
-          </a:p>
-          <a:p>
+              <a:t> Thread Safety: Any public static (Shared in Visual Basic) members of this type are thread safe. Any instance members are not guaranteed to be thread safe.</a:t>
+            </a:r>
+          </a:p>
+          <a:p>
+            <a:pPr marL="0" indent="0">
+              <a:spcBef>
+                <a:spcPts val="1800"/>
+              </a:spcBef>
+              <a:buFont typeface="Wingdings" panose="05000000000000000000" pitchFamily="2" charset="2"/>
+              <a:buNone/>
+            </a:pPr>
+            <a:endParaRPr lang="en-US" sz="1000" dirty="0"/>
+          </a:p>
+          <a:p>
+            <a:pPr marL="0" indent="0">
+              <a:spcBef>
+                <a:spcPts val="1800"/>
+              </a:spcBef>
+              <a:buFont typeface="Wingdings" panose="05000000000000000000" pitchFamily="2" charset="2"/>
+              <a:buNone/>
+            </a:pPr>
             <a:r>
               <a:rPr lang="en-US" sz="1000" dirty="0"/>
-              <a:t>Write down the key objects and methods that you believe that you will need</a:t>
-            </a:r>
-          </a:p>
-          <a:p>
+              <a:t>If you run into threading issues with </a:t>
+            </a:r>
+            <a:r>
+              <a:rPr lang="en-US" sz="1000" dirty="0" err="1"/>
+              <a:t>ArrayaList</a:t>
+            </a:r>
             <a:r>
               <a:rPr lang="en-US" sz="1000" dirty="0"/>
-              <a:t>Write a working single threaded application that finds prime numbers… including inputs, timings, </a:t>
+              <a:t> in your assignment, you will need to switch over to a “</a:t>
             </a:r>
             <a:r>
               <a:rPr lang="en-US" sz="1000" dirty="0" err="1"/>
-              <a:t>etc</a:t>
-            </a:r>
-            <a:endParaRPr lang="en-US" sz="1000" dirty="0"/>
-          </a:p>
-          <a:p>
+              <a:t>Concerrent</a:t>
+            </a:r>
             <a:r>
               <a:rPr lang="en-US" sz="1000" dirty="0"/>
-              <a:t>Enhance it to use multiple threads</a:t>
-            </a:r>
-          </a:p>
-          <a:p>
+              <a:t>” collection list “</a:t>
+            </a:r>
+            <a:r>
+              <a:rPr lang="en-US" sz="1000" dirty="0" err="1"/>
+              <a:t>ConcurrentQueue</a:t>
+            </a:r>
             <a:r>
               <a:rPr lang="en-US" sz="1000" dirty="0"/>
-              <a:t>Test &amp; Enhance</a:t>
-            </a:r>
-          </a:p>
-          <a:p>
-            <a:r>
-              <a:rPr lang="en-US" sz="1000" dirty="0"/>
-              <a:t>Submit</a:t>
-            </a:r>
-          </a:p>
-          <a:p>
-            <a:endParaRPr lang="en-US" sz="1000" dirty="0"/>
-          </a:p>
-          <a:p>
-            <a:r>
-              <a:rPr lang="en-US" sz="1000" dirty="0"/>
-              <a:t>Ask for help at any time…</a:t>
-            </a:r>
-          </a:p>
-          <a:p>
-            <a:endParaRPr lang="en-US" sz="1000" dirty="0"/>
-          </a:p>
-          <a:p>
-            <a:endParaRPr lang="en-US" sz="1000" dirty="0"/>
+              <a:t>”. </a:t>
+            </a:r>
           </a:p>
         </p:txBody>
       </p:sp>
@@ -2409,7 +2129,7 @@
     </p:spTree>
     <p:extLst>
       <p:ext uri="{BB962C8B-B14F-4D97-AF65-F5344CB8AC3E}">
-        <p14:creationId xmlns:p14="http://schemas.microsoft.com/office/powerpoint/2010/main" val="273540524"/>
+        <p14:creationId xmlns:p14="http://schemas.microsoft.com/office/powerpoint/2010/main" val="2548672894"/>
       </p:ext>
     </p:extLst>
   </p:cSld>
@@ -2463,36 +2183,7 @@
           <a:bodyPr/>
           <a:lstStyle/>
           <a:p>
-            <a:pPr marL="0" indent="0">
-              <a:buNone/>
-            </a:pPr>
-            <a:r>
-              <a:rPr lang="en-US" sz="1000" dirty="0"/>
-              <a:t>Application performance is  ALWAYS a challenge. Learn how to optimize, test, and enhance the performance regularly. It can’t be built in at the end of a project!</a:t>
-            </a:r>
-          </a:p>
-          <a:p>
-            <a:pPr marL="0" indent="0">
-              <a:buNone/>
-            </a:pPr>
-            <a:endParaRPr lang="en-US" sz="1000" dirty="0"/>
-          </a:p>
-          <a:p>
-            <a:pPr marL="0" indent="0">
-              <a:buNone/>
-            </a:pPr>
-            <a:r>
-              <a:rPr lang="en-US" sz="1000" dirty="0"/>
-              <a:t>Given our experience with </a:t>
-            </a:r>
-            <a:r>
-              <a:rPr lang="en-US" sz="1000" dirty="0" err="1"/>
-              <a:t>ThreadedRandomNumbers</a:t>
-            </a:r>
-            <a:r>
-              <a:rPr lang="en-US" sz="1000" dirty="0"/>
-              <a:t> you may want to experiment with extending Thread vs. implementing Runnable?</a:t>
-            </a:r>
+            <a:endParaRPr lang="en-US" dirty="0"/>
           </a:p>
         </p:txBody>
       </p:sp>
@@ -2522,7 +2213,7 @@
     </p:spTree>
     <p:extLst>
       <p:ext uri="{BB962C8B-B14F-4D97-AF65-F5344CB8AC3E}">
-        <p14:creationId xmlns:p14="http://schemas.microsoft.com/office/powerpoint/2010/main" val="3451647471"/>
+        <p14:creationId xmlns:p14="http://schemas.microsoft.com/office/powerpoint/2010/main" val="4053031286"/>
       </p:ext>
     </p:extLst>
   </p:cSld>
@@ -2576,7 +2267,7 @@
           <a:bodyPr/>
           <a:lstStyle/>
           <a:p>
-            <a:endParaRPr lang="en-US" dirty="0"/>
+            <a:endParaRPr lang="en-US" sz="1000" dirty="0"/>
           </a:p>
         </p:txBody>
       </p:sp>
@@ -2606,7 +2297,7 @@
     </p:spTree>
     <p:extLst>
       <p:ext uri="{BB962C8B-B14F-4D97-AF65-F5344CB8AC3E}">
-        <p14:creationId xmlns:p14="http://schemas.microsoft.com/office/powerpoint/2010/main" val="4010604235"/>
+        <p14:creationId xmlns:p14="http://schemas.microsoft.com/office/powerpoint/2010/main" val="531770322"/>
       </p:ext>
     </p:extLst>
   </p:cSld>
@@ -2660,7 +2351,36 @@
           <a:bodyPr/>
           <a:lstStyle/>
           <a:p>
+            <a:pPr marL="0" indent="0">
+              <a:buNone/>
+            </a:pPr>
+            <a:r>
+              <a:rPr lang="en-US" sz="1000" dirty="0"/>
+              <a:t>Application performance is  ALWAYS a challenge. Learn how to optimize, test, and enhance the performance regularly. It can’t be built in at the end of a project!</a:t>
+            </a:r>
+          </a:p>
+          <a:p>
+            <a:pPr marL="0" indent="0">
+              <a:buNone/>
+            </a:pPr>
             <a:endParaRPr lang="en-US" sz="1000" dirty="0"/>
+          </a:p>
+          <a:p>
+            <a:pPr marL="0" indent="0">
+              <a:buNone/>
+            </a:pPr>
+            <a:r>
+              <a:rPr lang="en-US" sz="1000" dirty="0"/>
+              <a:t>Given our experience with </a:t>
+            </a:r>
+            <a:r>
+              <a:rPr lang="en-US" sz="1000" dirty="0" err="1"/>
+              <a:t>ThreadedRandomNumbers</a:t>
+            </a:r>
+            <a:r>
+              <a:rPr lang="en-US" sz="1000" dirty="0"/>
+              <a:t> you may want to experiment with extending Thread vs. implementing Runnable?</a:t>
+            </a:r>
           </a:p>
         </p:txBody>
       </p:sp>
@@ -2690,7 +2410,7 @@
     </p:spTree>
     <p:extLst>
       <p:ext uri="{BB962C8B-B14F-4D97-AF65-F5344CB8AC3E}">
-        <p14:creationId xmlns:p14="http://schemas.microsoft.com/office/powerpoint/2010/main" val="2952055495"/>
+        <p14:creationId xmlns:p14="http://schemas.microsoft.com/office/powerpoint/2010/main" val="3451647471"/>
       </p:ext>
     </p:extLst>
   </p:cSld>
@@ -2744,7 +2464,7 @@
           <a:bodyPr/>
           <a:lstStyle/>
           <a:p>
-            <a:endParaRPr lang="en-US" sz="1000" dirty="0"/>
+            <a:endParaRPr lang="en-US" dirty="0"/>
           </a:p>
         </p:txBody>
       </p:sp>
@@ -2766,6 +2486,90 @@
             <a:fld id="{5394DE12-7B9B-46AA-AC19-C30A49928B9B}" type="slidenum">
               <a:rPr lang="en-US" smtClean="0"/>
               <a:t>26</a:t>
+            </a:fld>
+            <a:endParaRPr lang="en-US" dirty="0"/>
+          </a:p>
+        </p:txBody>
+      </p:sp>
+    </p:spTree>
+    <p:extLst>
+      <p:ext uri="{BB962C8B-B14F-4D97-AF65-F5344CB8AC3E}">
+        <p14:creationId xmlns:p14="http://schemas.microsoft.com/office/powerpoint/2010/main" val="4010604235"/>
+      </p:ext>
+    </p:extLst>
+  </p:cSld>
+  <p:clrMapOvr>
+    <a:masterClrMapping/>
+  </p:clrMapOvr>
+</p:notes>
+</file>
+
+<file path=ppt/notesSlides/notesSlide27.xml><?xml version="1.0" encoding="utf-8"?>
+<p:notes xmlns:a="http://schemas.openxmlformats.org/drawingml/2006/main" xmlns:r="http://schemas.openxmlformats.org/officeDocument/2006/relationships" xmlns:p="http://schemas.openxmlformats.org/presentationml/2006/main">
+  <p:cSld>
+    <p:spTree>
+      <p:nvGrpSpPr>
+        <p:cNvPr id="1" name=""/>
+        <p:cNvGrpSpPr/>
+        <p:nvPr/>
+      </p:nvGrpSpPr>
+      <p:grpSpPr>
+        <a:xfrm>
+          <a:off x="0" y="0"/>
+          <a:ext cx="0" cy="0"/>
+          <a:chOff x="0" y="0"/>
+          <a:chExt cx="0" cy="0"/>
+        </a:xfrm>
+      </p:grpSpPr>
+      <p:sp>
+        <p:nvSpPr>
+          <p:cNvPr id="2" name="Slide Image Placeholder 1"/>
+          <p:cNvSpPr>
+            <a:spLocks noGrp="1" noRot="1" noChangeAspect="1"/>
+          </p:cNvSpPr>
+          <p:nvPr>
+            <p:ph type="sldImg"/>
+          </p:nvPr>
+        </p:nvSpPr>
+        <p:spPr/>
+      </p:sp>
+      <p:sp>
+        <p:nvSpPr>
+          <p:cNvPr id="3" name="Notes Placeholder 2"/>
+          <p:cNvSpPr>
+            <a:spLocks noGrp="1"/>
+          </p:cNvSpPr>
+          <p:nvPr>
+            <p:ph type="body" idx="1"/>
+          </p:nvPr>
+        </p:nvSpPr>
+        <p:spPr/>
+        <p:txBody>
+          <a:bodyPr/>
+          <a:lstStyle/>
+          <a:p>
+            <a:endParaRPr lang="en-US" sz="1000" dirty="0"/>
+          </a:p>
+        </p:txBody>
+      </p:sp>
+      <p:sp>
+        <p:nvSpPr>
+          <p:cNvPr id="4" name="Slide Number Placeholder 3"/>
+          <p:cNvSpPr>
+            <a:spLocks noGrp="1"/>
+          </p:cNvSpPr>
+          <p:nvPr>
+            <p:ph type="sldNum" sz="quarter" idx="10"/>
+          </p:nvPr>
+        </p:nvSpPr>
+        <p:spPr/>
+        <p:txBody>
+          <a:bodyPr/>
+          <a:lstStyle/>
+          <a:p>
+            <a:fld id="{5394DE12-7B9B-46AA-AC19-C30A49928B9B}" type="slidenum">
+              <a:rPr lang="en-US" smtClean="0"/>
+              <a:t>27</a:t>
             </a:fld>
             <a:endParaRPr lang="en-US" dirty="0"/>
           </a:p>
@@ -3540,7 +3344,7 @@
           <a:p>
             <a:fld id="{969F32F5-AB1C-41B2-AE79-C9DE1D1745A4}" type="datetimeFigureOut">
               <a:rPr lang="en-US" smtClean="0"/>
-              <a:t>4/24/2017</a:t>
+              <a:t>4/25/2017</a:t>
             </a:fld>
             <a:endParaRPr lang="en-US" dirty="0"/>
           </a:p>
@@ -3708,7 +3512,7 @@
           <a:p>
             <a:fld id="{969F32F5-AB1C-41B2-AE79-C9DE1D1745A4}" type="datetimeFigureOut">
               <a:rPr lang="en-US" smtClean="0"/>
-              <a:t>4/24/2017</a:t>
+              <a:t>4/25/2017</a:t>
             </a:fld>
             <a:endParaRPr lang="en-US" dirty="0"/>
           </a:p>
@@ -3886,7 +3690,7 @@
           <a:p>
             <a:fld id="{969F32F5-AB1C-41B2-AE79-C9DE1D1745A4}" type="datetimeFigureOut">
               <a:rPr lang="en-US" smtClean="0"/>
-              <a:t>4/24/2017</a:t>
+              <a:t>4/25/2017</a:t>
             </a:fld>
             <a:endParaRPr lang="en-US" dirty="0"/>
           </a:p>
@@ -4054,7 +3858,7 @@
           <a:p>
             <a:fld id="{969F32F5-AB1C-41B2-AE79-C9DE1D1745A4}" type="datetimeFigureOut">
               <a:rPr lang="en-US" smtClean="0"/>
-              <a:t>4/24/2017</a:t>
+              <a:t>4/25/2017</a:t>
             </a:fld>
             <a:endParaRPr lang="en-US" dirty="0"/>
           </a:p>
@@ -4299,7 +4103,7 @@
           <a:p>
             <a:fld id="{969F32F5-AB1C-41B2-AE79-C9DE1D1745A4}" type="datetimeFigureOut">
               <a:rPr lang="en-US" smtClean="0"/>
-              <a:t>4/24/2017</a:t>
+              <a:t>4/25/2017</a:t>
             </a:fld>
             <a:endParaRPr lang="en-US" dirty="0"/>
           </a:p>
@@ -4528,7 +4332,7 @@
           <a:p>
             <a:fld id="{969F32F5-AB1C-41B2-AE79-C9DE1D1745A4}" type="datetimeFigureOut">
               <a:rPr lang="en-US" smtClean="0"/>
-              <a:t>4/24/2017</a:t>
+              <a:t>4/25/2017</a:t>
             </a:fld>
             <a:endParaRPr lang="en-US" dirty="0"/>
           </a:p>
@@ -4892,7 +4696,7 @@
           <a:p>
             <a:fld id="{969F32F5-AB1C-41B2-AE79-C9DE1D1745A4}" type="datetimeFigureOut">
               <a:rPr lang="en-US" smtClean="0"/>
-              <a:t>4/24/2017</a:t>
+              <a:t>4/25/2017</a:t>
             </a:fld>
             <a:endParaRPr lang="en-US" dirty="0"/>
           </a:p>
@@ -5009,7 +4813,7 @@
           <a:p>
             <a:fld id="{969F32F5-AB1C-41B2-AE79-C9DE1D1745A4}" type="datetimeFigureOut">
               <a:rPr lang="en-US" smtClean="0"/>
-              <a:t>4/24/2017</a:t>
+              <a:t>4/25/2017</a:t>
             </a:fld>
             <a:endParaRPr lang="en-US" dirty="0"/>
           </a:p>
@@ -5104,7 +4908,7 @@
           <a:p>
             <a:fld id="{969F32F5-AB1C-41B2-AE79-C9DE1D1745A4}" type="datetimeFigureOut">
               <a:rPr lang="en-US" smtClean="0"/>
-              <a:t>4/24/2017</a:t>
+              <a:t>4/25/2017</a:t>
             </a:fld>
             <a:endParaRPr lang="en-US" dirty="0"/>
           </a:p>
@@ -5379,7 +5183,7 @@
           <a:p>
             <a:fld id="{969F32F5-AB1C-41B2-AE79-C9DE1D1745A4}" type="datetimeFigureOut">
               <a:rPr lang="en-US" smtClean="0"/>
-              <a:t>4/24/2017</a:t>
+              <a:t>4/25/2017</a:t>
             </a:fld>
             <a:endParaRPr lang="en-US" dirty="0"/>
           </a:p>
@@ -5631,7 +5435,7 @@
           <a:p>
             <a:fld id="{969F32F5-AB1C-41B2-AE79-C9DE1D1745A4}" type="datetimeFigureOut">
               <a:rPr lang="en-US" smtClean="0"/>
-              <a:t>4/24/2017</a:t>
+              <a:t>4/25/2017</a:t>
             </a:fld>
             <a:endParaRPr lang="en-US" dirty="0"/>
           </a:p>
@@ -5842,7 +5646,7 @@
           <a:p>
             <a:fld id="{969F32F5-AB1C-41B2-AE79-C9DE1D1745A4}" type="datetimeFigureOut">
               <a:rPr lang="en-US" smtClean="0"/>
-              <a:t>4/24/2017</a:t>
+              <a:t>4/25/2017</a:t>
             </a:fld>
             <a:endParaRPr lang="en-US" dirty="0"/>
           </a:p>
@@ -6875,7 +6679,7 @@
                   </a:schemeClr>
                 </a:solidFill>
               </a:rPr>
-              <a:t>Download and install Visual Studio... And implement  Hello World in C#</a:t>
+              <a:t>Download and install Visual Studio... And implement Hello World in C#</a:t>
             </a:r>
           </a:p>
           <a:p>
@@ -6933,7 +6737,7 @@
             </a:pPr>
             <a:r>
               <a:rPr lang="en-US" sz="2000" dirty="0"/>
-              <a:t>Define a C# class, complete with properties, methods, and constructors</a:t>
+              <a:t>Use Visual Studio 2017 to define C# classes, complete with properties, methods, and constructors… and much more</a:t>
             </a:r>
           </a:p>
           <a:p>
@@ -6943,7 +6747,7 @@
             </a:pPr>
             <a:r>
               <a:rPr lang="en-US" sz="2000" dirty="0"/>
-              <a:t>Use C# built-in text file objects to create and read text files</a:t>
+              <a:t>Create classes and objects to carry out the work of your program</a:t>
             </a:r>
           </a:p>
           <a:p>
@@ -6963,7 +6767,15 @@
             </a:pPr>
             <a:r>
               <a:rPr lang="en-US" sz="2000" dirty="0"/>
-              <a:t>Create objects of classes and use them to carry out the work of your program</a:t>
+              <a:t>Use </a:t>
+            </a:r>
+            <a:r>
+              <a:rPr lang="en-US" sz="2000" dirty="0" err="1"/>
+              <a:t>.Net</a:t>
+            </a:r>
+            <a:r>
+              <a:rPr lang="en-US" sz="2000" dirty="0"/>
+              <a:t> (C#) built-in text file objects to create and read text files</a:t>
             </a:r>
           </a:p>
           <a:p>
@@ -6973,7 +6785,15 @@
             </a:pPr>
             <a:r>
               <a:rPr lang="en-US" sz="2000" dirty="0"/>
-              <a:t>Work with C# lists</a:t>
+              <a:t>Work with </a:t>
+            </a:r>
+            <a:r>
+              <a:rPr lang="en-US" sz="2000" dirty="0" err="1"/>
+              <a:t>.Net</a:t>
+            </a:r>
+            <a:r>
+              <a:rPr lang="en-US" sz="2000" dirty="0"/>
+              <a:t> (C#) lists</a:t>
             </a:r>
           </a:p>
           <a:p>
@@ -7044,12 +6864,16 @@
           <a:lstStyle/>
           <a:p>
             <a:r>
+              <a:rPr lang="en-US" sz="3600" dirty="0"/>
+              <a:t>But First… </a:t>
+            </a:r>
+            <a:r>
               <a:rPr lang="en-US" sz="3600" dirty="0" err="1"/>
               <a:t>FastPrime</a:t>
             </a:r>
             <a:r>
               <a:rPr lang="en-US" sz="3600" dirty="0"/>
-              <a:t>… plus Questions</a:t>
+              <a:t> C#</a:t>
             </a:r>
           </a:p>
         </p:txBody>
@@ -7072,7 +6896,7 @@
         </p:spPr>
         <p:txBody>
           <a:bodyPr>
-            <a:normAutofit/>
+            <a:normAutofit fontScale="92500" lnSpcReduction="10000"/>
           </a:bodyPr>
           <a:lstStyle/>
           <a:p>
@@ -7081,7 +6905,7 @@
             </a:pPr>
             <a:r>
               <a:rPr lang="en-US" sz="2000" dirty="0"/>
-              <a:t>Write a performance optimized command line C# application that will programmatically find prime numbers and store the numbers sorted in an output file. </a:t>
+              <a:t>Write a command line C# application in Visual Studio 2017 that will programmatically find prime numbers and store the numbers sorted in an output file. </a:t>
             </a:r>
           </a:p>
           <a:p>
@@ -7098,7 +6922,7 @@
             </a:r>
             <a:r>
               <a:rPr lang="en-US" sz="2000" dirty="0"/>
-              <a:t> we will create a command line Java application that will:</a:t>
+              <a:t> we will create a command line C# application that will:</a:t>
             </a:r>
           </a:p>
           <a:p>
@@ -7108,7 +6932,7 @@
             </a:pPr>
             <a:r>
               <a:rPr lang="en-US" sz="2000" dirty="0"/>
-              <a:t>Use multiple threads to find the prime numbers between two numbers</a:t>
+              <a:t>Utilize C#</a:t>
             </a:r>
           </a:p>
           <a:p>
@@ -7118,7 +6942,7 @@
             </a:pPr>
             <a:r>
               <a:rPr lang="en-US" sz="2000" dirty="0"/>
-              <a:t>Sort those results and store them to a file</a:t>
+              <a:t>Utilize Visual Studio and the integrated environment &amp; debugger</a:t>
             </a:r>
           </a:p>
           <a:p>
@@ -7128,7 +6952,7 @@
             </a:pPr>
             <a:r>
               <a:rPr lang="en-US" sz="2000" dirty="0"/>
-              <a:t>Perform some timings</a:t>
+              <a:t>Use multiple threads to find the prime numbers between two numbers</a:t>
             </a:r>
           </a:p>
           <a:p>
@@ -7138,15 +6962,7 @@
             </a:pPr>
             <a:r>
               <a:rPr lang="en-US" sz="2000" dirty="0"/>
-              <a:t>… And do this all </a:t>
-            </a:r>
-            <a:r>
-              <a:rPr lang="en-US" sz="2000" u="sng" dirty="0"/>
-              <a:t>very</a:t>
-            </a:r>
-            <a:r>
-              <a:rPr lang="en-US" sz="2000" dirty="0"/>
-              <a:t> fast</a:t>
+              <a:t>Sort those results and store them to a file</a:t>
             </a:r>
           </a:p>
           <a:p>
@@ -7156,8 +6972,24 @@
             </a:pPr>
             <a:r>
               <a:rPr lang="en-US" sz="2000" dirty="0"/>
-              <a:t>Come to our Thursday lunch session with any questions… or email your question head of time </a:t>
-            </a:r>
+              <a:t>Perform some timings</a:t>
+            </a:r>
+          </a:p>
+          <a:p>
+            <a:pPr marL="457200" indent="-457200">
+              <a:buFont typeface="+mj-lt"/>
+              <a:buAutoNum type="arabicPeriod"/>
+            </a:pPr>
+            <a:r>
+              <a:rPr lang="en-US" sz="2000" dirty="0"/>
+              <a:t>Come to our Thursday lunch session with any questions… or email your questions head of time </a:t>
+            </a:r>
+          </a:p>
+          <a:p>
+            <a:pPr marL="0" indent="0">
+              <a:buNone/>
+            </a:pPr>
+            <a:endParaRPr lang="en-US" sz="2000" dirty="0"/>
           </a:p>
           <a:p>
             <a:pPr marL="0" indent="0">
@@ -7222,7 +7054,12 @@
             <p:ph type="title"/>
           </p:nvPr>
         </p:nvSpPr>
-        <p:spPr/>
+        <p:spPr>
+          <a:xfrm>
+            <a:off x="838200" y="365125"/>
+            <a:ext cx="10682177" cy="1325563"/>
+          </a:xfrm>
+        </p:spPr>
         <p:txBody>
           <a:bodyPr>
             <a:normAutofit/>
@@ -7231,79 +7068,294 @@
           <a:p>
             <a:r>
               <a:rPr lang="en-US" sz="3600" dirty="0"/>
-              <a:t>Performance Optimization and Threading</a:t>
-            </a:r>
-          </a:p>
-        </p:txBody>
-      </p:sp>
-      <p:sp>
-        <p:nvSpPr>
-          <p:cNvPr id="3" name="Content Placeholder 2"/>
-          <p:cNvSpPr>
-            <a:spLocks noGrp="1"/>
-          </p:cNvSpPr>
-          <p:nvPr>
-            <p:ph idx="1"/>
-          </p:nvPr>
+              <a:t>Example: Visual Studio, C#, and Random Numbers</a:t>
+            </a:r>
+          </a:p>
+        </p:txBody>
+      </p:sp>
+      <p:sp>
+        <p:nvSpPr>
+          <p:cNvPr id="5" name="Content Placeholder 2"/>
+          <p:cNvSpPr txBox="1">
+            <a:spLocks/>
+          </p:cNvSpPr>
+          <p:nvPr/>
         </p:nvSpPr>
         <p:spPr>
           <a:xfrm>
-            <a:off x="838198" y="1525772"/>
-            <a:ext cx="10515601" cy="4651191"/>
+            <a:off x="838200" y="1382233"/>
+            <a:ext cx="10515600" cy="5050465"/>
           </a:xfrm>
+          <a:prstGeom prst="rect">
+            <a:avLst/>
+          </a:prstGeom>
         </p:spPr>
         <p:txBody>
-          <a:bodyPr>
-            <a:normAutofit/>
+          <a:bodyPr vert="horz" lIns="91440" tIns="45720" rIns="91440" bIns="45720" rtlCol="0">
+            <a:normAutofit lnSpcReduction="10000"/>
           </a:bodyPr>
-          <a:lstStyle/>
+          <a:lstStyle>
+            <a:lvl1pPr marL="228600" indent="-228600" algn="l" defTabSz="914400" rtl="0" eaLnBrk="1" latinLnBrk="0" hangingPunct="1">
+              <a:lnSpc>
+                <a:spcPct val="90000"/>
+              </a:lnSpc>
+              <a:spcBef>
+                <a:spcPts val="1000"/>
+              </a:spcBef>
+              <a:buFont typeface="Arial" panose="020B0604020202020204" pitchFamily="34" charset="0"/>
+              <a:buChar char="•"/>
+              <a:defRPr sz="2800" kern="1200">
+                <a:solidFill>
+                  <a:schemeClr val="tx1"/>
+                </a:solidFill>
+                <a:latin typeface="+mn-lt"/>
+                <a:ea typeface="+mn-ea"/>
+                <a:cs typeface="+mn-cs"/>
+              </a:defRPr>
+            </a:lvl1pPr>
+            <a:lvl2pPr marL="685800" indent="-228600" algn="l" defTabSz="914400" rtl="0" eaLnBrk="1" latinLnBrk="0" hangingPunct="1">
+              <a:lnSpc>
+                <a:spcPct val="90000"/>
+              </a:lnSpc>
+              <a:spcBef>
+                <a:spcPts val="500"/>
+              </a:spcBef>
+              <a:buFont typeface="Arial" panose="020B0604020202020204" pitchFamily="34" charset="0"/>
+              <a:buChar char="•"/>
+              <a:defRPr sz="2400" kern="1200">
+                <a:solidFill>
+                  <a:schemeClr val="tx1"/>
+                </a:solidFill>
+                <a:latin typeface="+mn-lt"/>
+                <a:ea typeface="+mn-ea"/>
+                <a:cs typeface="+mn-cs"/>
+              </a:defRPr>
+            </a:lvl2pPr>
+            <a:lvl3pPr marL="1143000" indent="-228600" algn="l" defTabSz="914400" rtl="0" eaLnBrk="1" latinLnBrk="0" hangingPunct="1">
+              <a:lnSpc>
+                <a:spcPct val="90000"/>
+              </a:lnSpc>
+              <a:spcBef>
+                <a:spcPts val="500"/>
+              </a:spcBef>
+              <a:buFont typeface="Arial" panose="020B0604020202020204" pitchFamily="34" charset="0"/>
+              <a:buChar char="•"/>
+              <a:defRPr sz="2000" kern="1200">
+                <a:solidFill>
+                  <a:schemeClr val="tx1"/>
+                </a:solidFill>
+                <a:latin typeface="+mn-lt"/>
+                <a:ea typeface="+mn-ea"/>
+                <a:cs typeface="+mn-cs"/>
+              </a:defRPr>
+            </a:lvl3pPr>
+            <a:lvl4pPr marL="1600200" indent="-228600" algn="l" defTabSz="914400" rtl="0" eaLnBrk="1" latinLnBrk="0" hangingPunct="1">
+              <a:lnSpc>
+                <a:spcPct val="90000"/>
+              </a:lnSpc>
+              <a:spcBef>
+                <a:spcPts val="500"/>
+              </a:spcBef>
+              <a:buFont typeface="Arial" panose="020B0604020202020204" pitchFamily="34" charset="0"/>
+              <a:buChar char="•"/>
+              <a:defRPr sz="1800" kern="1200">
+                <a:solidFill>
+                  <a:schemeClr val="tx1"/>
+                </a:solidFill>
+                <a:latin typeface="+mn-lt"/>
+                <a:ea typeface="+mn-ea"/>
+                <a:cs typeface="+mn-cs"/>
+              </a:defRPr>
+            </a:lvl4pPr>
+            <a:lvl5pPr marL="2057400" indent="-228600" algn="l" defTabSz="914400" rtl="0" eaLnBrk="1" latinLnBrk="0" hangingPunct="1">
+              <a:lnSpc>
+                <a:spcPct val="90000"/>
+              </a:lnSpc>
+              <a:spcBef>
+                <a:spcPts val="500"/>
+              </a:spcBef>
+              <a:buFont typeface="Arial" panose="020B0604020202020204" pitchFamily="34" charset="0"/>
+              <a:buChar char="•"/>
+              <a:defRPr sz="1800" kern="1200">
+                <a:solidFill>
+                  <a:schemeClr val="tx1"/>
+                </a:solidFill>
+                <a:latin typeface="+mn-lt"/>
+                <a:ea typeface="+mn-ea"/>
+                <a:cs typeface="+mn-cs"/>
+              </a:defRPr>
+            </a:lvl5pPr>
+            <a:lvl6pPr marL="2514600" indent="-228600" algn="l" defTabSz="914400" rtl="0" eaLnBrk="1" latinLnBrk="0" hangingPunct="1">
+              <a:lnSpc>
+                <a:spcPct val="90000"/>
+              </a:lnSpc>
+              <a:spcBef>
+                <a:spcPts val="500"/>
+              </a:spcBef>
+              <a:buFont typeface="Arial" panose="020B0604020202020204" pitchFamily="34" charset="0"/>
+              <a:buChar char="•"/>
+              <a:defRPr sz="1800" kern="1200">
+                <a:solidFill>
+                  <a:schemeClr val="tx1"/>
+                </a:solidFill>
+                <a:latin typeface="+mn-lt"/>
+                <a:ea typeface="+mn-ea"/>
+                <a:cs typeface="+mn-cs"/>
+              </a:defRPr>
+            </a:lvl6pPr>
+            <a:lvl7pPr marL="2971800" indent="-228600" algn="l" defTabSz="914400" rtl="0" eaLnBrk="1" latinLnBrk="0" hangingPunct="1">
+              <a:lnSpc>
+                <a:spcPct val="90000"/>
+              </a:lnSpc>
+              <a:spcBef>
+                <a:spcPts val="500"/>
+              </a:spcBef>
+              <a:buFont typeface="Arial" panose="020B0604020202020204" pitchFamily="34" charset="0"/>
+              <a:buChar char="•"/>
+              <a:defRPr sz="1800" kern="1200">
+                <a:solidFill>
+                  <a:schemeClr val="tx1"/>
+                </a:solidFill>
+                <a:latin typeface="+mn-lt"/>
+                <a:ea typeface="+mn-ea"/>
+                <a:cs typeface="+mn-cs"/>
+              </a:defRPr>
+            </a:lvl7pPr>
+            <a:lvl8pPr marL="3429000" indent="-228600" algn="l" defTabSz="914400" rtl="0" eaLnBrk="1" latinLnBrk="0" hangingPunct="1">
+              <a:lnSpc>
+                <a:spcPct val="90000"/>
+              </a:lnSpc>
+              <a:spcBef>
+                <a:spcPts val="500"/>
+              </a:spcBef>
+              <a:buFont typeface="Arial" panose="020B0604020202020204" pitchFamily="34" charset="0"/>
+              <a:buChar char="•"/>
+              <a:defRPr sz="1800" kern="1200">
+                <a:solidFill>
+                  <a:schemeClr val="tx1"/>
+                </a:solidFill>
+                <a:latin typeface="+mn-lt"/>
+                <a:ea typeface="+mn-ea"/>
+                <a:cs typeface="+mn-cs"/>
+              </a:defRPr>
+            </a:lvl8pPr>
+            <a:lvl9pPr marL="3886200" indent="-228600" algn="l" defTabSz="914400" rtl="0" eaLnBrk="1" latinLnBrk="0" hangingPunct="1">
+              <a:lnSpc>
+                <a:spcPct val="90000"/>
+              </a:lnSpc>
+              <a:spcBef>
+                <a:spcPts val="500"/>
+              </a:spcBef>
+              <a:buFont typeface="Arial" panose="020B0604020202020204" pitchFamily="34" charset="0"/>
+              <a:buChar char="•"/>
+              <a:defRPr sz="1800" kern="1200">
+                <a:solidFill>
+                  <a:schemeClr val="tx1"/>
+                </a:solidFill>
+                <a:latin typeface="+mn-lt"/>
+                <a:ea typeface="+mn-ea"/>
+                <a:cs typeface="+mn-cs"/>
+              </a:defRPr>
+            </a:lvl9pPr>
+          </a:lstStyle>
           <a:p>
             <a:pPr marL="0" indent="0">
-              <a:buNone/>
-            </a:pPr>
-            <a:r>
-              <a:rPr lang="en-US" sz="2000" b="1" dirty="0"/>
-              <a:t>Performance</a:t>
-            </a:r>
-            <a:r>
-              <a:rPr lang="en-US" sz="2000" dirty="0"/>
-              <a:t> is critical in application development… the focus of performance optimization continues to evolve, but the  criticality remains very high! Multithreading is one very important way that we can optimize CPU performance; however, there are many other performance bottlenecks and optimization techniques:</a:t>
-            </a:r>
-          </a:p>
-          <a:p>
-            <a:r>
-              <a:rPr lang="en-US" sz="2000" dirty="0"/>
-              <a:t>CPU… threading</a:t>
-            </a:r>
-          </a:p>
-          <a:p>
-            <a:r>
-              <a:rPr lang="en-US" sz="2000" dirty="0"/>
-              <a:t>Memory… optimize disk usage, buy more memory</a:t>
-            </a:r>
-          </a:p>
-          <a:p>
-            <a:r>
-              <a:rPr lang="en-US" sz="2000" dirty="0"/>
-              <a:t>Disk IO… buffering, file size, or faster (more expensive) disks</a:t>
-            </a:r>
-          </a:p>
-          <a:p>
-            <a:r>
-              <a:rPr lang="en-US" sz="2000" dirty="0"/>
-              <a:t>Network bandwidth… “file” or package size</a:t>
-            </a:r>
-          </a:p>
-          <a:p>
-            <a:r>
-              <a:rPr lang="en-US" sz="2000" dirty="0"/>
-              <a:t>Network latency… pray for a miracle!</a:t>
-            </a:r>
-          </a:p>
-          <a:p>
-            <a:r>
-              <a:rPr lang="en-US" sz="2000" dirty="0"/>
-              <a:t>User Interaction and Capabilities</a:t>
+              <a:buFont typeface="Arial" panose="020B0604020202020204" pitchFamily="34" charset="0"/>
+              <a:buNone/>
+            </a:pPr>
+            <a:r>
+              <a:rPr lang="en-US" sz="2000" dirty="0" err="1"/>
+              <a:t>ThreadedRandomNumbers</a:t>
+            </a:r>
+            <a:r>
+              <a:rPr lang="en-US" sz="2000" dirty="0"/>
+              <a:t>: Calculate 1,000,000,000 random numbers between 1 and 2,000,000. Print “We found number 1024!” to the console each time 1024 is generated. We would expect it to come up approximately 500 times. </a:t>
+            </a:r>
+          </a:p>
+          <a:p>
+            <a:r>
+              <a:rPr lang="en-US" sz="2000" dirty="0"/>
+              <a:t>Write a single threaded application</a:t>
+            </a:r>
+          </a:p>
+          <a:p>
+            <a:r>
+              <a:rPr lang="en-US" sz="2000" dirty="0"/>
+              <a:t>Divide the application into multiple threads and repeat</a:t>
+            </a:r>
+          </a:p>
+          <a:p>
+            <a:r>
+              <a:rPr lang="en-US" sz="2000" dirty="0"/>
+              <a:t>Consider the diminishing returns of adding additional threads</a:t>
+            </a:r>
+          </a:p>
+          <a:p>
+            <a:endParaRPr lang="en-US" sz="2000" dirty="0"/>
+          </a:p>
+          <a:p>
+            <a:pPr marL="0" indent="0">
+              <a:buNone/>
+            </a:pPr>
+            <a:endParaRPr lang="en-US" sz="2000" dirty="0"/>
+          </a:p>
+          <a:p>
+            <a:pPr marL="0" indent="0">
+              <a:buNone/>
+            </a:pPr>
+            <a:r>
+              <a:rPr lang="en-US" sz="2000" u="sng" dirty="0"/>
+              <a:t>Progressing through</a:t>
+            </a:r>
+            <a:r>
+              <a:rPr lang="en-US" sz="2000" dirty="0"/>
+              <a:t>:</a:t>
+            </a:r>
+          </a:p>
+          <a:p>
+            <a:pPr marL="0" indent="0">
+              <a:buNone/>
+            </a:pPr>
+            <a:r>
+              <a:rPr lang="en-US" sz="2000" dirty="0" err="1"/>
+              <a:t>HelloWorldCS</a:t>
+            </a:r>
+            <a:endParaRPr lang="en-US" sz="2000" dirty="0"/>
+          </a:p>
+          <a:p>
+            <a:pPr marL="0" indent="0">
+              <a:buNone/>
+            </a:pPr>
+            <a:r>
+              <a:rPr lang="en-US" sz="2000" dirty="0" err="1"/>
+              <a:t>RandomNumbersCS</a:t>
+            </a:r>
+            <a:endParaRPr lang="en-US" sz="2000" dirty="0"/>
+          </a:p>
+          <a:p>
+            <a:pPr marL="0" indent="0">
+              <a:buNone/>
+            </a:pPr>
+            <a:r>
+              <a:rPr lang="en-US" sz="2000" dirty="0" err="1"/>
+              <a:t>RandomNumbersThreadedCS</a:t>
+            </a:r>
+            <a:endParaRPr lang="en-US" sz="2000" dirty="0"/>
+          </a:p>
+          <a:p>
+            <a:pPr marL="0" indent="0">
+              <a:buNone/>
+            </a:pPr>
+            <a:endParaRPr lang="en-US" sz="2000" dirty="0"/>
+          </a:p>
+          <a:p>
+            <a:pPr marL="0" indent="0">
+              <a:buFont typeface="Arial" panose="020B0604020202020204" pitchFamily="34" charset="0"/>
+              <a:buNone/>
+            </a:pPr>
+            <a:r>
+              <a:rPr lang="en-US" sz="2000" dirty="0"/>
+              <a:t> </a:t>
             </a:r>
           </a:p>
         </p:txBody>
@@ -7311,7 +7363,7 @@
     </p:spTree>
     <p:extLst>
       <p:ext uri="{BB962C8B-B14F-4D97-AF65-F5344CB8AC3E}">
-        <p14:creationId xmlns:p14="http://schemas.microsoft.com/office/powerpoint/2010/main" val="4293980769"/>
+        <p14:creationId xmlns:p14="http://schemas.microsoft.com/office/powerpoint/2010/main" val="1717965204"/>
       </p:ext>
     </p:extLst>
   </p:cSld>
@@ -7357,748 +7409,7 @@
           <a:p>
             <a:r>
               <a:rPr lang="en-US" sz="3600" dirty="0"/>
-              <a:t>Threads &amp; Multithreaded Applications</a:t>
-            </a:r>
-          </a:p>
-        </p:txBody>
-      </p:sp>
-      <p:sp>
-        <p:nvSpPr>
-          <p:cNvPr id="3" name="Content Placeholder 2"/>
-          <p:cNvSpPr>
-            <a:spLocks noGrp="1"/>
-          </p:cNvSpPr>
-          <p:nvPr>
-            <p:ph idx="1"/>
-          </p:nvPr>
-        </p:nvSpPr>
-        <p:spPr>
-          <a:xfrm>
-            <a:off x="838198" y="1525772"/>
-            <a:ext cx="10515601" cy="4651191"/>
-          </a:xfrm>
-        </p:spPr>
-        <p:txBody>
-          <a:bodyPr>
-            <a:normAutofit/>
-          </a:bodyPr>
-          <a:lstStyle/>
-          <a:p>
-            <a:pPr marL="0" indent="0">
-              <a:buNone/>
-            </a:pPr>
-            <a:r>
-              <a:rPr lang="en-US" sz="2000" dirty="0"/>
-              <a:t>Multithreading: A technique by which a single set of code can be used by several processors or cores at different stages of execution.</a:t>
-            </a:r>
-          </a:p>
-          <a:p>
-            <a:r>
-              <a:rPr lang="en-US" sz="2000" dirty="0"/>
-              <a:t>Threads and application performance are becoming nearly synonymous</a:t>
-            </a:r>
-          </a:p>
-          <a:p>
-            <a:r>
-              <a:rPr lang="en-US" sz="2000" dirty="0"/>
-              <a:t>Moore’s law only remains achievable if we can effectively utilize multi-processor, multi-core, and multi-threaded applications</a:t>
-            </a:r>
-          </a:p>
-          <a:p>
-            <a:r>
-              <a:rPr lang="en-US" sz="2000" dirty="0"/>
-              <a:t>Our performance principles that we discuss will be applicable across platforms and environments </a:t>
-            </a:r>
-          </a:p>
-          <a:p>
-            <a:r>
-              <a:rPr lang="en-US" sz="2000" dirty="0"/>
-              <a:t>Our practical focus will be on Java multi-threading</a:t>
-            </a:r>
-          </a:p>
-          <a:p>
-            <a:r>
-              <a:rPr lang="en-US" sz="2000" dirty="0"/>
-              <a:t>Parallel processing has become the focus of the computing and software development industry</a:t>
-            </a:r>
-          </a:p>
-          <a:p>
-            <a:r>
-              <a:rPr lang="en-US" sz="2000" dirty="0"/>
-              <a:t>The rise of big data, artificial intelligence, virtual/augmented reality, and dedicated graphical processing units (GPUs) have made that a nearly guaranteed trend for years to come</a:t>
-            </a:r>
-          </a:p>
-        </p:txBody>
-      </p:sp>
-    </p:spTree>
-    <p:extLst>
-      <p:ext uri="{BB962C8B-B14F-4D97-AF65-F5344CB8AC3E}">
-        <p14:creationId xmlns:p14="http://schemas.microsoft.com/office/powerpoint/2010/main" val="4188150341"/>
-      </p:ext>
-    </p:extLst>
-  </p:cSld>
-  <p:clrMapOvr>
-    <a:masterClrMapping/>
-  </p:clrMapOvr>
-</p:sld>
-</file>
-
-<file path=ppt/slides/slide17.xml><?xml version="1.0" encoding="utf-8"?>
-<p:sld xmlns:a="http://schemas.openxmlformats.org/drawingml/2006/main" xmlns:r="http://schemas.openxmlformats.org/officeDocument/2006/relationships" xmlns:p="http://schemas.openxmlformats.org/presentationml/2006/main">
-  <p:cSld>
-    <p:spTree>
-      <p:nvGrpSpPr>
-        <p:cNvPr id="1" name=""/>
-        <p:cNvGrpSpPr/>
-        <p:nvPr/>
-      </p:nvGrpSpPr>
-      <p:grpSpPr>
-        <a:xfrm>
-          <a:off x="0" y="0"/>
-          <a:ext cx="0" cy="0"/>
-          <a:chOff x="0" y="0"/>
-          <a:chExt cx="0" cy="0"/>
-        </a:xfrm>
-      </p:grpSpPr>
-      <p:sp>
-        <p:nvSpPr>
-          <p:cNvPr id="2" name="Title 1"/>
-          <p:cNvSpPr>
-            <a:spLocks noGrp="1"/>
-          </p:cNvSpPr>
-          <p:nvPr>
-            <p:ph type="title"/>
-          </p:nvPr>
-        </p:nvSpPr>
-        <p:spPr/>
-        <p:txBody>
-          <a:bodyPr>
-            <a:normAutofit/>
-          </a:bodyPr>
-          <a:lstStyle/>
-          <a:p>
-            <a:r>
-              <a:rPr lang="en-US" sz="3600" dirty="0"/>
-              <a:t>Processors, Cores, and Threads</a:t>
-            </a:r>
-          </a:p>
-        </p:txBody>
-      </p:sp>
-      <p:sp>
-        <p:nvSpPr>
-          <p:cNvPr id="3" name="Content Placeholder 2"/>
-          <p:cNvSpPr>
-            <a:spLocks noGrp="1"/>
-          </p:cNvSpPr>
-          <p:nvPr>
-            <p:ph idx="1"/>
-          </p:nvPr>
-        </p:nvSpPr>
-        <p:spPr>
-          <a:xfrm>
-            <a:off x="838198" y="1525772"/>
-            <a:ext cx="10515601" cy="4651191"/>
-          </a:xfrm>
-        </p:spPr>
-        <p:txBody>
-          <a:bodyPr>
-            <a:normAutofit/>
-          </a:bodyPr>
-          <a:lstStyle/>
-          <a:p>
-            <a:r>
-              <a:rPr lang="en-US" sz="2000" dirty="0"/>
-              <a:t>Computers have one or more Processors (CPUs)</a:t>
-            </a:r>
-          </a:p>
-          <a:p>
-            <a:r>
-              <a:rPr lang="en-US" sz="2000" dirty="0"/>
-              <a:t>Processors each have one or more Cores</a:t>
-            </a:r>
-          </a:p>
-          <a:p>
-            <a:r>
-              <a:rPr lang="en-US" sz="2000" dirty="0"/>
-              <a:t>Cores can create one or more Threads</a:t>
-            </a:r>
-          </a:p>
-          <a:p>
-            <a:r>
-              <a:rPr lang="en-US" sz="2000" dirty="0"/>
-              <a:t>An application running only on one thread of a dual </a:t>
-            </a:r>
-            <a:r>
-              <a:rPr lang="en-US" sz="2000" dirty="0" err="1"/>
-              <a:t>cpu</a:t>
-            </a:r>
-            <a:r>
-              <a:rPr lang="en-US" sz="2000" dirty="0"/>
-              <a:t>, quad-core, single thread can utilize only a portion of 1/8</a:t>
-            </a:r>
-            <a:r>
-              <a:rPr lang="en-US" sz="2000" baseline="30000" dirty="0"/>
-              <a:t>th</a:t>
-            </a:r>
-            <a:r>
-              <a:rPr lang="en-US" sz="2000" dirty="0"/>
-              <a:t> of the processing power of that machine</a:t>
-            </a:r>
-          </a:p>
-        </p:txBody>
-      </p:sp>
-    </p:spTree>
-    <p:extLst>
-      <p:ext uri="{BB962C8B-B14F-4D97-AF65-F5344CB8AC3E}">
-        <p14:creationId xmlns:p14="http://schemas.microsoft.com/office/powerpoint/2010/main" val="1746298410"/>
-      </p:ext>
-    </p:extLst>
-  </p:cSld>
-  <p:clrMapOvr>
-    <a:masterClrMapping/>
-  </p:clrMapOvr>
-</p:sld>
-</file>
-
-<file path=ppt/slides/slide18.xml><?xml version="1.0" encoding="utf-8"?>
-<p:sld xmlns:a="http://schemas.openxmlformats.org/drawingml/2006/main" xmlns:r="http://schemas.openxmlformats.org/officeDocument/2006/relationships" xmlns:p="http://schemas.openxmlformats.org/presentationml/2006/main">
-  <p:cSld>
-    <p:spTree>
-      <p:nvGrpSpPr>
-        <p:cNvPr id="1" name=""/>
-        <p:cNvGrpSpPr/>
-        <p:nvPr/>
-      </p:nvGrpSpPr>
-      <p:grpSpPr>
-        <a:xfrm>
-          <a:off x="0" y="0"/>
-          <a:ext cx="0" cy="0"/>
-          <a:chOff x="0" y="0"/>
-          <a:chExt cx="0" cy="0"/>
-        </a:xfrm>
-      </p:grpSpPr>
-      <p:sp>
-        <p:nvSpPr>
-          <p:cNvPr id="2" name="Title 1"/>
-          <p:cNvSpPr>
-            <a:spLocks noGrp="1"/>
-          </p:cNvSpPr>
-          <p:nvPr>
-            <p:ph type="title"/>
-          </p:nvPr>
-        </p:nvSpPr>
-        <p:spPr/>
-        <p:txBody>
-          <a:bodyPr>
-            <a:normAutofit/>
-          </a:bodyPr>
-          <a:lstStyle/>
-          <a:p>
-            <a:r>
-              <a:rPr lang="en-US" sz="3600" dirty="0"/>
-              <a:t>Multi-Threaded Development</a:t>
-            </a:r>
-          </a:p>
-        </p:txBody>
-      </p:sp>
-      <p:sp>
-        <p:nvSpPr>
-          <p:cNvPr id="3" name="Content Placeholder 2"/>
-          <p:cNvSpPr>
-            <a:spLocks noGrp="1"/>
-          </p:cNvSpPr>
-          <p:nvPr>
-            <p:ph idx="1"/>
-          </p:nvPr>
-        </p:nvSpPr>
-        <p:spPr>
-          <a:xfrm>
-            <a:off x="838198" y="1525772"/>
-            <a:ext cx="10515601" cy="4651191"/>
-          </a:xfrm>
-        </p:spPr>
-        <p:txBody>
-          <a:bodyPr>
-            <a:normAutofit/>
-          </a:bodyPr>
-          <a:lstStyle/>
-          <a:p>
-            <a:pPr marL="0" indent="0">
-              <a:buNone/>
-            </a:pPr>
-            <a:r>
-              <a:rPr lang="en-US" sz="2000" dirty="0"/>
-              <a:t>Now for the bad news. Multi-Threaded Development is really hard!</a:t>
-            </a:r>
-          </a:p>
-        </p:txBody>
-      </p:sp>
-      <p:pic>
-        <p:nvPicPr>
-          <p:cNvPr id="4" name="Picture 3"/>
-          <p:cNvPicPr>
-            <a:picLocks noChangeAspect="1"/>
-          </p:cNvPicPr>
-          <p:nvPr/>
-        </p:nvPicPr>
-        <p:blipFill>
-          <a:blip r:embed="rId3"/>
-          <a:stretch>
-            <a:fillRect/>
-          </a:stretch>
-        </p:blipFill>
-        <p:spPr>
-          <a:xfrm>
-            <a:off x="2058284" y="2042006"/>
-            <a:ext cx="8075428" cy="4757200"/>
-          </a:xfrm>
-          <a:prstGeom prst="rect">
-            <a:avLst/>
-          </a:prstGeom>
-        </p:spPr>
-      </p:pic>
-    </p:spTree>
-    <p:extLst>
-      <p:ext uri="{BB962C8B-B14F-4D97-AF65-F5344CB8AC3E}">
-        <p14:creationId xmlns:p14="http://schemas.microsoft.com/office/powerpoint/2010/main" val="1840965054"/>
-      </p:ext>
-    </p:extLst>
-  </p:cSld>
-  <p:clrMapOvr>
-    <a:masterClrMapping/>
-  </p:clrMapOvr>
-  <p:timing>
-    <p:tnLst>
-      <p:par>
-        <p:cTn id="1" dur="indefinite" restart="never" nodeType="tmRoot">
-          <p:childTnLst>
-            <p:seq concurrent="1" nextAc="seek">
-              <p:cTn id="2" dur="indefinite" nodeType="mainSeq">
-                <p:childTnLst>
-                  <p:par>
-                    <p:cTn id="3" fill="hold">
-                      <p:stCondLst>
-                        <p:cond delay="indefinite"/>
-                      </p:stCondLst>
-                      <p:childTnLst>
-                        <p:par>
-                          <p:cTn id="4" fill="hold">
-                            <p:stCondLst>
-                              <p:cond delay="0"/>
-                            </p:stCondLst>
-                            <p:childTnLst>
-                              <p:par>
-                                <p:cTn id="5" presetID="10" presetClass="entr" presetSubtype="0" fill="hold" nodeType="clickEffect">
-                                  <p:stCondLst>
-                                    <p:cond delay="0"/>
-                                  </p:stCondLst>
-                                  <p:childTnLst>
-                                    <p:set>
-                                      <p:cBhvr>
-                                        <p:cTn id="6" dur="1" fill="hold">
-                                          <p:stCondLst>
-                                            <p:cond delay="0"/>
-                                          </p:stCondLst>
-                                        </p:cTn>
-                                        <p:tgtEl>
-                                          <p:spTgt spid="4"/>
-                                        </p:tgtEl>
-                                        <p:attrNameLst>
-                                          <p:attrName>style.visibility</p:attrName>
-                                        </p:attrNameLst>
-                                      </p:cBhvr>
-                                      <p:to>
-                                        <p:strVal val="visible"/>
-                                      </p:to>
-                                    </p:set>
-                                    <p:animEffect transition="in" filter="fade">
-                                      <p:cBhvr>
-                                        <p:cTn id="7" dur="500"/>
-                                        <p:tgtEl>
-                                          <p:spTgt spid="4"/>
-                                        </p:tgtEl>
-                                      </p:cBhvr>
-                                    </p:animEffect>
-                                  </p:childTnLst>
-                                </p:cTn>
-                              </p:par>
-                            </p:childTnLst>
-                          </p:cTn>
-                        </p:par>
-                      </p:childTnLst>
-                    </p:cTn>
-                  </p:par>
-                </p:childTnLst>
-              </p:cTn>
-              <p:prevCondLst>
-                <p:cond evt="onPrev" delay="0">
-                  <p:tgtEl>
-                    <p:sldTgt/>
-                  </p:tgtEl>
-                </p:cond>
-              </p:prevCondLst>
-              <p:nextCondLst>
-                <p:cond evt="onNext" delay="0">
-                  <p:tgtEl>
-                    <p:sldTgt/>
-                  </p:tgtEl>
-                </p:cond>
-              </p:nextCondLst>
-            </p:seq>
-          </p:childTnLst>
-        </p:cTn>
-      </p:par>
-    </p:tnLst>
-  </p:timing>
-</p:sld>
-</file>
-
-<file path=ppt/slides/slide19.xml><?xml version="1.0" encoding="utf-8"?>
-<p:sld xmlns:a="http://schemas.openxmlformats.org/drawingml/2006/main" xmlns:r="http://schemas.openxmlformats.org/officeDocument/2006/relationships" xmlns:p="http://schemas.openxmlformats.org/presentationml/2006/main">
-  <p:cSld>
-    <p:spTree>
-      <p:nvGrpSpPr>
-        <p:cNvPr id="1" name=""/>
-        <p:cNvGrpSpPr/>
-        <p:nvPr/>
-      </p:nvGrpSpPr>
-      <p:grpSpPr>
-        <a:xfrm>
-          <a:off x="0" y="0"/>
-          <a:ext cx="0" cy="0"/>
-          <a:chOff x="0" y="0"/>
-          <a:chExt cx="0" cy="0"/>
-        </a:xfrm>
-      </p:grpSpPr>
-      <p:sp>
-        <p:nvSpPr>
-          <p:cNvPr id="2" name="Title 1"/>
-          <p:cNvSpPr>
-            <a:spLocks noGrp="1"/>
-          </p:cNvSpPr>
-          <p:nvPr>
-            <p:ph type="title"/>
-          </p:nvPr>
-        </p:nvSpPr>
-        <p:spPr/>
-        <p:txBody>
-          <a:bodyPr>
-            <a:normAutofit/>
-          </a:bodyPr>
-          <a:lstStyle/>
-          <a:p>
-            <a:r>
-              <a:rPr lang="en-US" sz="3600" dirty="0"/>
-              <a:t>Multi-Threaded Development</a:t>
-            </a:r>
-          </a:p>
-        </p:txBody>
-      </p:sp>
-      <p:sp>
-        <p:nvSpPr>
-          <p:cNvPr id="3" name="Content Placeholder 2"/>
-          <p:cNvSpPr>
-            <a:spLocks noGrp="1"/>
-          </p:cNvSpPr>
-          <p:nvPr>
-            <p:ph idx="1"/>
-          </p:nvPr>
-        </p:nvSpPr>
-        <p:spPr>
-          <a:xfrm>
-            <a:off x="838198" y="1525772"/>
-            <a:ext cx="10515601" cy="4651191"/>
-          </a:xfrm>
-        </p:spPr>
-        <p:txBody>
-          <a:bodyPr>
-            <a:normAutofit/>
-          </a:bodyPr>
-          <a:lstStyle/>
-          <a:p>
-            <a:pPr marL="0" indent="0">
-              <a:buNone/>
-            </a:pPr>
-            <a:r>
-              <a:rPr lang="en-US" sz="2000" dirty="0"/>
-              <a:t>Now for the bad news. Multi-Threaded Development is really hard!</a:t>
-            </a:r>
-          </a:p>
-          <a:p>
-            <a:r>
-              <a:rPr lang="en-US" sz="2000" dirty="0"/>
-              <a:t>Developing commercial quality multi-threaded applications makes Rigidity, Fragility, and Immobility much harder to avoid</a:t>
-            </a:r>
-          </a:p>
-          <a:p>
-            <a:r>
-              <a:rPr lang="en-US" sz="2000" dirty="0"/>
-              <a:t>Many of the 3</a:t>
-            </a:r>
-            <a:r>
-              <a:rPr lang="en-US" sz="2000" baseline="30000" dirty="0"/>
-              <a:t>rd</a:t>
-            </a:r>
-            <a:r>
-              <a:rPr lang="en-US" sz="2000" dirty="0"/>
-              <a:t> party professional libraries that the industry had come to rely on came into question as multi-threading application became required</a:t>
-            </a:r>
-          </a:p>
-          <a:p>
-            <a:r>
-              <a:rPr lang="en-US" sz="2000" dirty="0"/>
-              <a:t>Testing becomes harder when a sequence of events becomes variable </a:t>
-            </a:r>
-          </a:p>
-          <a:p>
-            <a:r>
-              <a:rPr lang="en-US" sz="2000" dirty="0"/>
-              <a:t>What if your automated unit test results might be different depending on which thread finishes first?</a:t>
-            </a:r>
-          </a:p>
-          <a:p>
-            <a:r>
-              <a:rPr lang="en-US" sz="2000" dirty="0"/>
-              <a:t>What about deadlock?</a:t>
-            </a:r>
-          </a:p>
-          <a:p>
-            <a:r>
-              <a:rPr lang="en-US" sz="2000" b="1" dirty="0"/>
-              <a:t>Performance</a:t>
-            </a:r>
-            <a:r>
-              <a:rPr lang="en-US" sz="2000" dirty="0"/>
-              <a:t> is so important that we will need to understand be able to effectively utilize, test, and deploy effective multi-threaded applications</a:t>
-            </a:r>
-          </a:p>
-        </p:txBody>
-      </p:sp>
-    </p:spTree>
-    <p:extLst>
-      <p:ext uri="{BB962C8B-B14F-4D97-AF65-F5344CB8AC3E}">
-        <p14:creationId xmlns:p14="http://schemas.microsoft.com/office/powerpoint/2010/main" val="2811243502"/>
-      </p:ext>
-    </p:extLst>
-  </p:cSld>
-  <p:clrMapOvr>
-    <a:masterClrMapping/>
-  </p:clrMapOvr>
-</p:sld>
-</file>
-
-<file path=ppt/slides/slide2.xml><?xml version="1.0" encoding="utf-8"?>
-<p:sld xmlns:a="http://schemas.openxmlformats.org/drawingml/2006/main" xmlns:r="http://schemas.openxmlformats.org/officeDocument/2006/relationships" xmlns:p="http://schemas.openxmlformats.org/presentationml/2006/main">
-  <p:cSld>
-    <p:spTree>
-      <p:nvGrpSpPr>
-        <p:cNvPr id="1" name=""/>
-        <p:cNvGrpSpPr/>
-        <p:nvPr/>
-      </p:nvGrpSpPr>
-      <p:grpSpPr>
-        <a:xfrm>
-          <a:off x="0" y="0"/>
-          <a:ext cx="0" cy="0"/>
-          <a:chOff x="0" y="0"/>
-          <a:chExt cx="0" cy="0"/>
-        </a:xfrm>
-      </p:grpSpPr>
-      <p:sp>
-        <p:nvSpPr>
-          <p:cNvPr id="2" name="Title 1"/>
-          <p:cNvSpPr>
-            <a:spLocks noGrp="1"/>
-          </p:cNvSpPr>
-          <p:nvPr>
-            <p:ph type="title"/>
-          </p:nvPr>
-        </p:nvSpPr>
-        <p:spPr>
-          <a:xfrm>
-            <a:off x="838200" y="365125"/>
-            <a:ext cx="10411047" cy="1325563"/>
-          </a:xfrm>
-        </p:spPr>
-        <p:txBody>
-          <a:bodyPr>
-            <a:normAutofit/>
-          </a:bodyPr>
-          <a:lstStyle/>
-          <a:p>
-            <a:r>
-              <a:rPr lang="en-US" sz="3600" dirty="0" err="1"/>
-              <a:t>FastPrime</a:t>
-            </a:r>
-            <a:r>
-              <a:rPr lang="en-US" sz="3600" dirty="0"/>
-              <a:t> in C#</a:t>
-            </a:r>
-          </a:p>
-        </p:txBody>
-      </p:sp>
-      <p:sp>
-        <p:nvSpPr>
-          <p:cNvPr id="3" name="Content Placeholder 2"/>
-          <p:cNvSpPr>
-            <a:spLocks noGrp="1"/>
-          </p:cNvSpPr>
-          <p:nvPr>
-            <p:ph idx="1"/>
-          </p:nvPr>
-        </p:nvSpPr>
-        <p:spPr>
-          <a:xfrm>
-            <a:off x="838199" y="1549178"/>
-            <a:ext cx="10453578" cy="4783519"/>
-          </a:xfrm>
-        </p:spPr>
-        <p:txBody>
-          <a:bodyPr>
-            <a:normAutofit/>
-          </a:bodyPr>
-          <a:lstStyle/>
-          <a:p>
-            <a:pPr marL="0" indent="0">
-              <a:buNone/>
-            </a:pPr>
-            <a:r>
-              <a:rPr lang="en-US" sz="2000" dirty="0"/>
-              <a:t>Write a performance optimized command line C# application that will programmatically find prime numbers  and store those numbers sorted in an output file. </a:t>
-            </a:r>
-          </a:p>
-          <a:p>
-            <a:pPr marL="0" indent="0">
-              <a:buNone/>
-            </a:pPr>
-            <a:r>
-              <a:rPr lang="en-US" sz="2000" dirty="0"/>
-              <a:t>In </a:t>
-            </a:r>
-            <a:r>
-              <a:rPr lang="en-US" sz="2000" dirty="0" err="1"/>
-              <a:t>FastPrime</a:t>
-            </a:r>
-            <a:r>
-              <a:rPr lang="en-US" sz="2000" dirty="0"/>
-              <a:t> we will create a command line Java application that will:</a:t>
-            </a:r>
-          </a:p>
-          <a:p>
-            <a:pPr marL="457200" indent="-457200">
-              <a:buFont typeface="+mj-lt"/>
-              <a:buAutoNum type="arabicPeriod"/>
-            </a:pPr>
-            <a:r>
-              <a:rPr lang="en-US" sz="2000" dirty="0"/>
-              <a:t>Use multiple threads to find the prime numbers between two numbers</a:t>
-            </a:r>
-          </a:p>
-          <a:p>
-            <a:pPr marL="457200" indent="-457200">
-              <a:buFont typeface="+mj-lt"/>
-              <a:buAutoNum type="arabicPeriod"/>
-            </a:pPr>
-            <a:r>
-              <a:rPr lang="en-US" sz="2000" dirty="0"/>
-              <a:t>Sort those results and store them to a file</a:t>
-            </a:r>
-          </a:p>
-          <a:p>
-            <a:pPr marL="457200" indent="-457200">
-              <a:buFont typeface="+mj-lt"/>
-              <a:buAutoNum type="arabicPeriod"/>
-            </a:pPr>
-            <a:r>
-              <a:rPr lang="en-US" sz="2000" dirty="0"/>
-              <a:t>Perform some timings</a:t>
-            </a:r>
-          </a:p>
-          <a:p>
-            <a:pPr marL="457200" indent="-457200">
-              <a:buFont typeface="+mj-lt"/>
-              <a:buAutoNum type="arabicPeriod"/>
-            </a:pPr>
-            <a:r>
-              <a:rPr lang="en-US" sz="2000" dirty="0"/>
-              <a:t>… And do this all </a:t>
-            </a:r>
-            <a:r>
-              <a:rPr lang="en-US" sz="2000" u="sng" dirty="0"/>
-              <a:t>very</a:t>
-            </a:r>
-            <a:r>
-              <a:rPr lang="en-US" sz="2000" dirty="0"/>
-              <a:t> fast</a:t>
-            </a:r>
-          </a:p>
-          <a:p>
-            <a:pPr marL="0" indent="0">
-              <a:buNone/>
-            </a:pPr>
-            <a:endParaRPr lang="en-US" sz="2000" dirty="0"/>
-          </a:p>
-          <a:p>
-            <a:pPr marL="0" indent="0">
-              <a:buNone/>
-            </a:pPr>
-            <a:r>
-              <a:rPr lang="en-US" sz="2000" dirty="0"/>
-              <a:t>See the details in this week’s assignment</a:t>
-            </a:r>
-          </a:p>
-        </p:txBody>
-      </p:sp>
-    </p:spTree>
-    <p:extLst>
-      <p:ext uri="{BB962C8B-B14F-4D97-AF65-F5344CB8AC3E}">
-        <p14:creationId xmlns:p14="http://schemas.microsoft.com/office/powerpoint/2010/main" val="3932962852"/>
-      </p:ext>
-    </p:extLst>
-  </p:cSld>
-  <p:clrMapOvr>
-    <a:masterClrMapping/>
-  </p:clrMapOvr>
-</p:sld>
-</file>
-
-<file path=ppt/slides/slide20.xml><?xml version="1.0" encoding="utf-8"?>
-<p:sld xmlns:a="http://schemas.openxmlformats.org/drawingml/2006/main" xmlns:r="http://schemas.openxmlformats.org/officeDocument/2006/relationships" xmlns:p="http://schemas.openxmlformats.org/presentationml/2006/main">
-  <p:cSld>
-    <p:spTree>
-      <p:nvGrpSpPr>
-        <p:cNvPr id="1" name=""/>
-        <p:cNvGrpSpPr/>
-        <p:nvPr/>
-      </p:nvGrpSpPr>
-      <p:grpSpPr>
-        <a:xfrm>
-          <a:off x="0" y="0"/>
-          <a:ext cx="0" cy="0"/>
-          <a:chOff x="0" y="0"/>
-          <a:chExt cx="0" cy="0"/>
-        </a:xfrm>
-      </p:grpSpPr>
-      <p:sp>
-        <p:nvSpPr>
-          <p:cNvPr id="2" name="Title 1"/>
-          <p:cNvSpPr>
-            <a:spLocks noGrp="1"/>
-          </p:cNvSpPr>
-          <p:nvPr>
-            <p:ph type="title"/>
-          </p:nvPr>
-        </p:nvSpPr>
-        <p:spPr/>
-        <p:txBody>
-          <a:bodyPr>
-            <a:normAutofit/>
-          </a:bodyPr>
-          <a:lstStyle/>
-          <a:p>
-            <a:r>
-              <a:rPr lang="en-US" sz="3600" dirty="0"/>
-              <a:t>Multi-Threaded Example</a:t>
+              <a:t>Visual Studio &amp; C#</a:t>
             </a:r>
           </a:p>
         </p:txBody>
@@ -8294,60 +7605,1105 @@
               <a:buNone/>
             </a:pPr>
             <a:r>
+              <a:rPr lang="en-US" sz="2000" dirty="0"/>
+              <a:t>Let’s make sure that we understand:</a:t>
+            </a:r>
+          </a:p>
+          <a:p>
+            <a:r>
+              <a:rPr lang="en-US" sz="2000" dirty="0"/>
+              <a:t>Visual Studio 2017… embrace your IDE</a:t>
+            </a:r>
+          </a:p>
+          <a:p>
+            <a:r>
+              <a:rPr lang="en-US" sz="2000" dirty="0"/>
+              <a:t>Visual Studio New Application Wizard*… mixed blessings</a:t>
+            </a:r>
+          </a:p>
+          <a:p>
+            <a:r>
+              <a:rPr lang="en-US" sz="2000" dirty="0"/>
+              <a:t>Visual Studio Text Editor</a:t>
+            </a:r>
+          </a:p>
+          <a:p>
+            <a:r>
+              <a:rPr lang="en-US" sz="2000" dirty="0"/>
+              <a:t>Debugger!</a:t>
+            </a:r>
+          </a:p>
+          <a:p>
+            <a:r>
+              <a:rPr lang="en-US" sz="2000" dirty="0"/>
+              <a:t>Debug vs. Release builds</a:t>
+            </a:r>
+          </a:p>
+          <a:p>
+            <a:r>
+              <a:rPr lang="en-US" sz="2000" dirty="0"/>
+              <a:t>Project and source code files</a:t>
+            </a:r>
+          </a:p>
+          <a:p>
+            <a:r>
+              <a:rPr lang="en-US" sz="2000" dirty="0"/>
+              <a:t>C# Hello World</a:t>
+            </a:r>
+          </a:p>
+          <a:p>
+            <a:r>
+              <a:rPr lang="en-US" sz="2000" dirty="0"/>
+              <a:t>Command line arguments in debugger</a:t>
+            </a:r>
+          </a:p>
+          <a:p>
+            <a:r>
+              <a:rPr lang="en-US" sz="2000" dirty="0"/>
+              <a:t>Debug and Release configurations</a:t>
+            </a:r>
+          </a:p>
+          <a:p>
+            <a:r>
+              <a:rPr lang="en-US" sz="2000" dirty="0"/>
+              <a:t>Text formatting options ({)</a:t>
+            </a:r>
+          </a:p>
+          <a:p>
+            <a:r>
+              <a:rPr lang="en-US" sz="2000" dirty="0"/>
+              <a:t>Full screen text editing (</a:t>
+            </a:r>
+            <a:r>
               <a:rPr lang="en-US" sz="2000" dirty="0" err="1"/>
-              <a:t>ThreadedRandomNumbers</a:t>
-            </a:r>
-            <a:r>
-              <a:rPr lang="en-US" sz="2000" dirty="0"/>
-              <a:t>: Calculate 1,000,000,000 random numbers between 1 and 2,000,000. Print “We found number 1024!” to the console each time 1024 is generated. We would expect it to come up approximately 500 times. </a:t>
-            </a:r>
-          </a:p>
-          <a:p>
-            <a:r>
-              <a:rPr lang="en-US" sz="2000" dirty="0"/>
-              <a:t>Write a single threaded application</a:t>
-            </a:r>
-          </a:p>
-          <a:p>
-            <a:r>
-              <a:rPr lang="en-US" sz="2000" dirty="0"/>
-              <a:t>Divide the application into multiple threads and repeat</a:t>
-            </a:r>
-          </a:p>
-          <a:p>
-            <a:r>
-              <a:rPr lang="en-US" sz="2000" dirty="0"/>
-              <a:t>Consider the diminishing returns of adding additional threads</a:t>
-            </a:r>
-          </a:p>
-          <a:p>
-            <a:r>
-              <a:rPr lang="en-US" sz="2000" dirty="0"/>
-              <a:t>Implement by extending Thread</a:t>
-            </a:r>
-          </a:p>
-          <a:p>
-            <a:r>
-              <a:rPr lang="en-US" sz="2000" dirty="0"/>
-              <a:t>… and by implementing Runnable</a:t>
+              <a:t>shift+alt+enter</a:t>
+            </a:r>
+            <a:r>
+              <a:rPr lang="en-US" sz="2000" dirty="0"/>
+              <a:t>)</a:t>
             </a:r>
           </a:p>
           <a:p>
             <a:pPr marL="0" indent="0">
-              <a:buFont typeface="Arial" panose="020B0604020202020204" pitchFamily="34" charset="0"/>
-              <a:buNone/>
-            </a:pPr>
-            <a:r>
-              <a:rPr lang="en-US" sz="2000" dirty="0"/>
-              <a:t> </a:t>
-            </a:r>
+              <a:buNone/>
+            </a:pPr>
+            <a:endParaRPr lang="en-US" sz="2000" dirty="0"/>
+          </a:p>
+          <a:p>
+            <a:endParaRPr lang="en-US" sz="2000" dirty="0"/>
+          </a:p>
+          <a:p>
+            <a:endParaRPr lang="en-US" sz="2000" dirty="0"/>
           </a:p>
         </p:txBody>
       </p:sp>
     </p:spTree>
     <p:extLst>
       <p:ext uri="{BB962C8B-B14F-4D97-AF65-F5344CB8AC3E}">
-        <p14:creationId xmlns:p14="http://schemas.microsoft.com/office/powerpoint/2010/main" val="1717965204"/>
+        <p14:creationId xmlns:p14="http://schemas.microsoft.com/office/powerpoint/2010/main" val="960536022"/>
+      </p:ext>
+    </p:extLst>
+  </p:cSld>
+  <p:clrMapOvr>
+    <a:masterClrMapping/>
+  </p:clrMapOvr>
+</p:sld>
+</file>
+
+<file path=ppt/slides/slide17.xml><?xml version="1.0" encoding="utf-8"?>
+<p:sld xmlns:a="http://schemas.openxmlformats.org/drawingml/2006/main" xmlns:r="http://schemas.openxmlformats.org/officeDocument/2006/relationships" xmlns:p="http://schemas.openxmlformats.org/presentationml/2006/main">
+  <p:cSld>
+    <p:spTree>
+      <p:nvGrpSpPr>
+        <p:cNvPr id="1" name=""/>
+        <p:cNvGrpSpPr/>
+        <p:nvPr/>
+      </p:nvGrpSpPr>
+      <p:grpSpPr>
+        <a:xfrm>
+          <a:off x="0" y="0"/>
+          <a:ext cx="0" cy="0"/>
+          <a:chOff x="0" y="0"/>
+          <a:chExt cx="0" cy="0"/>
+        </a:xfrm>
+      </p:grpSpPr>
+      <p:sp>
+        <p:nvSpPr>
+          <p:cNvPr id="2" name="Title 1"/>
+          <p:cNvSpPr>
+            <a:spLocks noGrp="1"/>
+          </p:cNvSpPr>
+          <p:nvPr>
+            <p:ph type="title"/>
+          </p:nvPr>
+        </p:nvSpPr>
+        <p:spPr/>
+        <p:txBody>
+          <a:bodyPr>
+            <a:normAutofit/>
+          </a:bodyPr>
+          <a:lstStyle/>
+          <a:p>
+            <a:r>
+              <a:rPr lang="en-US" sz="3600" dirty="0"/>
+              <a:t>Visual Studio &amp; C# (continued)</a:t>
+            </a:r>
+          </a:p>
+        </p:txBody>
+      </p:sp>
+      <p:sp>
+        <p:nvSpPr>
+          <p:cNvPr id="5" name="Content Placeholder 2"/>
+          <p:cNvSpPr txBox="1">
+            <a:spLocks/>
+          </p:cNvSpPr>
+          <p:nvPr/>
+        </p:nvSpPr>
+        <p:spPr>
+          <a:xfrm>
+            <a:off x="838200" y="1382233"/>
+            <a:ext cx="10515600" cy="5050465"/>
+          </a:xfrm>
+          <a:prstGeom prst="rect">
+            <a:avLst/>
+          </a:prstGeom>
+        </p:spPr>
+        <p:txBody>
+          <a:bodyPr vert="horz" lIns="91440" tIns="45720" rIns="91440" bIns="45720" rtlCol="0">
+            <a:normAutofit/>
+          </a:bodyPr>
+          <a:lstStyle>
+            <a:lvl1pPr marL="228600" indent="-228600" algn="l" defTabSz="914400" rtl="0" eaLnBrk="1" latinLnBrk="0" hangingPunct="1">
+              <a:lnSpc>
+                <a:spcPct val="90000"/>
+              </a:lnSpc>
+              <a:spcBef>
+                <a:spcPts val="1000"/>
+              </a:spcBef>
+              <a:buFont typeface="Arial" panose="020B0604020202020204" pitchFamily="34" charset="0"/>
+              <a:buChar char="•"/>
+              <a:defRPr sz="2800" kern="1200">
+                <a:solidFill>
+                  <a:schemeClr val="tx1"/>
+                </a:solidFill>
+                <a:latin typeface="+mn-lt"/>
+                <a:ea typeface="+mn-ea"/>
+                <a:cs typeface="+mn-cs"/>
+              </a:defRPr>
+            </a:lvl1pPr>
+            <a:lvl2pPr marL="685800" indent="-228600" algn="l" defTabSz="914400" rtl="0" eaLnBrk="1" latinLnBrk="0" hangingPunct="1">
+              <a:lnSpc>
+                <a:spcPct val="90000"/>
+              </a:lnSpc>
+              <a:spcBef>
+                <a:spcPts val="500"/>
+              </a:spcBef>
+              <a:buFont typeface="Arial" panose="020B0604020202020204" pitchFamily="34" charset="0"/>
+              <a:buChar char="•"/>
+              <a:defRPr sz="2400" kern="1200">
+                <a:solidFill>
+                  <a:schemeClr val="tx1"/>
+                </a:solidFill>
+                <a:latin typeface="+mn-lt"/>
+                <a:ea typeface="+mn-ea"/>
+                <a:cs typeface="+mn-cs"/>
+              </a:defRPr>
+            </a:lvl2pPr>
+            <a:lvl3pPr marL="1143000" indent="-228600" algn="l" defTabSz="914400" rtl="0" eaLnBrk="1" latinLnBrk="0" hangingPunct="1">
+              <a:lnSpc>
+                <a:spcPct val="90000"/>
+              </a:lnSpc>
+              <a:spcBef>
+                <a:spcPts val="500"/>
+              </a:spcBef>
+              <a:buFont typeface="Arial" panose="020B0604020202020204" pitchFamily="34" charset="0"/>
+              <a:buChar char="•"/>
+              <a:defRPr sz="2000" kern="1200">
+                <a:solidFill>
+                  <a:schemeClr val="tx1"/>
+                </a:solidFill>
+                <a:latin typeface="+mn-lt"/>
+                <a:ea typeface="+mn-ea"/>
+                <a:cs typeface="+mn-cs"/>
+              </a:defRPr>
+            </a:lvl3pPr>
+            <a:lvl4pPr marL="1600200" indent="-228600" algn="l" defTabSz="914400" rtl="0" eaLnBrk="1" latinLnBrk="0" hangingPunct="1">
+              <a:lnSpc>
+                <a:spcPct val="90000"/>
+              </a:lnSpc>
+              <a:spcBef>
+                <a:spcPts val="500"/>
+              </a:spcBef>
+              <a:buFont typeface="Arial" panose="020B0604020202020204" pitchFamily="34" charset="0"/>
+              <a:buChar char="•"/>
+              <a:defRPr sz="1800" kern="1200">
+                <a:solidFill>
+                  <a:schemeClr val="tx1"/>
+                </a:solidFill>
+                <a:latin typeface="+mn-lt"/>
+                <a:ea typeface="+mn-ea"/>
+                <a:cs typeface="+mn-cs"/>
+              </a:defRPr>
+            </a:lvl4pPr>
+            <a:lvl5pPr marL="2057400" indent="-228600" algn="l" defTabSz="914400" rtl="0" eaLnBrk="1" latinLnBrk="0" hangingPunct="1">
+              <a:lnSpc>
+                <a:spcPct val="90000"/>
+              </a:lnSpc>
+              <a:spcBef>
+                <a:spcPts val="500"/>
+              </a:spcBef>
+              <a:buFont typeface="Arial" panose="020B0604020202020204" pitchFamily="34" charset="0"/>
+              <a:buChar char="•"/>
+              <a:defRPr sz="1800" kern="1200">
+                <a:solidFill>
+                  <a:schemeClr val="tx1"/>
+                </a:solidFill>
+                <a:latin typeface="+mn-lt"/>
+                <a:ea typeface="+mn-ea"/>
+                <a:cs typeface="+mn-cs"/>
+              </a:defRPr>
+            </a:lvl5pPr>
+            <a:lvl6pPr marL="2514600" indent="-228600" algn="l" defTabSz="914400" rtl="0" eaLnBrk="1" latinLnBrk="0" hangingPunct="1">
+              <a:lnSpc>
+                <a:spcPct val="90000"/>
+              </a:lnSpc>
+              <a:spcBef>
+                <a:spcPts val="500"/>
+              </a:spcBef>
+              <a:buFont typeface="Arial" panose="020B0604020202020204" pitchFamily="34" charset="0"/>
+              <a:buChar char="•"/>
+              <a:defRPr sz="1800" kern="1200">
+                <a:solidFill>
+                  <a:schemeClr val="tx1"/>
+                </a:solidFill>
+                <a:latin typeface="+mn-lt"/>
+                <a:ea typeface="+mn-ea"/>
+                <a:cs typeface="+mn-cs"/>
+              </a:defRPr>
+            </a:lvl6pPr>
+            <a:lvl7pPr marL="2971800" indent="-228600" algn="l" defTabSz="914400" rtl="0" eaLnBrk="1" latinLnBrk="0" hangingPunct="1">
+              <a:lnSpc>
+                <a:spcPct val="90000"/>
+              </a:lnSpc>
+              <a:spcBef>
+                <a:spcPts val="500"/>
+              </a:spcBef>
+              <a:buFont typeface="Arial" panose="020B0604020202020204" pitchFamily="34" charset="0"/>
+              <a:buChar char="•"/>
+              <a:defRPr sz="1800" kern="1200">
+                <a:solidFill>
+                  <a:schemeClr val="tx1"/>
+                </a:solidFill>
+                <a:latin typeface="+mn-lt"/>
+                <a:ea typeface="+mn-ea"/>
+                <a:cs typeface="+mn-cs"/>
+              </a:defRPr>
+            </a:lvl7pPr>
+            <a:lvl8pPr marL="3429000" indent="-228600" algn="l" defTabSz="914400" rtl="0" eaLnBrk="1" latinLnBrk="0" hangingPunct="1">
+              <a:lnSpc>
+                <a:spcPct val="90000"/>
+              </a:lnSpc>
+              <a:spcBef>
+                <a:spcPts val="500"/>
+              </a:spcBef>
+              <a:buFont typeface="Arial" panose="020B0604020202020204" pitchFamily="34" charset="0"/>
+              <a:buChar char="•"/>
+              <a:defRPr sz="1800" kern="1200">
+                <a:solidFill>
+                  <a:schemeClr val="tx1"/>
+                </a:solidFill>
+                <a:latin typeface="+mn-lt"/>
+                <a:ea typeface="+mn-ea"/>
+                <a:cs typeface="+mn-cs"/>
+              </a:defRPr>
+            </a:lvl8pPr>
+            <a:lvl9pPr marL="3886200" indent="-228600" algn="l" defTabSz="914400" rtl="0" eaLnBrk="1" latinLnBrk="0" hangingPunct="1">
+              <a:lnSpc>
+                <a:spcPct val="90000"/>
+              </a:lnSpc>
+              <a:spcBef>
+                <a:spcPts val="500"/>
+              </a:spcBef>
+              <a:buFont typeface="Arial" panose="020B0604020202020204" pitchFamily="34" charset="0"/>
+              <a:buChar char="•"/>
+              <a:defRPr sz="1800" kern="1200">
+                <a:solidFill>
+                  <a:schemeClr val="tx1"/>
+                </a:solidFill>
+                <a:latin typeface="+mn-lt"/>
+                <a:ea typeface="+mn-ea"/>
+                <a:cs typeface="+mn-cs"/>
+              </a:defRPr>
+            </a:lvl9pPr>
+          </a:lstStyle>
+          <a:p>
+            <a:r>
+              <a:rPr lang="en-US" sz="2000" dirty="0" err="1"/>
+              <a:t>System.Console.WriteLine</a:t>
+            </a:r>
+            <a:endParaRPr lang="en-US" sz="2000" dirty="0"/>
+          </a:p>
+          <a:p>
+            <a:r>
+              <a:rPr lang="en-US" sz="2000" dirty="0"/>
+              <a:t>Classes</a:t>
+            </a:r>
+          </a:p>
+          <a:p>
+            <a:r>
+              <a:rPr lang="en-US" sz="2000" dirty="0"/>
+              <a:t>Methods</a:t>
+            </a:r>
+          </a:p>
+          <a:p>
+            <a:r>
+              <a:rPr lang="en-US" sz="2000" dirty="0"/>
+              <a:t>Properties, Setters, and Getters</a:t>
+            </a:r>
+          </a:p>
+          <a:p>
+            <a:r>
+              <a:rPr lang="en-US" sz="2000" dirty="0"/>
+              <a:t>Framework classes.. .NET classes and not C# classes*</a:t>
+            </a:r>
+          </a:p>
+          <a:p>
+            <a:r>
+              <a:rPr lang="en-US" sz="2000" dirty="0"/>
+              <a:t>Time &amp; Duration</a:t>
+            </a:r>
+          </a:p>
+          <a:p>
+            <a:r>
+              <a:rPr lang="en-US" sz="2000" dirty="0"/>
+              <a:t>Threads</a:t>
+            </a:r>
+          </a:p>
+          <a:p>
+            <a:endParaRPr lang="en-US" sz="2000" dirty="0"/>
+          </a:p>
+          <a:p>
+            <a:pPr marL="0" indent="0">
+              <a:buNone/>
+            </a:pPr>
+            <a:endParaRPr lang="en-US" sz="2000" dirty="0"/>
+          </a:p>
+          <a:p>
+            <a:endParaRPr lang="en-US" sz="2000" dirty="0"/>
+          </a:p>
+          <a:p>
+            <a:endParaRPr lang="en-US" sz="2000" dirty="0"/>
+          </a:p>
+        </p:txBody>
+      </p:sp>
+    </p:spTree>
+    <p:extLst>
+      <p:ext uri="{BB962C8B-B14F-4D97-AF65-F5344CB8AC3E}">
+        <p14:creationId xmlns:p14="http://schemas.microsoft.com/office/powerpoint/2010/main" val="1494112956"/>
+      </p:ext>
+    </p:extLst>
+  </p:cSld>
+  <p:clrMapOvr>
+    <a:masterClrMapping/>
+  </p:clrMapOvr>
+</p:sld>
+</file>
+
+<file path=ppt/slides/slide18.xml><?xml version="1.0" encoding="utf-8"?>
+<p:sld xmlns:a="http://schemas.openxmlformats.org/drawingml/2006/main" xmlns:r="http://schemas.openxmlformats.org/officeDocument/2006/relationships" xmlns:p="http://schemas.openxmlformats.org/presentationml/2006/main">
+  <p:cSld>
+    <p:spTree>
+      <p:nvGrpSpPr>
+        <p:cNvPr id="1" name=""/>
+        <p:cNvGrpSpPr/>
+        <p:nvPr/>
+      </p:nvGrpSpPr>
+      <p:grpSpPr>
+        <a:xfrm>
+          <a:off x="0" y="0"/>
+          <a:ext cx="0" cy="0"/>
+          <a:chOff x="0" y="0"/>
+          <a:chExt cx="0" cy="0"/>
+        </a:xfrm>
+      </p:grpSpPr>
+      <p:sp>
+        <p:nvSpPr>
+          <p:cNvPr id="2" name="Title 1"/>
+          <p:cNvSpPr>
+            <a:spLocks noGrp="1"/>
+          </p:cNvSpPr>
+          <p:nvPr>
+            <p:ph type="title"/>
+          </p:nvPr>
+        </p:nvSpPr>
+        <p:spPr/>
+        <p:txBody>
+          <a:bodyPr>
+            <a:normAutofit/>
+          </a:bodyPr>
+          <a:lstStyle/>
+          <a:p>
+            <a:r>
+              <a:rPr lang="en-US" sz="3600" dirty="0"/>
+              <a:t>C# vs. Java </a:t>
+            </a:r>
+            <a:r>
+              <a:rPr lang="en-US" sz="3600" dirty="0" err="1"/>
+              <a:t>GetRandomNumbers</a:t>
+            </a:r>
+            <a:r>
+              <a:rPr lang="en-US" sz="3600" dirty="0"/>
+              <a:t> Class</a:t>
+            </a:r>
+          </a:p>
+        </p:txBody>
+      </p:sp>
+      <p:pic>
+        <p:nvPicPr>
+          <p:cNvPr id="3" name="Picture 2"/>
+          <p:cNvPicPr>
+            <a:picLocks noChangeAspect="1"/>
+          </p:cNvPicPr>
+          <p:nvPr/>
+        </p:nvPicPr>
+        <p:blipFill>
+          <a:blip r:embed="rId3"/>
+          <a:stretch>
+            <a:fillRect/>
+          </a:stretch>
+        </p:blipFill>
+        <p:spPr>
+          <a:xfrm>
+            <a:off x="381000" y="1690688"/>
+            <a:ext cx="5486400" cy="3981025"/>
+          </a:xfrm>
+          <a:prstGeom prst="rect">
+            <a:avLst/>
+          </a:prstGeom>
+        </p:spPr>
+      </p:pic>
+      <p:pic>
+        <p:nvPicPr>
+          <p:cNvPr id="4" name="Picture 3"/>
+          <p:cNvPicPr>
+            <a:picLocks noChangeAspect="1"/>
+          </p:cNvPicPr>
+          <p:nvPr/>
+        </p:nvPicPr>
+        <p:blipFill>
+          <a:blip r:embed="rId4"/>
+          <a:stretch>
+            <a:fillRect/>
+          </a:stretch>
+        </p:blipFill>
+        <p:spPr>
+          <a:xfrm>
+            <a:off x="6280056" y="1687465"/>
+            <a:ext cx="5486400" cy="3987472"/>
+          </a:xfrm>
+          <a:prstGeom prst="rect">
+            <a:avLst/>
+          </a:prstGeom>
+        </p:spPr>
+      </p:pic>
+    </p:spTree>
+    <p:extLst>
+      <p:ext uri="{BB962C8B-B14F-4D97-AF65-F5344CB8AC3E}">
+        <p14:creationId xmlns:p14="http://schemas.microsoft.com/office/powerpoint/2010/main" val="1813290187"/>
+      </p:ext>
+    </p:extLst>
+  </p:cSld>
+  <p:clrMapOvr>
+    <a:masterClrMapping/>
+  </p:clrMapOvr>
+</p:sld>
+</file>
+
+<file path=ppt/slides/slide19.xml><?xml version="1.0" encoding="utf-8"?>
+<p:sld xmlns:a="http://schemas.openxmlformats.org/drawingml/2006/main" xmlns:r="http://schemas.openxmlformats.org/officeDocument/2006/relationships" xmlns:p="http://schemas.openxmlformats.org/presentationml/2006/main">
+  <p:cSld>
+    <p:spTree>
+      <p:nvGrpSpPr>
+        <p:cNvPr id="1" name=""/>
+        <p:cNvGrpSpPr/>
+        <p:nvPr/>
+      </p:nvGrpSpPr>
+      <p:grpSpPr>
+        <a:xfrm>
+          <a:off x="0" y="0"/>
+          <a:ext cx="0" cy="0"/>
+          <a:chOff x="0" y="0"/>
+          <a:chExt cx="0" cy="0"/>
+        </a:xfrm>
+      </p:grpSpPr>
+      <p:sp>
+        <p:nvSpPr>
+          <p:cNvPr id="2" name="Title 1"/>
+          <p:cNvSpPr>
+            <a:spLocks noGrp="1"/>
+          </p:cNvSpPr>
+          <p:nvPr>
+            <p:ph type="title"/>
+          </p:nvPr>
+        </p:nvSpPr>
+        <p:spPr>
+          <a:xfrm>
+            <a:off x="838200" y="365126"/>
+            <a:ext cx="6113662" cy="1409174"/>
+          </a:xfrm>
+        </p:spPr>
+        <p:txBody>
+          <a:bodyPr>
+            <a:normAutofit/>
+          </a:bodyPr>
+          <a:lstStyle/>
+          <a:p>
+            <a:r>
+              <a:rPr lang="en-US" sz="3600" dirty="0"/>
+              <a:t>Object-Oriented Programming</a:t>
+            </a:r>
+            <a:br>
+              <a:rPr lang="en-US" sz="3600" dirty="0"/>
+            </a:br>
+            <a:r>
+              <a:rPr lang="en-US" sz="1800" dirty="0"/>
+              <a:t>Session: Week 6 Session 3 Preview</a:t>
+            </a:r>
+            <a:br>
+              <a:rPr lang="en-US" sz="1800" dirty="0"/>
+            </a:br>
+            <a:r>
+              <a:rPr lang="en-US" sz="1800" dirty="0"/>
+              <a:t>Instructor: Eric Pogue</a:t>
+            </a:r>
+            <a:endParaRPr lang="en-US" sz="1800" b="1" i="1" u="sng" dirty="0"/>
+          </a:p>
+        </p:txBody>
+      </p:sp>
+      <p:pic>
+        <p:nvPicPr>
+          <p:cNvPr id="4" name="Content Placeholder 4"/>
+          <p:cNvPicPr>
+            <a:picLocks noChangeAspect="1"/>
+          </p:cNvPicPr>
+          <p:nvPr/>
+        </p:nvPicPr>
+        <p:blipFill>
+          <a:blip r:embed="rId3"/>
+          <a:stretch>
+            <a:fillRect/>
+          </a:stretch>
+        </p:blipFill>
+        <p:spPr>
+          <a:xfrm>
+            <a:off x="9072894" y="182925"/>
+            <a:ext cx="2656367" cy="1366321"/>
+          </a:xfrm>
+          <a:prstGeom prst="rect">
+            <a:avLst/>
+          </a:prstGeom>
+        </p:spPr>
+      </p:pic>
+      <p:sp>
+        <p:nvSpPr>
+          <p:cNvPr id="6" name="Content Placeholder 5"/>
+          <p:cNvSpPr>
+            <a:spLocks noGrp="1"/>
+          </p:cNvSpPr>
+          <p:nvPr>
+            <p:ph idx="1"/>
+          </p:nvPr>
+        </p:nvSpPr>
+        <p:spPr/>
+        <p:txBody>
+          <a:bodyPr>
+            <a:normAutofit/>
+          </a:bodyPr>
+          <a:lstStyle/>
+          <a:p>
+            <a:pPr marL="457200" indent="-457200">
+              <a:buFont typeface="+mj-lt"/>
+              <a:buAutoNum type="arabicPeriod"/>
+            </a:pPr>
+            <a:r>
+              <a:rPr lang="en-US" sz="2000" dirty="0">
+                <a:solidFill>
+                  <a:schemeClr val="bg1">
+                    <a:lumMod val="65000"/>
+                  </a:schemeClr>
+                </a:solidFill>
+              </a:rPr>
+              <a:t>Download and install Visual Studio... And implement Hello World in C#</a:t>
+            </a:r>
+          </a:p>
+          <a:p>
+            <a:pPr marL="457200" indent="-457200">
+              <a:buFont typeface="+mj-lt"/>
+              <a:buAutoNum type="arabicPeriod"/>
+            </a:pPr>
+            <a:r>
+              <a:rPr lang="en-US" sz="2000" dirty="0">
+                <a:solidFill>
+                  <a:schemeClr val="bg1">
+                    <a:lumMod val="65000"/>
+                  </a:schemeClr>
+                </a:solidFill>
+              </a:rPr>
+              <a:t>Identify characteristics of Java, Python, and C#</a:t>
+            </a:r>
+          </a:p>
+          <a:p>
+            <a:pPr marL="457200" indent="-457200">
+              <a:buFont typeface="+mj-lt"/>
+              <a:buAutoNum type="arabicPeriod"/>
+            </a:pPr>
+            <a:r>
+              <a:rPr lang="en-US" sz="2000" dirty="0">
+                <a:solidFill>
+                  <a:schemeClr val="bg1">
+                    <a:lumMod val="65000"/>
+                  </a:schemeClr>
+                </a:solidFill>
+              </a:rPr>
+              <a:t>Professional positioning </a:t>
+            </a:r>
+          </a:p>
+          <a:p>
+            <a:pPr marL="457200" indent="-457200">
+              <a:buFont typeface="+mj-lt"/>
+              <a:buAutoNum type="arabicPeriod"/>
+            </a:pPr>
+            <a:r>
+              <a:rPr lang="en-US" sz="2000" strike="sngStrike" dirty="0">
+                <a:solidFill>
+                  <a:schemeClr val="bg1">
+                    <a:lumMod val="65000"/>
+                  </a:schemeClr>
+                </a:solidFill>
+              </a:rPr>
+              <a:t>Write non-object-oriented programs that use sequence, selection, and repetition </a:t>
+            </a:r>
+          </a:p>
+          <a:p>
+            <a:pPr marL="457200" indent="-457200">
+              <a:buFont typeface="+mj-lt"/>
+              <a:buAutoNum type="arabicPeriod"/>
+            </a:pPr>
+            <a:r>
+              <a:rPr lang="en-US" sz="2000" dirty="0">
+                <a:solidFill>
+                  <a:schemeClr val="bg1">
+                    <a:lumMod val="65000"/>
+                  </a:schemeClr>
+                </a:solidFill>
+              </a:rPr>
+              <a:t>Use Visual Studio 2017 to define C# classes, complete with properties, methods, and constructors… and much more</a:t>
+            </a:r>
+          </a:p>
+          <a:p>
+            <a:pPr marL="457200" indent="-457200">
+              <a:buFont typeface="+mj-lt"/>
+              <a:buAutoNum type="arabicPeriod"/>
+            </a:pPr>
+            <a:r>
+              <a:rPr lang="en-US" sz="2000" dirty="0">
+                <a:solidFill>
+                  <a:schemeClr val="bg1">
+                    <a:lumMod val="65000"/>
+                  </a:schemeClr>
+                </a:solidFill>
+              </a:rPr>
+              <a:t>Create classes and objects to carry out the work of your program</a:t>
+            </a:r>
+          </a:p>
+          <a:p>
+            <a:pPr marL="457200" indent="-457200">
+              <a:buFont typeface="+mj-lt"/>
+              <a:buAutoNum type="arabicPeriod"/>
+            </a:pPr>
+            <a:r>
+              <a:rPr lang="en-US" sz="2000" dirty="0">
+                <a:solidFill>
+                  <a:schemeClr val="bg1">
+                    <a:lumMod val="65000"/>
+                  </a:schemeClr>
+                </a:solidFill>
+              </a:rPr>
+              <a:t>Use inheritance to create a hierarchy of classes that are related to each other</a:t>
+            </a:r>
+          </a:p>
+          <a:p>
+            <a:pPr marL="457200" indent="-457200">
+              <a:buFont typeface="+mj-lt"/>
+              <a:buAutoNum type="arabicPeriod"/>
+            </a:pPr>
+            <a:r>
+              <a:rPr lang="en-US" sz="2000" dirty="0"/>
+              <a:t>Use C# built-in text file objects to create and read text files</a:t>
+            </a:r>
+          </a:p>
+          <a:p>
+            <a:pPr marL="457200" indent="-457200">
+              <a:buFont typeface="+mj-lt"/>
+              <a:buAutoNum type="arabicPeriod"/>
+            </a:pPr>
+            <a:r>
+              <a:rPr lang="en-US" sz="2000" dirty="0"/>
+              <a:t>Work with C# lists</a:t>
+            </a:r>
+          </a:p>
+          <a:p>
+            <a:pPr marL="457200" indent="-457200">
+              <a:buFont typeface="+mj-lt"/>
+              <a:buAutoNum type="arabicPeriod"/>
+            </a:pPr>
+            <a:r>
+              <a:rPr lang="en-US" sz="2000" dirty="0"/>
+              <a:t>Deal with a list of related objects polymorphically</a:t>
+            </a:r>
+          </a:p>
+          <a:p>
+            <a:endParaRPr lang="en-US" sz="2000" dirty="0"/>
+          </a:p>
+        </p:txBody>
+      </p:sp>
+    </p:spTree>
+    <p:extLst>
+      <p:ext uri="{BB962C8B-B14F-4D97-AF65-F5344CB8AC3E}">
+        <p14:creationId xmlns:p14="http://schemas.microsoft.com/office/powerpoint/2010/main" val="3110686902"/>
+      </p:ext>
+    </p:extLst>
+  </p:cSld>
+  <p:clrMapOvr>
+    <a:masterClrMapping/>
+  </p:clrMapOvr>
+</p:sld>
+</file>
+
+<file path=ppt/slides/slide2.xml><?xml version="1.0" encoding="utf-8"?>
+<p:sld xmlns:a="http://schemas.openxmlformats.org/drawingml/2006/main" xmlns:r="http://schemas.openxmlformats.org/officeDocument/2006/relationships" xmlns:p="http://schemas.openxmlformats.org/presentationml/2006/main">
+  <p:cSld>
+    <p:spTree>
+      <p:nvGrpSpPr>
+        <p:cNvPr id="1" name=""/>
+        <p:cNvGrpSpPr/>
+        <p:nvPr/>
+      </p:nvGrpSpPr>
+      <p:grpSpPr>
+        <a:xfrm>
+          <a:off x="0" y="0"/>
+          <a:ext cx="0" cy="0"/>
+          <a:chOff x="0" y="0"/>
+          <a:chExt cx="0" cy="0"/>
+        </a:xfrm>
+      </p:grpSpPr>
+      <p:sp>
+        <p:nvSpPr>
+          <p:cNvPr id="2" name="Title 1"/>
+          <p:cNvSpPr>
+            <a:spLocks noGrp="1"/>
+          </p:cNvSpPr>
+          <p:nvPr>
+            <p:ph type="title"/>
+          </p:nvPr>
+        </p:nvSpPr>
+        <p:spPr>
+          <a:xfrm>
+            <a:off x="838200" y="365125"/>
+            <a:ext cx="10411047" cy="1325563"/>
+          </a:xfrm>
+        </p:spPr>
+        <p:txBody>
+          <a:bodyPr>
+            <a:normAutofit/>
+          </a:bodyPr>
+          <a:lstStyle/>
+          <a:p>
+            <a:r>
+              <a:rPr lang="en-US" sz="3600" dirty="0" err="1"/>
+              <a:t>FastPrime</a:t>
+            </a:r>
+            <a:r>
+              <a:rPr lang="en-US" sz="3600" dirty="0"/>
+              <a:t> in C#</a:t>
+            </a:r>
+          </a:p>
+        </p:txBody>
+      </p:sp>
+      <p:sp>
+        <p:nvSpPr>
+          <p:cNvPr id="3" name="Content Placeholder 2"/>
+          <p:cNvSpPr>
+            <a:spLocks noGrp="1"/>
+          </p:cNvSpPr>
+          <p:nvPr>
+            <p:ph idx="1"/>
+          </p:nvPr>
+        </p:nvSpPr>
+        <p:spPr>
+          <a:xfrm>
+            <a:off x="838199" y="1549178"/>
+            <a:ext cx="10453578" cy="4783519"/>
+          </a:xfrm>
+        </p:spPr>
+        <p:txBody>
+          <a:bodyPr>
+            <a:normAutofit/>
+          </a:bodyPr>
+          <a:lstStyle/>
+          <a:p>
+            <a:pPr marL="0" indent="0">
+              <a:buNone/>
+            </a:pPr>
+            <a:r>
+              <a:rPr lang="en-US" sz="2000" dirty="0"/>
+              <a:t>Write a performance optimized command line C# application that will programmatically find prime numbers  and store those numbers sorted in an output file. </a:t>
+            </a:r>
+          </a:p>
+          <a:p>
+            <a:pPr marL="0" indent="0">
+              <a:buNone/>
+            </a:pPr>
+            <a:r>
+              <a:rPr lang="en-US" sz="2000" dirty="0"/>
+              <a:t>In </a:t>
+            </a:r>
+            <a:r>
+              <a:rPr lang="en-US" sz="2000" dirty="0" err="1"/>
+              <a:t>FastPrime</a:t>
+            </a:r>
+            <a:r>
+              <a:rPr lang="en-US" sz="2000" dirty="0"/>
+              <a:t> we will create a command line Java application that will:</a:t>
+            </a:r>
+          </a:p>
+          <a:p>
+            <a:pPr marL="457200" indent="-457200">
+              <a:buFont typeface="+mj-lt"/>
+              <a:buAutoNum type="arabicPeriod"/>
+            </a:pPr>
+            <a:r>
+              <a:rPr lang="en-US" sz="2000" dirty="0"/>
+              <a:t>Use multiple threads to find the prime numbers between two numbers</a:t>
+            </a:r>
+          </a:p>
+          <a:p>
+            <a:pPr marL="457200" indent="-457200">
+              <a:buFont typeface="+mj-lt"/>
+              <a:buAutoNum type="arabicPeriod"/>
+            </a:pPr>
+            <a:r>
+              <a:rPr lang="en-US" sz="2000" dirty="0"/>
+              <a:t>Sort those results and store them to a file</a:t>
+            </a:r>
+          </a:p>
+          <a:p>
+            <a:pPr marL="457200" indent="-457200">
+              <a:buFont typeface="+mj-lt"/>
+              <a:buAutoNum type="arabicPeriod"/>
+            </a:pPr>
+            <a:r>
+              <a:rPr lang="en-US" sz="2000" dirty="0"/>
+              <a:t>Perform some timings</a:t>
+            </a:r>
+          </a:p>
+          <a:p>
+            <a:pPr marL="457200" indent="-457200">
+              <a:buFont typeface="+mj-lt"/>
+              <a:buAutoNum type="arabicPeriod"/>
+            </a:pPr>
+            <a:r>
+              <a:rPr lang="en-US" sz="2000" dirty="0"/>
+              <a:t>… And do this all </a:t>
+            </a:r>
+            <a:r>
+              <a:rPr lang="en-US" sz="2000" u="sng" dirty="0"/>
+              <a:t>very</a:t>
+            </a:r>
+            <a:r>
+              <a:rPr lang="en-US" sz="2000" dirty="0"/>
+              <a:t> fast</a:t>
+            </a:r>
+          </a:p>
+          <a:p>
+            <a:pPr marL="0" indent="0">
+              <a:buNone/>
+            </a:pPr>
+            <a:endParaRPr lang="en-US" sz="2000" dirty="0"/>
+          </a:p>
+          <a:p>
+            <a:pPr marL="0" indent="0">
+              <a:buNone/>
+            </a:pPr>
+            <a:r>
+              <a:rPr lang="en-US" sz="2000" dirty="0"/>
+              <a:t>See the details in this week’s assignment</a:t>
+            </a:r>
+          </a:p>
+        </p:txBody>
+      </p:sp>
+    </p:spTree>
+    <p:extLst>
+      <p:ext uri="{BB962C8B-B14F-4D97-AF65-F5344CB8AC3E}">
+        <p14:creationId xmlns:p14="http://schemas.microsoft.com/office/powerpoint/2010/main" val="3932962852"/>
+      </p:ext>
+    </p:extLst>
+  </p:cSld>
+  <p:clrMapOvr>
+    <a:masterClrMapping/>
+  </p:clrMapOvr>
+</p:sld>
+</file>
+
+<file path=ppt/slides/slide20.xml><?xml version="1.0" encoding="utf-8"?>
+<p:sld xmlns:a="http://schemas.openxmlformats.org/drawingml/2006/main" xmlns:r="http://schemas.openxmlformats.org/officeDocument/2006/relationships" xmlns:p="http://schemas.openxmlformats.org/presentationml/2006/main">
+  <p:cSld>
+    <p:spTree>
+      <p:nvGrpSpPr>
+        <p:cNvPr id="1" name=""/>
+        <p:cNvGrpSpPr/>
+        <p:nvPr/>
+      </p:nvGrpSpPr>
+      <p:grpSpPr>
+        <a:xfrm>
+          <a:off x="0" y="0"/>
+          <a:ext cx="0" cy="0"/>
+          <a:chOff x="0" y="0"/>
+          <a:chExt cx="0" cy="0"/>
+        </a:xfrm>
+      </p:grpSpPr>
+      <p:sp>
+        <p:nvSpPr>
+          <p:cNvPr id="2" name="Title 1"/>
+          <p:cNvSpPr>
+            <a:spLocks noGrp="1"/>
+          </p:cNvSpPr>
+          <p:nvPr>
+            <p:ph type="title"/>
+          </p:nvPr>
+        </p:nvSpPr>
+        <p:spPr/>
+        <p:txBody>
+          <a:bodyPr>
+            <a:normAutofit/>
+          </a:bodyPr>
+          <a:lstStyle/>
+          <a:p>
+            <a:r>
+              <a:rPr lang="en-US" sz="3600" dirty="0"/>
+              <a:t>Review: Serialization and Writing/Reading Text Files (IO)</a:t>
+            </a:r>
+          </a:p>
+        </p:txBody>
+      </p:sp>
+      <p:sp>
+        <p:nvSpPr>
+          <p:cNvPr id="3" name="Content Placeholder 2"/>
+          <p:cNvSpPr>
+            <a:spLocks noGrp="1"/>
+          </p:cNvSpPr>
+          <p:nvPr>
+            <p:ph idx="1"/>
+          </p:nvPr>
+        </p:nvSpPr>
+        <p:spPr>
+          <a:xfrm>
+            <a:off x="838198" y="1525772"/>
+            <a:ext cx="10515601" cy="4651191"/>
+          </a:xfrm>
+        </p:spPr>
+        <p:txBody>
+          <a:bodyPr>
+            <a:normAutofit lnSpcReduction="10000"/>
+          </a:bodyPr>
+          <a:lstStyle/>
+          <a:p>
+            <a:pPr marL="0" indent="0">
+              <a:buNone/>
+            </a:pPr>
+            <a:r>
+              <a:rPr lang="en-US" sz="2000" dirty="0"/>
+              <a:t>When we were working with Java we learned that… Serialization is an object-oriented programming term that means converting an object to a byte steam usually to be written to or read from a text or binary file.</a:t>
+            </a:r>
+          </a:p>
+          <a:p>
+            <a:pPr marL="0" indent="0">
+              <a:buNone/>
+            </a:pPr>
+            <a:r>
+              <a:rPr lang="en-US" sz="2000" dirty="0"/>
+              <a:t>To write to a Java text file:</a:t>
+            </a:r>
+          </a:p>
+          <a:p>
+            <a:r>
+              <a:rPr lang="en-US" sz="2000" dirty="0"/>
+              <a:t>Create a File object, feeding the file’s path to the File class constructor</a:t>
+            </a:r>
+          </a:p>
+          <a:p>
+            <a:r>
+              <a:rPr lang="en-US" sz="2000" dirty="0"/>
+              <a:t>Create a FileWriter to access the File</a:t>
+            </a:r>
+          </a:p>
+          <a:p>
+            <a:r>
+              <a:rPr lang="en-US" sz="2000" dirty="0"/>
+              <a:t>Create a BufferedWriter to write data to the FileWriter efficiently </a:t>
+            </a:r>
+          </a:p>
+          <a:p>
+            <a:r>
+              <a:rPr lang="en-US" sz="2000" dirty="0"/>
+              <a:t>Use BufferedWriter’s write and newLine functions to commit the data to the file.</a:t>
+            </a:r>
+          </a:p>
+          <a:p>
+            <a:pPr marL="0" indent="0">
+              <a:buNone/>
+            </a:pPr>
+            <a:endParaRPr lang="en-US" sz="2000" dirty="0"/>
+          </a:p>
+          <a:p>
+            <a:pPr marL="0" indent="0">
+              <a:buNone/>
+            </a:pPr>
+            <a:r>
+              <a:rPr lang="en-US" sz="2000" dirty="0"/>
+              <a:t>To read from a Java text file: </a:t>
+            </a:r>
+          </a:p>
+          <a:p>
+            <a:r>
+              <a:rPr lang="en-US" sz="2000" dirty="0"/>
+              <a:t>Create a File object, feeding the file’s path to the File class constructor</a:t>
+            </a:r>
+          </a:p>
+          <a:p>
+            <a:r>
+              <a:rPr lang="en-US" sz="2000" dirty="0"/>
+              <a:t>Attach a Scanner object to it</a:t>
+            </a:r>
+          </a:p>
+          <a:p>
+            <a:r>
+              <a:rPr lang="en-US" sz="2000" dirty="0"/>
+              <a:t>Use Scanner’s readLine and hasNextLine functions to read the file</a:t>
+            </a:r>
+          </a:p>
+          <a:p>
+            <a:pPr marL="0" indent="0">
+              <a:buNone/>
+            </a:pPr>
+            <a:endParaRPr lang="en-US" sz="2000" dirty="0"/>
+          </a:p>
+        </p:txBody>
+      </p:sp>
+    </p:spTree>
+    <p:extLst>
+      <p:ext uri="{BB962C8B-B14F-4D97-AF65-F5344CB8AC3E}">
+        <p14:creationId xmlns:p14="http://schemas.microsoft.com/office/powerpoint/2010/main" val="3338944567"/>
       </p:ext>
     </p:extLst>
   </p:cSld>
@@ -8358,6 +8714,658 @@
 </file>
 
 <file path=ppt/slides/slide21.xml><?xml version="1.0" encoding="utf-8"?>
+<p:sld xmlns:a="http://schemas.openxmlformats.org/drawingml/2006/main" xmlns:r="http://schemas.openxmlformats.org/officeDocument/2006/relationships" xmlns:p="http://schemas.openxmlformats.org/presentationml/2006/main">
+  <p:cSld>
+    <p:spTree>
+      <p:nvGrpSpPr>
+        <p:cNvPr id="1" name=""/>
+        <p:cNvGrpSpPr/>
+        <p:nvPr/>
+      </p:nvGrpSpPr>
+      <p:grpSpPr>
+        <a:xfrm>
+          <a:off x="0" y="0"/>
+          <a:ext cx="0" cy="0"/>
+          <a:chOff x="0" y="0"/>
+          <a:chExt cx="0" cy="0"/>
+        </a:xfrm>
+      </p:grpSpPr>
+      <p:sp>
+        <p:nvSpPr>
+          <p:cNvPr id="2" name="Title 1"/>
+          <p:cNvSpPr>
+            <a:spLocks noGrp="1"/>
+          </p:cNvSpPr>
+          <p:nvPr>
+            <p:ph type="title"/>
+          </p:nvPr>
+        </p:nvSpPr>
+        <p:spPr>
+          <a:xfrm>
+            <a:off x="838200" y="365125"/>
+            <a:ext cx="10852298" cy="1325563"/>
+          </a:xfrm>
+        </p:spPr>
+        <p:txBody>
+          <a:bodyPr>
+            <a:normAutofit/>
+          </a:bodyPr>
+          <a:lstStyle/>
+          <a:p>
+            <a:r>
+              <a:rPr lang="en-US" sz="3600" dirty="0"/>
+              <a:t>.NET (C#) Writing &amp; Reading Files</a:t>
+            </a:r>
+          </a:p>
+        </p:txBody>
+      </p:sp>
+      <p:sp>
+        <p:nvSpPr>
+          <p:cNvPr id="5" name="Content Placeholder 2"/>
+          <p:cNvSpPr txBox="1">
+            <a:spLocks/>
+          </p:cNvSpPr>
+          <p:nvPr/>
+        </p:nvSpPr>
+        <p:spPr>
+          <a:xfrm>
+            <a:off x="838200" y="1382233"/>
+            <a:ext cx="10515600" cy="5050465"/>
+          </a:xfrm>
+          <a:prstGeom prst="rect">
+            <a:avLst/>
+          </a:prstGeom>
+        </p:spPr>
+        <p:txBody>
+          <a:bodyPr vert="horz" lIns="91440" tIns="45720" rIns="91440" bIns="45720" rtlCol="0">
+            <a:normAutofit/>
+          </a:bodyPr>
+          <a:lstStyle>
+            <a:lvl1pPr marL="228600" indent="-228600" algn="l" defTabSz="914400" rtl="0" eaLnBrk="1" latinLnBrk="0" hangingPunct="1">
+              <a:lnSpc>
+                <a:spcPct val="90000"/>
+              </a:lnSpc>
+              <a:spcBef>
+                <a:spcPts val="1000"/>
+              </a:spcBef>
+              <a:buFont typeface="Arial" panose="020B0604020202020204" pitchFamily="34" charset="0"/>
+              <a:buChar char="•"/>
+              <a:defRPr sz="2800" kern="1200">
+                <a:solidFill>
+                  <a:schemeClr val="tx1"/>
+                </a:solidFill>
+                <a:latin typeface="+mn-lt"/>
+                <a:ea typeface="+mn-ea"/>
+                <a:cs typeface="+mn-cs"/>
+              </a:defRPr>
+            </a:lvl1pPr>
+            <a:lvl2pPr marL="685800" indent="-228600" algn="l" defTabSz="914400" rtl="0" eaLnBrk="1" latinLnBrk="0" hangingPunct="1">
+              <a:lnSpc>
+                <a:spcPct val="90000"/>
+              </a:lnSpc>
+              <a:spcBef>
+                <a:spcPts val="500"/>
+              </a:spcBef>
+              <a:buFont typeface="Arial" panose="020B0604020202020204" pitchFamily="34" charset="0"/>
+              <a:buChar char="•"/>
+              <a:defRPr sz="2400" kern="1200">
+                <a:solidFill>
+                  <a:schemeClr val="tx1"/>
+                </a:solidFill>
+                <a:latin typeface="+mn-lt"/>
+                <a:ea typeface="+mn-ea"/>
+                <a:cs typeface="+mn-cs"/>
+              </a:defRPr>
+            </a:lvl2pPr>
+            <a:lvl3pPr marL="1143000" indent="-228600" algn="l" defTabSz="914400" rtl="0" eaLnBrk="1" latinLnBrk="0" hangingPunct="1">
+              <a:lnSpc>
+                <a:spcPct val="90000"/>
+              </a:lnSpc>
+              <a:spcBef>
+                <a:spcPts val="500"/>
+              </a:spcBef>
+              <a:buFont typeface="Arial" panose="020B0604020202020204" pitchFamily="34" charset="0"/>
+              <a:buChar char="•"/>
+              <a:defRPr sz="2000" kern="1200">
+                <a:solidFill>
+                  <a:schemeClr val="tx1"/>
+                </a:solidFill>
+                <a:latin typeface="+mn-lt"/>
+                <a:ea typeface="+mn-ea"/>
+                <a:cs typeface="+mn-cs"/>
+              </a:defRPr>
+            </a:lvl3pPr>
+            <a:lvl4pPr marL="1600200" indent="-228600" algn="l" defTabSz="914400" rtl="0" eaLnBrk="1" latinLnBrk="0" hangingPunct="1">
+              <a:lnSpc>
+                <a:spcPct val="90000"/>
+              </a:lnSpc>
+              <a:spcBef>
+                <a:spcPts val="500"/>
+              </a:spcBef>
+              <a:buFont typeface="Arial" panose="020B0604020202020204" pitchFamily="34" charset="0"/>
+              <a:buChar char="•"/>
+              <a:defRPr sz="1800" kern="1200">
+                <a:solidFill>
+                  <a:schemeClr val="tx1"/>
+                </a:solidFill>
+                <a:latin typeface="+mn-lt"/>
+                <a:ea typeface="+mn-ea"/>
+                <a:cs typeface="+mn-cs"/>
+              </a:defRPr>
+            </a:lvl4pPr>
+            <a:lvl5pPr marL="2057400" indent="-228600" algn="l" defTabSz="914400" rtl="0" eaLnBrk="1" latinLnBrk="0" hangingPunct="1">
+              <a:lnSpc>
+                <a:spcPct val="90000"/>
+              </a:lnSpc>
+              <a:spcBef>
+                <a:spcPts val="500"/>
+              </a:spcBef>
+              <a:buFont typeface="Arial" panose="020B0604020202020204" pitchFamily="34" charset="0"/>
+              <a:buChar char="•"/>
+              <a:defRPr sz="1800" kern="1200">
+                <a:solidFill>
+                  <a:schemeClr val="tx1"/>
+                </a:solidFill>
+                <a:latin typeface="+mn-lt"/>
+                <a:ea typeface="+mn-ea"/>
+                <a:cs typeface="+mn-cs"/>
+              </a:defRPr>
+            </a:lvl5pPr>
+            <a:lvl6pPr marL="2514600" indent="-228600" algn="l" defTabSz="914400" rtl="0" eaLnBrk="1" latinLnBrk="0" hangingPunct="1">
+              <a:lnSpc>
+                <a:spcPct val="90000"/>
+              </a:lnSpc>
+              <a:spcBef>
+                <a:spcPts val="500"/>
+              </a:spcBef>
+              <a:buFont typeface="Arial" panose="020B0604020202020204" pitchFamily="34" charset="0"/>
+              <a:buChar char="•"/>
+              <a:defRPr sz="1800" kern="1200">
+                <a:solidFill>
+                  <a:schemeClr val="tx1"/>
+                </a:solidFill>
+                <a:latin typeface="+mn-lt"/>
+                <a:ea typeface="+mn-ea"/>
+                <a:cs typeface="+mn-cs"/>
+              </a:defRPr>
+            </a:lvl6pPr>
+            <a:lvl7pPr marL="2971800" indent="-228600" algn="l" defTabSz="914400" rtl="0" eaLnBrk="1" latinLnBrk="0" hangingPunct="1">
+              <a:lnSpc>
+                <a:spcPct val="90000"/>
+              </a:lnSpc>
+              <a:spcBef>
+                <a:spcPts val="500"/>
+              </a:spcBef>
+              <a:buFont typeface="Arial" panose="020B0604020202020204" pitchFamily="34" charset="0"/>
+              <a:buChar char="•"/>
+              <a:defRPr sz="1800" kern="1200">
+                <a:solidFill>
+                  <a:schemeClr val="tx1"/>
+                </a:solidFill>
+                <a:latin typeface="+mn-lt"/>
+                <a:ea typeface="+mn-ea"/>
+                <a:cs typeface="+mn-cs"/>
+              </a:defRPr>
+            </a:lvl7pPr>
+            <a:lvl8pPr marL="3429000" indent="-228600" algn="l" defTabSz="914400" rtl="0" eaLnBrk="1" latinLnBrk="0" hangingPunct="1">
+              <a:lnSpc>
+                <a:spcPct val="90000"/>
+              </a:lnSpc>
+              <a:spcBef>
+                <a:spcPts val="500"/>
+              </a:spcBef>
+              <a:buFont typeface="Arial" panose="020B0604020202020204" pitchFamily="34" charset="0"/>
+              <a:buChar char="•"/>
+              <a:defRPr sz="1800" kern="1200">
+                <a:solidFill>
+                  <a:schemeClr val="tx1"/>
+                </a:solidFill>
+                <a:latin typeface="+mn-lt"/>
+                <a:ea typeface="+mn-ea"/>
+                <a:cs typeface="+mn-cs"/>
+              </a:defRPr>
+            </a:lvl8pPr>
+            <a:lvl9pPr marL="3886200" indent="-228600" algn="l" defTabSz="914400" rtl="0" eaLnBrk="1" latinLnBrk="0" hangingPunct="1">
+              <a:lnSpc>
+                <a:spcPct val="90000"/>
+              </a:lnSpc>
+              <a:spcBef>
+                <a:spcPts val="500"/>
+              </a:spcBef>
+              <a:buFont typeface="Arial" panose="020B0604020202020204" pitchFamily="34" charset="0"/>
+              <a:buChar char="•"/>
+              <a:defRPr sz="1800" kern="1200">
+                <a:solidFill>
+                  <a:schemeClr val="tx1"/>
+                </a:solidFill>
+                <a:latin typeface="+mn-lt"/>
+                <a:ea typeface="+mn-ea"/>
+                <a:cs typeface="+mn-cs"/>
+              </a:defRPr>
+            </a:lvl9pPr>
+          </a:lstStyle>
+          <a:p>
+            <a:pPr marL="0" indent="0">
+              <a:buFont typeface="Arial" panose="020B0604020202020204" pitchFamily="34" charset="0"/>
+              <a:buNone/>
+            </a:pPr>
+            <a:r>
+              <a:rPr lang="en-US" sz="2000" dirty="0"/>
+              <a:t>There a multiple C# classes and (static) methods that we can use to write and read files. We will be looking at several including:</a:t>
+            </a:r>
+          </a:p>
+          <a:p>
+            <a:r>
+              <a:rPr lang="en-US" sz="2000" dirty="0" err="1"/>
+              <a:t>System.IO.File.WriteAllLines</a:t>
+            </a:r>
+            <a:endParaRPr lang="en-US" sz="2000" dirty="0"/>
+          </a:p>
+          <a:p>
+            <a:r>
+              <a:rPr lang="en-US" sz="2000" dirty="0" err="1"/>
+              <a:t>FileStream</a:t>
+            </a:r>
+            <a:r>
+              <a:rPr lang="en-US" sz="2000" dirty="0"/>
+              <a:t>: Used to read from and write to any location in a file</a:t>
+            </a:r>
+          </a:p>
+          <a:p>
+            <a:r>
+              <a:rPr lang="en-US" sz="2000" dirty="0"/>
+              <a:t>File Class </a:t>
+            </a:r>
+            <a:r>
+              <a:rPr lang="en-US" sz="2000" dirty="0">
+                <a:hlinkClick r:id="rId3"/>
+              </a:rPr>
+              <a:t>[link]</a:t>
+            </a:r>
+            <a:r>
+              <a:rPr lang="en-US" sz="2000" dirty="0"/>
+              <a:t>… get used to looking these things up online</a:t>
+            </a:r>
+          </a:p>
+          <a:p>
+            <a:pPr marL="0" indent="0">
+              <a:buNone/>
+            </a:pPr>
+            <a:endParaRPr lang="en-US" sz="2000" dirty="0"/>
+          </a:p>
+          <a:p>
+            <a:pPr marL="0" indent="0">
+              <a:buNone/>
+            </a:pPr>
+            <a:r>
+              <a:rPr lang="en-US" sz="2000" dirty="0"/>
+              <a:t> </a:t>
+            </a:r>
+          </a:p>
+          <a:p>
+            <a:pPr marL="0" indent="0">
+              <a:buFont typeface="Arial" panose="020B0604020202020204" pitchFamily="34" charset="0"/>
+              <a:buNone/>
+            </a:pPr>
+            <a:r>
+              <a:rPr lang="en-US" sz="2000" dirty="0"/>
+              <a:t> </a:t>
+            </a:r>
+          </a:p>
+        </p:txBody>
+      </p:sp>
+    </p:spTree>
+    <p:extLst>
+      <p:ext uri="{BB962C8B-B14F-4D97-AF65-F5344CB8AC3E}">
+        <p14:creationId xmlns:p14="http://schemas.microsoft.com/office/powerpoint/2010/main" val="3697379809"/>
+      </p:ext>
+    </p:extLst>
+  </p:cSld>
+  <p:clrMapOvr>
+    <a:masterClrMapping/>
+  </p:clrMapOvr>
+</p:sld>
+</file>
+
+<file path=ppt/slides/slide22.xml><?xml version="1.0" encoding="utf-8"?>
+<p:sld xmlns:a="http://schemas.openxmlformats.org/drawingml/2006/main" xmlns:r="http://schemas.openxmlformats.org/officeDocument/2006/relationships" xmlns:p="http://schemas.openxmlformats.org/presentationml/2006/main">
+  <p:cSld>
+    <p:spTree>
+      <p:nvGrpSpPr>
+        <p:cNvPr id="1" name=""/>
+        <p:cNvGrpSpPr/>
+        <p:nvPr/>
+      </p:nvGrpSpPr>
+      <p:grpSpPr>
+        <a:xfrm>
+          <a:off x="0" y="0"/>
+          <a:ext cx="0" cy="0"/>
+          <a:chOff x="0" y="0"/>
+          <a:chExt cx="0" cy="0"/>
+        </a:xfrm>
+      </p:grpSpPr>
+      <p:sp>
+        <p:nvSpPr>
+          <p:cNvPr id="2" name="Title 1"/>
+          <p:cNvSpPr>
+            <a:spLocks noGrp="1"/>
+          </p:cNvSpPr>
+          <p:nvPr>
+            <p:ph type="title"/>
+          </p:nvPr>
+        </p:nvSpPr>
+        <p:spPr>
+          <a:xfrm>
+            <a:off x="838200" y="365125"/>
+            <a:ext cx="10852298" cy="1325563"/>
+          </a:xfrm>
+        </p:spPr>
+        <p:txBody>
+          <a:bodyPr>
+            <a:normAutofit/>
+          </a:bodyPr>
+          <a:lstStyle/>
+          <a:p>
+            <a:r>
+              <a:rPr lang="en-US" sz="3600" dirty="0"/>
+              <a:t>.NET (C#) Lists</a:t>
+            </a:r>
+          </a:p>
+        </p:txBody>
+      </p:sp>
+      <p:sp>
+        <p:nvSpPr>
+          <p:cNvPr id="5" name="Content Placeholder 2"/>
+          <p:cNvSpPr txBox="1">
+            <a:spLocks/>
+          </p:cNvSpPr>
+          <p:nvPr/>
+        </p:nvSpPr>
+        <p:spPr>
+          <a:xfrm>
+            <a:off x="838200" y="1382233"/>
+            <a:ext cx="10515600" cy="5050465"/>
+          </a:xfrm>
+          <a:prstGeom prst="rect">
+            <a:avLst/>
+          </a:prstGeom>
+        </p:spPr>
+        <p:txBody>
+          <a:bodyPr vert="horz" lIns="91440" tIns="45720" rIns="91440" bIns="45720" rtlCol="0">
+            <a:normAutofit/>
+          </a:bodyPr>
+          <a:lstStyle>
+            <a:lvl1pPr marL="228600" indent="-228600" algn="l" defTabSz="914400" rtl="0" eaLnBrk="1" latinLnBrk="0" hangingPunct="1">
+              <a:lnSpc>
+                <a:spcPct val="90000"/>
+              </a:lnSpc>
+              <a:spcBef>
+                <a:spcPts val="1000"/>
+              </a:spcBef>
+              <a:buFont typeface="Arial" panose="020B0604020202020204" pitchFamily="34" charset="0"/>
+              <a:buChar char="•"/>
+              <a:defRPr sz="2800" kern="1200">
+                <a:solidFill>
+                  <a:schemeClr val="tx1"/>
+                </a:solidFill>
+                <a:latin typeface="+mn-lt"/>
+                <a:ea typeface="+mn-ea"/>
+                <a:cs typeface="+mn-cs"/>
+              </a:defRPr>
+            </a:lvl1pPr>
+            <a:lvl2pPr marL="685800" indent="-228600" algn="l" defTabSz="914400" rtl="0" eaLnBrk="1" latinLnBrk="0" hangingPunct="1">
+              <a:lnSpc>
+                <a:spcPct val="90000"/>
+              </a:lnSpc>
+              <a:spcBef>
+                <a:spcPts val="500"/>
+              </a:spcBef>
+              <a:buFont typeface="Arial" panose="020B0604020202020204" pitchFamily="34" charset="0"/>
+              <a:buChar char="•"/>
+              <a:defRPr sz="2400" kern="1200">
+                <a:solidFill>
+                  <a:schemeClr val="tx1"/>
+                </a:solidFill>
+                <a:latin typeface="+mn-lt"/>
+                <a:ea typeface="+mn-ea"/>
+                <a:cs typeface="+mn-cs"/>
+              </a:defRPr>
+            </a:lvl2pPr>
+            <a:lvl3pPr marL="1143000" indent="-228600" algn="l" defTabSz="914400" rtl="0" eaLnBrk="1" latinLnBrk="0" hangingPunct="1">
+              <a:lnSpc>
+                <a:spcPct val="90000"/>
+              </a:lnSpc>
+              <a:spcBef>
+                <a:spcPts val="500"/>
+              </a:spcBef>
+              <a:buFont typeface="Arial" panose="020B0604020202020204" pitchFamily="34" charset="0"/>
+              <a:buChar char="•"/>
+              <a:defRPr sz="2000" kern="1200">
+                <a:solidFill>
+                  <a:schemeClr val="tx1"/>
+                </a:solidFill>
+                <a:latin typeface="+mn-lt"/>
+                <a:ea typeface="+mn-ea"/>
+                <a:cs typeface="+mn-cs"/>
+              </a:defRPr>
+            </a:lvl3pPr>
+            <a:lvl4pPr marL="1600200" indent="-228600" algn="l" defTabSz="914400" rtl="0" eaLnBrk="1" latinLnBrk="0" hangingPunct="1">
+              <a:lnSpc>
+                <a:spcPct val="90000"/>
+              </a:lnSpc>
+              <a:spcBef>
+                <a:spcPts val="500"/>
+              </a:spcBef>
+              <a:buFont typeface="Arial" panose="020B0604020202020204" pitchFamily="34" charset="0"/>
+              <a:buChar char="•"/>
+              <a:defRPr sz="1800" kern="1200">
+                <a:solidFill>
+                  <a:schemeClr val="tx1"/>
+                </a:solidFill>
+                <a:latin typeface="+mn-lt"/>
+                <a:ea typeface="+mn-ea"/>
+                <a:cs typeface="+mn-cs"/>
+              </a:defRPr>
+            </a:lvl4pPr>
+            <a:lvl5pPr marL="2057400" indent="-228600" algn="l" defTabSz="914400" rtl="0" eaLnBrk="1" latinLnBrk="0" hangingPunct="1">
+              <a:lnSpc>
+                <a:spcPct val="90000"/>
+              </a:lnSpc>
+              <a:spcBef>
+                <a:spcPts val="500"/>
+              </a:spcBef>
+              <a:buFont typeface="Arial" panose="020B0604020202020204" pitchFamily="34" charset="0"/>
+              <a:buChar char="•"/>
+              <a:defRPr sz="1800" kern="1200">
+                <a:solidFill>
+                  <a:schemeClr val="tx1"/>
+                </a:solidFill>
+                <a:latin typeface="+mn-lt"/>
+                <a:ea typeface="+mn-ea"/>
+                <a:cs typeface="+mn-cs"/>
+              </a:defRPr>
+            </a:lvl5pPr>
+            <a:lvl6pPr marL="2514600" indent="-228600" algn="l" defTabSz="914400" rtl="0" eaLnBrk="1" latinLnBrk="0" hangingPunct="1">
+              <a:lnSpc>
+                <a:spcPct val="90000"/>
+              </a:lnSpc>
+              <a:spcBef>
+                <a:spcPts val="500"/>
+              </a:spcBef>
+              <a:buFont typeface="Arial" panose="020B0604020202020204" pitchFamily="34" charset="0"/>
+              <a:buChar char="•"/>
+              <a:defRPr sz="1800" kern="1200">
+                <a:solidFill>
+                  <a:schemeClr val="tx1"/>
+                </a:solidFill>
+                <a:latin typeface="+mn-lt"/>
+                <a:ea typeface="+mn-ea"/>
+                <a:cs typeface="+mn-cs"/>
+              </a:defRPr>
+            </a:lvl6pPr>
+            <a:lvl7pPr marL="2971800" indent="-228600" algn="l" defTabSz="914400" rtl="0" eaLnBrk="1" latinLnBrk="0" hangingPunct="1">
+              <a:lnSpc>
+                <a:spcPct val="90000"/>
+              </a:lnSpc>
+              <a:spcBef>
+                <a:spcPts val="500"/>
+              </a:spcBef>
+              <a:buFont typeface="Arial" panose="020B0604020202020204" pitchFamily="34" charset="0"/>
+              <a:buChar char="•"/>
+              <a:defRPr sz="1800" kern="1200">
+                <a:solidFill>
+                  <a:schemeClr val="tx1"/>
+                </a:solidFill>
+                <a:latin typeface="+mn-lt"/>
+                <a:ea typeface="+mn-ea"/>
+                <a:cs typeface="+mn-cs"/>
+              </a:defRPr>
+            </a:lvl7pPr>
+            <a:lvl8pPr marL="3429000" indent="-228600" algn="l" defTabSz="914400" rtl="0" eaLnBrk="1" latinLnBrk="0" hangingPunct="1">
+              <a:lnSpc>
+                <a:spcPct val="90000"/>
+              </a:lnSpc>
+              <a:spcBef>
+                <a:spcPts val="500"/>
+              </a:spcBef>
+              <a:buFont typeface="Arial" panose="020B0604020202020204" pitchFamily="34" charset="0"/>
+              <a:buChar char="•"/>
+              <a:defRPr sz="1800" kern="1200">
+                <a:solidFill>
+                  <a:schemeClr val="tx1"/>
+                </a:solidFill>
+                <a:latin typeface="+mn-lt"/>
+                <a:ea typeface="+mn-ea"/>
+                <a:cs typeface="+mn-cs"/>
+              </a:defRPr>
+            </a:lvl8pPr>
+            <a:lvl9pPr marL="3886200" indent="-228600" algn="l" defTabSz="914400" rtl="0" eaLnBrk="1" latinLnBrk="0" hangingPunct="1">
+              <a:lnSpc>
+                <a:spcPct val="90000"/>
+              </a:lnSpc>
+              <a:spcBef>
+                <a:spcPts val="500"/>
+              </a:spcBef>
+              <a:buFont typeface="Arial" panose="020B0604020202020204" pitchFamily="34" charset="0"/>
+              <a:buChar char="•"/>
+              <a:defRPr sz="1800" kern="1200">
+                <a:solidFill>
+                  <a:schemeClr val="tx1"/>
+                </a:solidFill>
+                <a:latin typeface="+mn-lt"/>
+                <a:ea typeface="+mn-ea"/>
+                <a:cs typeface="+mn-cs"/>
+              </a:defRPr>
+            </a:lvl9pPr>
+          </a:lstStyle>
+          <a:p>
+            <a:pPr marL="0" indent="0">
+              <a:buFont typeface="Arial" panose="020B0604020202020204" pitchFamily="34" charset="0"/>
+              <a:buNone/>
+            </a:pPr>
+            <a:r>
+              <a:rPr lang="en-US" sz="2000" dirty="0"/>
+              <a:t>The .NET framework offers multiple implementations of Collections and </a:t>
+            </a:r>
+            <a:r>
+              <a:rPr lang="en-US" sz="2000" dirty="0" err="1"/>
+              <a:t>Collections.Concurrent</a:t>
+            </a:r>
+            <a:r>
+              <a:rPr lang="en-US" sz="2000" dirty="0"/>
+              <a:t> including:</a:t>
+            </a:r>
+          </a:p>
+          <a:p>
+            <a:r>
+              <a:rPr lang="en-US" sz="2000" dirty="0"/>
+              <a:t>List </a:t>
+            </a:r>
+            <a:r>
+              <a:rPr lang="en-US" sz="2000" dirty="0">
+                <a:hlinkClick r:id="rId3"/>
+              </a:rPr>
+              <a:t>[link]</a:t>
+            </a:r>
+            <a:r>
+              <a:rPr lang="en-US" sz="2000" dirty="0"/>
+              <a:t>: Represents a strongly typed list of objects that can be accessed by index. Provides methods to search, sort, and manipulate lists.</a:t>
+            </a:r>
+          </a:p>
+          <a:p>
+            <a:r>
+              <a:rPr lang="en-US" sz="2000" dirty="0" err="1"/>
+              <a:t>ArrayList</a:t>
+            </a:r>
+            <a:r>
+              <a:rPr lang="en-US" sz="2000" dirty="0"/>
+              <a:t> </a:t>
+            </a:r>
+            <a:r>
+              <a:rPr lang="en-US" sz="2000" dirty="0">
+                <a:hlinkClick r:id="rId4"/>
+              </a:rPr>
+              <a:t>[link]</a:t>
+            </a:r>
+            <a:r>
+              <a:rPr lang="en-US" sz="2000" dirty="0"/>
+              <a:t>: Implements the </a:t>
+            </a:r>
+            <a:r>
+              <a:rPr lang="en-US" sz="2000" dirty="0" err="1"/>
+              <a:t>IList</a:t>
+            </a:r>
+            <a:r>
+              <a:rPr lang="en-US" sz="2000" dirty="0"/>
+              <a:t> interface using an array whose size is dynamically increased as required.</a:t>
+            </a:r>
+          </a:p>
+          <a:p>
+            <a:r>
+              <a:rPr lang="en-US" sz="2000" dirty="0" err="1"/>
+              <a:t>ConcurrentQueue</a:t>
+            </a:r>
+            <a:r>
+              <a:rPr lang="en-US" sz="2000" dirty="0"/>
+              <a:t>  </a:t>
+            </a:r>
+            <a:r>
+              <a:rPr lang="en-US" sz="2000" dirty="0">
+                <a:hlinkClick r:id="rId5"/>
+              </a:rPr>
+              <a:t>[link]</a:t>
+            </a:r>
+            <a:r>
+              <a:rPr lang="en-US" sz="2000" dirty="0"/>
+              <a:t>: Represents a thread-safe first in-first out (FIFO) collection.</a:t>
+            </a:r>
+          </a:p>
+          <a:p>
+            <a:pPr marL="0" indent="0">
+              <a:buFont typeface="Arial" panose="020B0604020202020204" pitchFamily="34" charset="0"/>
+              <a:buNone/>
+            </a:pPr>
+            <a:r>
+              <a:rPr lang="en-US" sz="2000" dirty="0"/>
+              <a:t> </a:t>
+            </a:r>
+          </a:p>
+        </p:txBody>
+      </p:sp>
+    </p:spTree>
+    <p:extLst>
+      <p:ext uri="{BB962C8B-B14F-4D97-AF65-F5344CB8AC3E}">
+        <p14:creationId xmlns:p14="http://schemas.microsoft.com/office/powerpoint/2010/main" val="1006854285"/>
+      </p:ext>
+    </p:extLst>
+  </p:cSld>
+  <p:clrMapOvr>
+    <a:masterClrMapping/>
+  </p:clrMapOvr>
+</p:sld>
+</file>
+
+<file path=ppt/slides/slide23.xml><?xml version="1.0" encoding="utf-8"?>
 <p:sld xmlns:a="http://schemas.openxmlformats.org/drawingml/2006/main" xmlns:r="http://schemas.openxmlformats.org/officeDocument/2006/relationships" xmlns:p="http://schemas.openxmlformats.org/presentationml/2006/main">
   <p:cSld>
     <p:bg>
@@ -8445,7 +9453,7 @@
             <a:pPr algn="l"/>
             <a:r>
               <a:rPr lang="en-US" dirty="0"/>
-              <a:t>Week: 5</a:t>
+              <a:t>Week: 6</a:t>
             </a:r>
           </a:p>
           <a:p>
@@ -8477,7 +9485,7 @@
 </p:sld>
 </file>
 
-<file path=ppt/slides/slide22.xml><?xml version="1.0" encoding="utf-8"?>
+<file path=ppt/slides/slide24.xml><?xml version="1.0" encoding="utf-8"?>
 <p:sld xmlns:a="http://schemas.openxmlformats.org/drawingml/2006/main" xmlns:r="http://schemas.openxmlformats.org/officeDocument/2006/relationships" xmlns:p="http://schemas.openxmlformats.org/presentationml/2006/main">
   <p:cSld>
     <p:spTree>
@@ -8525,7 +9533,7 @@
             </a:br>
             <a:r>
               <a:rPr lang="en-US" sz="1800" dirty="0"/>
-              <a:t>Session: Week 5 Session 3 (assignment lunch &amp; learn)</a:t>
+              <a:t>Session: Week 6 Session 3</a:t>
             </a:r>
             <a:br>
               <a:rPr lang="en-US" sz="1800" dirty="0"/>
@@ -8564,7 +9572,7 @@
       </p:pic>
       <p:sp>
         <p:nvSpPr>
-          <p:cNvPr id="10" name="Content Placeholder 2"/>
+          <p:cNvPr id="6" name="Content Placeholder 5"/>
           <p:cNvSpPr>
             <a:spLocks noGrp="1"/>
           </p:cNvSpPr>
@@ -8572,34 +9580,26 @@
             <p:ph idx="1"/>
           </p:nvPr>
         </p:nvSpPr>
-        <p:spPr>
-          <a:xfrm>
-            <a:off x="838200" y="1795301"/>
-            <a:ext cx="10718950" cy="4571242"/>
-          </a:xfrm>
-        </p:spPr>
+        <p:spPr/>
         <p:txBody>
           <a:bodyPr>
-            <a:noAutofit/>
+            <a:normAutofit/>
           </a:bodyPr>
           <a:lstStyle/>
-          <a:p>
-            <a:pPr marL="0" indent="0">
-              <a:buNone/>
-            </a:pPr>
-            <a:r>
-              <a:rPr lang="en-US" sz="2000" u="sng" dirty="0"/>
-              <a:t>Agenda:</a:t>
-            </a:r>
-          </a:p>
           <a:p>
             <a:pPr marL="457200" indent="-457200">
               <a:buFont typeface="+mj-lt"/>
               <a:buAutoNum type="arabicPeriod"/>
             </a:pPr>
             <a:r>
-              <a:rPr lang="en-US" sz="2000" dirty="0"/>
-              <a:t>Quick Introductions</a:t>
+              <a:rPr lang="en-US" sz="2000" dirty="0">
+                <a:solidFill>
+                  <a:schemeClr val="bg1">
+                    <a:lumMod val="65000"/>
+                  </a:schemeClr>
+                </a:solidFill>
+              </a:rPr>
+              <a:t>Download and install Visual Studio... And implement Hello World in C#</a:t>
             </a:r>
           </a:p>
           <a:p>
@@ -8608,16 +9608,14 @@
               <a:buAutoNum type="arabicPeriod"/>
             </a:pPr>
             <a:r>
-              <a:rPr lang="en-US" sz="2000" dirty="0"/>
-              <a:t>Discuss </a:t>
-            </a:r>
-            <a:r>
-              <a:rPr lang="en-US" sz="2000" dirty="0" err="1"/>
-              <a:t>FastPrime</a:t>
-            </a:r>
-            <a:r>
-              <a:rPr lang="en-US" sz="2000" dirty="0"/>
-              <a:t> Assignment</a:t>
+              <a:rPr lang="en-US" sz="2000" dirty="0">
+                <a:solidFill>
+                  <a:schemeClr val="bg1">
+                    <a:lumMod val="65000"/>
+                  </a:schemeClr>
+                </a:solidFill>
+              </a:rPr>
+              <a:t>Identify characteristics of Java, Python, and C#</a:t>
             </a:r>
           </a:p>
           <a:p>
@@ -8626,8 +9624,14 @@
               <a:buAutoNum type="arabicPeriod"/>
             </a:pPr>
             <a:r>
-              <a:rPr lang="en-US" sz="2000" dirty="0"/>
-              <a:t>Potential topics… development philosophy, design, implementation questions, review threading sample application, others</a:t>
+              <a:rPr lang="en-US" sz="2000" dirty="0">
+                <a:solidFill>
+                  <a:schemeClr val="bg1">
+                    <a:lumMod val="65000"/>
+                  </a:schemeClr>
+                </a:solidFill>
+              </a:rPr>
+              <a:t>Professional positioning </a:t>
             </a:r>
           </a:p>
           <a:p>
@@ -8636,311 +9640,103 @@
               <a:buAutoNum type="arabicPeriod"/>
             </a:pPr>
             <a:r>
-              <a:rPr lang="en-US" sz="2000" dirty="0"/>
-              <a:t>Session feedback</a:t>
-            </a:r>
+              <a:rPr lang="en-US" sz="2000" strike="sngStrike" dirty="0">
+                <a:solidFill>
+                  <a:schemeClr val="bg1">
+                    <a:lumMod val="65000"/>
+                  </a:schemeClr>
+                </a:solidFill>
+              </a:rPr>
+              <a:t>Write non-object-oriented programs that use sequence, selection, and repetition </a:t>
+            </a:r>
+          </a:p>
+          <a:p>
+            <a:pPr marL="457200" indent="-457200">
+              <a:buFont typeface="+mj-lt"/>
+              <a:buAutoNum type="arabicPeriod"/>
+            </a:pPr>
+            <a:r>
+              <a:rPr lang="en-US" sz="2000" dirty="0">
+                <a:solidFill>
+                  <a:schemeClr val="bg1">
+                    <a:lumMod val="65000"/>
+                  </a:schemeClr>
+                </a:solidFill>
+              </a:rPr>
+              <a:t>Use Visual Studio 2017 to define C# classes, complete with properties, methods, and constructors… and much more</a:t>
+            </a:r>
+          </a:p>
+          <a:p>
+            <a:pPr marL="457200" indent="-457200">
+              <a:buFont typeface="+mj-lt"/>
+              <a:buAutoNum type="arabicPeriod"/>
+            </a:pPr>
+            <a:r>
+              <a:rPr lang="en-US" sz="2000" dirty="0">
+                <a:solidFill>
+                  <a:schemeClr val="bg1">
+                    <a:lumMod val="65000"/>
+                  </a:schemeClr>
+                </a:solidFill>
+              </a:rPr>
+              <a:t>Create classes and objects to carry out the work of your program</a:t>
+            </a:r>
+          </a:p>
+          <a:p>
+            <a:pPr marL="457200" indent="-457200">
+              <a:buFont typeface="+mj-lt"/>
+              <a:buAutoNum type="arabicPeriod"/>
+            </a:pPr>
+            <a:r>
+              <a:rPr lang="en-US" sz="2000" dirty="0">
+                <a:solidFill>
+                  <a:schemeClr val="bg1">
+                    <a:lumMod val="65000"/>
+                  </a:schemeClr>
+                </a:solidFill>
+              </a:rPr>
+              <a:t>Use inheritance to create a hierarchy of classes that are related to each other</a:t>
+            </a:r>
+          </a:p>
+          <a:p>
+            <a:pPr marL="457200" indent="-457200">
+              <a:buFont typeface="+mj-lt"/>
+              <a:buAutoNum type="arabicPeriod"/>
+            </a:pPr>
+            <a:r>
+              <a:rPr lang="en-US" sz="2000" dirty="0"/>
+              <a:t>Use .NET (C#) text file objects to create and read text files</a:t>
+            </a:r>
+          </a:p>
+          <a:p>
+            <a:pPr marL="457200" indent="-457200">
+              <a:buFont typeface="+mj-lt"/>
+              <a:buAutoNum type="arabicPeriod"/>
+            </a:pPr>
+            <a:r>
+              <a:rPr lang="en-US" sz="2000" dirty="0"/>
+              <a:t>Work with .NET (C#) lists</a:t>
+            </a:r>
+          </a:p>
+          <a:p>
+            <a:pPr marL="457200" indent="-457200">
+              <a:buFont typeface="+mj-lt"/>
+              <a:buAutoNum type="arabicPeriod"/>
+            </a:pPr>
+            <a:r>
+              <a:rPr lang="en-US" sz="2000" dirty="0"/>
+              <a:t>Deal with a list of related objects polymorphically</a:t>
+            </a:r>
+          </a:p>
+          <a:p>
+            <a:endParaRPr lang="en-US" sz="2000" dirty="0"/>
           </a:p>
         </p:txBody>
       </p:sp>
     </p:spTree>
     <p:extLst>
       <p:ext uri="{BB962C8B-B14F-4D97-AF65-F5344CB8AC3E}">
-        <p14:creationId xmlns:p14="http://schemas.microsoft.com/office/powerpoint/2010/main" val="295540099"/>
-      </p:ext>
-    </p:extLst>
-  </p:cSld>
-  <p:clrMapOvr>
-    <a:masterClrMapping/>
-  </p:clrMapOvr>
-</p:sld>
-</file>
-
-<file path=ppt/slides/slide23.xml><?xml version="1.0" encoding="utf-8"?>
-<p:sld xmlns:a="http://schemas.openxmlformats.org/drawingml/2006/main" xmlns:r="http://schemas.openxmlformats.org/officeDocument/2006/relationships" xmlns:p="http://schemas.openxmlformats.org/presentationml/2006/main">
-  <p:cSld>
-    <p:spTree>
-      <p:nvGrpSpPr>
-        <p:cNvPr id="1" name=""/>
-        <p:cNvGrpSpPr/>
-        <p:nvPr/>
-      </p:nvGrpSpPr>
-      <p:grpSpPr>
-        <a:xfrm>
-          <a:off x="0" y="0"/>
-          <a:ext cx="0" cy="0"/>
-          <a:chOff x="0" y="0"/>
-          <a:chExt cx="0" cy="0"/>
-        </a:xfrm>
-      </p:grpSpPr>
-      <p:sp>
-        <p:nvSpPr>
-          <p:cNvPr id="2" name="Title 1"/>
-          <p:cNvSpPr>
-            <a:spLocks noGrp="1"/>
-          </p:cNvSpPr>
-          <p:nvPr>
-            <p:ph type="title"/>
-          </p:nvPr>
-        </p:nvSpPr>
-        <p:spPr>
-          <a:xfrm>
-            <a:off x="838200" y="365125"/>
-            <a:ext cx="10411047" cy="1325563"/>
-          </a:xfrm>
-        </p:spPr>
-        <p:txBody>
-          <a:bodyPr>
-            <a:normAutofit/>
-          </a:bodyPr>
-          <a:lstStyle/>
-          <a:p>
-            <a:r>
-              <a:rPr lang="en-US" sz="3600" dirty="0" err="1"/>
-              <a:t>FastPrime</a:t>
-            </a:r>
-            <a:r>
-              <a:rPr lang="en-US" sz="3600" dirty="0"/>
-              <a:t>… plus Questions</a:t>
-            </a:r>
-          </a:p>
-        </p:txBody>
-      </p:sp>
-      <p:sp>
-        <p:nvSpPr>
-          <p:cNvPr id="3" name="Content Placeholder 2"/>
-          <p:cNvSpPr>
-            <a:spLocks noGrp="1"/>
-          </p:cNvSpPr>
-          <p:nvPr>
-            <p:ph idx="1"/>
-          </p:nvPr>
-        </p:nvSpPr>
-        <p:spPr>
-          <a:xfrm>
-            <a:off x="838199" y="1549178"/>
-            <a:ext cx="10453578" cy="4783519"/>
-          </a:xfrm>
-        </p:spPr>
-        <p:txBody>
-          <a:bodyPr>
-            <a:normAutofit/>
-          </a:bodyPr>
-          <a:lstStyle/>
-          <a:p>
-            <a:pPr marL="0" indent="0">
-              <a:buNone/>
-            </a:pPr>
-            <a:r>
-              <a:rPr lang="en-US" sz="2000" dirty="0"/>
-              <a:t>Write a performance optimized command line Java application that will programmatically find prime numbers [link] and store those numbers sorted in an output file. </a:t>
-            </a:r>
-          </a:p>
-          <a:p>
-            <a:pPr marL="0" indent="0">
-              <a:buNone/>
-            </a:pPr>
-            <a:r>
-              <a:rPr lang="en-US" sz="2000" dirty="0"/>
-              <a:t>In </a:t>
-            </a:r>
-            <a:r>
-              <a:rPr lang="en-US" sz="2000" dirty="0" err="1"/>
-              <a:t>FastPrime</a:t>
-            </a:r>
-            <a:r>
-              <a:rPr lang="en-US" sz="2000" dirty="0"/>
-              <a:t> we will create a command line Java application that will:</a:t>
-            </a:r>
-          </a:p>
-          <a:p>
-            <a:pPr marL="457200" indent="-457200">
-              <a:buFont typeface="+mj-lt"/>
-              <a:buAutoNum type="arabicPeriod"/>
-            </a:pPr>
-            <a:r>
-              <a:rPr lang="en-US" sz="2000" dirty="0"/>
-              <a:t>Use multiple threads to find the prime numbers between two numbers</a:t>
-            </a:r>
-          </a:p>
-          <a:p>
-            <a:pPr marL="457200" indent="-457200">
-              <a:buFont typeface="+mj-lt"/>
-              <a:buAutoNum type="arabicPeriod"/>
-            </a:pPr>
-            <a:r>
-              <a:rPr lang="en-US" sz="2000" dirty="0"/>
-              <a:t>Sort those results and store them to a file</a:t>
-            </a:r>
-          </a:p>
-          <a:p>
-            <a:pPr marL="457200" indent="-457200">
-              <a:buFont typeface="+mj-lt"/>
-              <a:buAutoNum type="arabicPeriod"/>
-            </a:pPr>
-            <a:r>
-              <a:rPr lang="en-US" sz="2000" dirty="0"/>
-              <a:t>Perform some timings</a:t>
-            </a:r>
-          </a:p>
-          <a:p>
-            <a:pPr marL="457200" indent="-457200">
-              <a:buFont typeface="+mj-lt"/>
-              <a:buAutoNum type="arabicPeriod"/>
-            </a:pPr>
-            <a:r>
-              <a:rPr lang="en-US" sz="2000" dirty="0"/>
-              <a:t>… And do this all </a:t>
-            </a:r>
-            <a:r>
-              <a:rPr lang="en-US" sz="2000" u="sng" dirty="0"/>
-              <a:t>very</a:t>
-            </a:r>
-            <a:r>
-              <a:rPr lang="en-US" sz="2000" dirty="0"/>
-              <a:t> fast</a:t>
-            </a:r>
-          </a:p>
-          <a:p>
-            <a:pPr marL="0" indent="0">
-              <a:buNone/>
-            </a:pPr>
-            <a:endParaRPr lang="en-US" sz="2000" dirty="0"/>
-          </a:p>
-          <a:p>
-            <a:pPr marL="0" indent="0">
-              <a:buNone/>
-            </a:pPr>
-            <a:r>
-              <a:rPr lang="en-US" sz="2000" dirty="0"/>
-              <a:t>See the details in this week’s assignment</a:t>
-            </a:r>
-          </a:p>
-        </p:txBody>
-      </p:sp>
-    </p:spTree>
-    <p:extLst>
-      <p:ext uri="{BB962C8B-B14F-4D97-AF65-F5344CB8AC3E}">
-        <p14:creationId xmlns:p14="http://schemas.microsoft.com/office/powerpoint/2010/main" val="1093881097"/>
-      </p:ext>
-    </p:extLst>
-  </p:cSld>
-  <p:clrMapOvr>
-    <a:masterClrMapping/>
-  </p:clrMapOvr>
-</p:sld>
-</file>
-
-<file path=ppt/slides/slide24.xml><?xml version="1.0" encoding="utf-8"?>
-<p:sld xmlns:a="http://schemas.openxmlformats.org/drawingml/2006/main" xmlns:r="http://schemas.openxmlformats.org/officeDocument/2006/relationships" xmlns:p="http://schemas.openxmlformats.org/presentationml/2006/main">
-  <p:cSld>
-    <p:bg>
-      <p:bgPr>
-        <a:solidFill>
-          <a:schemeClr val="bg1">
-            <a:lumMod val="75000"/>
-          </a:schemeClr>
-        </a:solidFill>
-        <a:effectLst/>
-      </p:bgPr>
-    </p:bg>
-    <p:spTree>
-      <p:nvGrpSpPr>
-        <p:cNvPr id="1" name=""/>
-        <p:cNvGrpSpPr/>
-        <p:nvPr/>
-      </p:nvGrpSpPr>
-      <p:grpSpPr>
-        <a:xfrm>
-          <a:off x="0" y="0"/>
-          <a:ext cx="0" cy="0"/>
-          <a:chOff x="0" y="0"/>
-          <a:chExt cx="0" cy="0"/>
-        </a:xfrm>
-      </p:grpSpPr>
-      <p:sp>
-        <p:nvSpPr>
-          <p:cNvPr id="2" name="Title 1"/>
-          <p:cNvSpPr>
-            <a:spLocks noGrp="1"/>
-          </p:cNvSpPr>
-          <p:nvPr>
-            <p:ph type="ctrTitle"/>
-          </p:nvPr>
-        </p:nvSpPr>
-        <p:spPr>
-          <a:xfrm>
-            <a:off x="1524000" y="1122363"/>
-            <a:ext cx="9144000" cy="2387600"/>
-          </a:xfrm>
-        </p:spPr>
-        <p:txBody>
-          <a:bodyPr>
-            <a:normAutofit/>
-          </a:bodyPr>
-          <a:lstStyle/>
-          <a:p>
-            <a:r>
-              <a:rPr lang="en-US" sz="4800" dirty="0"/>
-              <a:t>End of Session</a:t>
-            </a:r>
-          </a:p>
-        </p:txBody>
-      </p:sp>
-      <p:sp>
-        <p:nvSpPr>
-          <p:cNvPr id="3" name="Subtitle 2"/>
-          <p:cNvSpPr>
-            <a:spLocks noGrp="1"/>
-          </p:cNvSpPr>
-          <p:nvPr>
-            <p:ph type="subTitle" idx="1"/>
-          </p:nvPr>
-        </p:nvSpPr>
-        <p:spPr>
-          <a:xfrm>
-            <a:off x="1524000" y="3602038"/>
-            <a:ext cx="9144000" cy="2198022"/>
-          </a:xfrm>
-        </p:spPr>
-        <p:txBody>
-          <a:bodyPr>
-            <a:normAutofit/>
-          </a:bodyPr>
-          <a:lstStyle/>
-          <a:p>
-            <a:pPr algn="l"/>
-            <a:r>
-              <a:rPr lang="en-US" dirty="0"/>
-              <a:t>Course Number: CPSC-24500</a:t>
-            </a:r>
-          </a:p>
-          <a:p>
-            <a:pPr algn="l"/>
-            <a:r>
-              <a:rPr lang="en-US" dirty="0"/>
-              <a:t>Week: 5</a:t>
-            </a:r>
-          </a:p>
-          <a:p>
-            <a:pPr algn="l"/>
-            <a:r>
-              <a:rPr lang="en-US" dirty="0"/>
-              <a:t>Session: 3</a:t>
-            </a:r>
-          </a:p>
-          <a:p>
-            <a:pPr algn="l"/>
-            <a:r>
-              <a:rPr lang="en-US" dirty="0"/>
-              <a:t>Instructor: Eric Pogue</a:t>
-            </a:r>
-          </a:p>
-        </p:txBody>
-      </p:sp>
-    </p:spTree>
-    <p:extLst>
-      <p:ext uri="{BB962C8B-B14F-4D97-AF65-F5344CB8AC3E}">
-        <p14:creationId xmlns:p14="http://schemas.microsoft.com/office/powerpoint/2010/main" val="3303290033"/>
+        <p14:creationId xmlns:p14="http://schemas.microsoft.com/office/powerpoint/2010/main" val="2244440017"/>
       </p:ext>
     </p:extLst>
   </p:cSld>
@@ -8979,8 +9775,8 @@
         </p:nvSpPr>
         <p:spPr>
           <a:xfrm>
-            <a:off x="838200" y="365126"/>
-            <a:ext cx="6113662" cy="1409174"/>
+            <a:off x="838200" y="365125"/>
+            <a:ext cx="10411047" cy="1325563"/>
           </a:xfrm>
         </p:spPr>
         <p:txBody>
@@ -8990,70 +9786,35 @@
           <a:lstStyle/>
           <a:p>
             <a:r>
+              <a:rPr lang="en-US" sz="3600" dirty="0" err="1"/>
+              <a:t>FastPrime</a:t>
+            </a:r>
+            <a:r>
               <a:rPr lang="en-US" sz="3600" dirty="0"/>
-              <a:t>Object-Oriented Programming</a:t>
-            </a:r>
-            <a:br>
-              <a:rPr lang="en-US" sz="3600" dirty="0"/>
-            </a:br>
-            <a:r>
-              <a:rPr lang="en-US" sz="1800" dirty="0"/>
-              <a:t>Session: Week 5 Session 4</a:t>
-            </a:r>
-            <a:br>
-              <a:rPr lang="en-US" sz="1800" dirty="0"/>
-            </a:br>
-            <a:r>
-              <a:rPr lang="en-US" sz="1800" dirty="0"/>
-              <a:t>Instructor: Eric Pogue</a:t>
-            </a:r>
-            <a:endParaRPr lang="en-US" sz="1800" b="1" i="1" u="sng" dirty="0"/>
-          </a:p>
-        </p:txBody>
-      </p:sp>
-      <p:pic>
-        <p:nvPicPr>
-          <p:cNvPr id="4" name="Content Placeholder 4"/>
-          <p:cNvPicPr>
-            <a:picLocks noChangeAspect="1"/>
-          </p:cNvPicPr>
-          <p:nvPr/>
-        </p:nvPicPr>
-        <p:blipFill>
-          <a:blip r:embed="rId3"/>
-          <a:stretch>
-            <a:fillRect/>
-          </a:stretch>
-        </p:blipFill>
+              <a:t>… plus Questions</a:t>
+            </a:r>
+          </a:p>
+        </p:txBody>
+      </p:sp>
+      <p:sp>
+        <p:nvSpPr>
+          <p:cNvPr id="3" name="Content Placeholder 2"/>
+          <p:cNvSpPr>
+            <a:spLocks noGrp="1"/>
+          </p:cNvSpPr>
+          <p:nvPr>
+            <p:ph idx="1"/>
+          </p:nvPr>
+        </p:nvSpPr>
         <p:spPr>
           <a:xfrm>
-            <a:off x="9072894" y="182925"/>
-            <a:ext cx="2656367" cy="1366321"/>
-          </a:xfrm>
-          <a:prstGeom prst="rect">
-            <a:avLst/>
-          </a:prstGeom>
-        </p:spPr>
-      </p:pic>
-      <p:sp>
-        <p:nvSpPr>
-          <p:cNvPr id="10" name="Content Placeholder 2"/>
-          <p:cNvSpPr>
-            <a:spLocks noGrp="1"/>
-          </p:cNvSpPr>
-          <p:nvPr>
-            <p:ph idx="1"/>
-          </p:nvPr>
-        </p:nvSpPr>
-        <p:spPr>
-          <a:xfrm>
-            <a:off x="838200" y="1795301"/>
-            <a:ext cx="10718950" cy="4571242"/>
+            <a:off x="838199" y="1549178"/>
+            <a:ext cx="10453578" cy="4783519"/>
           </a:xfrm>
         </p:spPr>
         <p:txBody>
           <a:bodyPr>
-            <a:noAutofit/>
+            <a:normAutofit/>
           </a:bodyPr>
           <a:lstStyle/>
           <a:p>
@@ -9061,8 +9822,25 @@
               <a:buNone/>
             </a:pPr>
             <a:r>
-              <a:rPr lang="en-US" sz="2000" u="sng" dirty="0"/>
-              <a:t>Agenda:</a:t>
+              <a:rPr lang="en-US" sz="2000" dirty="0"/>
+              <a:t>Write a performance optimized command line Java application that will programmatically find prime numbers [link] and store those numbers sorted in an output file. </a:t>
+            </a:r>
+          </a:p>
+          <a:p>
+            <a:pPr marL="0" indent="0">
+              <a:buNone/>
+            </a:pPr>
+            <a:r>
+              <a:rPr lang="en-US" sz="2000" dirty="0"/>
+              <a:t>In </a:t>
+            </a:r>
+            <a:r>
+              <a:rPr lang="en-US" sz="2000" dirty="0" err="1"/>
+              <a:t>FastPrime</a:t>
+            </a:r>
+            <a:r>
+              <a:rPr lang="en-US" sz="2000" dirty="0"/>
+              <a:t> we will create a command line Java application that will:</a:t>
             </a:r>
           </a:p>
           <a:p>
@@ -9072,7 +9850,7 @@
             </a:pPr>
             <a:r>
               <a:rPr lang="en-US" sz="2000" dirty="0"/>
-              <a:t>Finish Multi-Threading Example… implement Runnable</a:t>
+              <a:t>Use multiple threads to find the prime numbers between two numbers</a:t>
             </a:r>
           </a:p>
           <a:p>
@@ -9082,7 +9860,7 @@
             </a:pPr>
             <a:r>
               <a:rPr lang="en-US" sz="2000" dirty="0"/>
-              <a:t>Java Packages &amp; JAR Files</a:t>
+              <a:t>Sort those results and store them to a file</a:t>
             </a:r>
           </a:p>
           <a:p>
@@ -9092,7 +9870,40 @@
             </a:pPr>
             <a:r>
               <a:rPr lang="en-US" sz="2000" dirty="0"/>
-              <a:t>Software Testing and JUnit</a:t>
+              <a:t>Perform some timings</a:t>
+            </a:r>
+          </a:p>
+          <a:p>
+            <a:pPr marL="457200" indent="-457200">
+              <a:buFont typeface="+mj-lt"/>
+              <a:buAutoNum type="arabicPeriod"/>
+            </a:pPr>
+            <a:r>
+              <a:rPr lang="en-US" sz="2000" dirty="0"/>
+              <a:t>… And do this all </a:t>
+            </a:r>
+            <a:r>
+              <a:rPr lang="en-US" sz="2000" u="sng" dirty="0"/>
+              <a:t>very</a:t>
+            </a:r>
+            <a:r>
+              <a:rPr lang="en-US" sz="2000" dirty="0"/>
+              <a:t> fast</a:t>
+            </a:r>
+          </a:p>
+          <a:p>
+            <a:pPr marL="0" indent="0">
+              <a:buNone/>
+            </a:pPr>
+            <a:endParaRPr lang="en-US" sz="2000" dirty="0"/>
+          </a:p>
+          <a:p>
+            <a:pPr marL="0" indent="0">
+              <a:buNone/>
+            </a:pPr>
+            <a:r>
+              <a:rPr lang="en-US" sz="2000" dirty="0"/>
+              <a:t>See the details in this week’s assignment</a:t>
             </a:r>
           </a:p>
         </p:txBody>
@@ -9100,7 +9911,7 @@
     </p:spTree>
     <p:extLst>
       <p:ext uri="{BB962C8B-B14F-4D97-AF65-F5344CB8AC3E}">
-        <p14:creationId xmlns:p14="http://schemas.microsoft.com/office/powerpoint/2010/main" val="305504535"/>
+        <p14:creationId xmlns:p14="http://schemas.microsoft.com/office/powerpoint/2010/main" val="1093881097"/>
       </p:ext>
     </p:extLst>
   </p:cSld>
@@ -9205,6 +10016,126 @@
             <a:pPr algn="l"/>
             <a:r>
               <a:rPr lang="en-US" dirty="0"/>
+              <a:t>Session: 3</a:t>
+            </a:r>
+          </a:p>
+          <a:p>
+            <a:pPr algn="l"/>
+            <a:r>
+              <a:rPr lang="en-US" dirty="0"/>
+              <a:t>Instructor: Eric Pogue</a:t>
+            </a:r>
+          </a:p>
+        </p:txBody>
+      </p:sp>
+    </p:spTree>
+    <p:extLst>
+      <p:ext uri="{BB962C8B-B14F-4D97-AF65-F5344CB8AC3E}">
+        <p14:creationId xmlns:p14="http://schemas.microsoft.com/office/powerpoint/2010/main" val="3303290033"/>
+      </p:ext>
+    </p:extLst>
+  </p:cSld>
+  <p:clrMapOvr>
+    <a:masterClrMapping/>
+  </p:clrMapOvr>
+</p:sld>
+</file>
+
+<file path=ppt/slides/slide27.xml><?xml version="1.0" encoding="utf-8"?>
+<p:sld xmlns:a="http://schemas.openxmlformats.org/drawingml/2006/main" xmlns:r="http://schemas.openxmlformats.org/officeDocument/2006/relationships" xmlns:p="http://schemas.openxmlformats.org/presentationml/2006/main">
+  <p:cSld>
+    <p:bg>
+      <p:bgPr>
+        <a:solidFill>
+          <a:schemeClr val="bg1">
+            <a:lumMod val="75000"/>
+          </a:schemeClr>
+        </a:solidFill>
+        <a:effectLst/>
+      </p:bgPr>
+    </p:bg>
+    <p:spTree>
+      <p:nvGrpSpPr>
+        <p:cNvPr id="1" name=""/>
+        <p:cNvGrpSpPr/>
+        <p:nvPr/>
+      </p:nvGrpSpPr>
+      <p:grpSpPr>
+        <a:xfrm>
+          <a:off x="0" y="0"/>
+          <a:ext cx="0" cy="0"/>
+          <a:chOff x="0" y="0"/>
+          <a:chExt cx="0" cy="0"/>
+        </a:xfrm>
+      </p:grpSpPr>
+      <p:sp>
+        <p:nvSpPr>
+          <p:cNvPr id="2" name="Title 1"/>
+          <p:cNvSpPr>
+            <a:spLocks noGrp="1"/>
+          </p:cNvSpPr>
+          <p:nvPr>
+            <p:ph type="ctrTitle"/>
+          </p:nvPr>
+        </p:nvSpPr>
+        <p:spPr>
+          <a:xfrm>
+            <a:off x="1524000" y="1122363"/>
+            <a:ext cx="9144000" cy="2387600"/>
+          </a:xfrm>
+        </p:spPr>
+        <p:txBody>
+          <a:bodyPr>
+            <a:normAutofit/>
+          </a:bodyPr>
+          <a:lstStyle/>
+          <a:p>
+            <a:r>
+              <a:rPr lang="en-US" sz="4800" dirty="0"/>
+              <a:t>End of Session</a:t>
+            </a:r>
+          </a:p>
+        </p:txBody>
+      </p:sp>
+      <p:sp>
+        <p:nvSpPr>
+          <p:cNvPr id="3" name="Subtitle 2"/>
+          <p:cNvSpPr>
+            <a:spLocks noGrp="1"/>
+          </p:cNvSpPr>
+          <p:nvPr>
+            <p:ph type="subTitle" idx="1"/>
+          </p:nvPr>
+        </p:nvSpPr>
+        <p:spPr>
+          <a:xfrm>
+            <a:off x="1524000" y="3602038"/>
+            <a:ext cx="9144000" cy="2198022"/>
+          </a:xfrm>
+        </p:spPr>
+        <p:txBody>
+          <a:bodyPr>
+            <a:normAutofit/>
+          </a:bodyPr>
+          <a:lstStyle/>
+          <a:p>
+            <a:pPr algn="l"/>
+            <a:r>
+              <a:rPr lang="en-US" dirty="0"/>
+              <a:t>Course Number: CPSC-24500</a:t>
+            </a:r>
+          </a:p>
+          <a:p>
+            <a:pPr algn="l"/>
+            <a:r>
+              <a:rPr lang="en-US" dirty="0"/>
+              <a:t>Week: 5</a:t>
+            </a:r>
+          </a:p>
+          <a:p>
+            <a:pPr algn="l"/>
+            <a:r>
+              <a:rPr lang="en-US" dirty="0"/>
               <a:t>Session: 4</a:t>
             </a:r>
           </a:p>
@@ -9305,7 +10236,7 @@
             </a:pPr>
             <a:r>
               <a:rPr lang="en-US" sz="2000" dirty="0"/>
-              <a:t>Download and install Visual Studio... And implement  Hello World in C#</a:t>
+              <a:t>Download and install Visual Studio... And implement Hello World in C#</a:t>
             </a:r>
           </a:p>
           <a:p>
@@ -11137,9 +12068,12 @@
 </file>
 
 <file path=customXml/item1.xml><?xml version="1.0" encoding="utf-8"?>
-<p:properties xmlns:p="http://schemas.microsoft.com/office/2006/metadata/properties" xmlns:xsi="http://www.w3.org/2001/XMLSchema-instance" xmlns:pc="http://schemas.microsoft.com/office/infopath/2007/PartnerControls">
-  <documentManagement/>
-</p:properties>
+<?mso-contentType ?>
+<FormTemplates xmlns="http://schemas.microsoft.com/sharepoint/v3/contenttype/forms">
+  <Display>DocumentLibraryForm</Display>
+  <Edit>DocumentLibraryForm</Edit>
+  <New>DocumentLibraryForm</New>
+</FormTemplates>
 </file>
 
 <file path=customXml/item2.xml><?xml version="1.0" encoding="utf-8"?>
@@ -11257,25 +12191,15 @@
 </file>
 
 <file path=customXml/item3.xml><?xml version="1.0" encoding="utf-8"?>
-<?mso-contentType ?>
-<FormTemplates xmlns="http://schemas.microsoft.com/sharepoint/v3/contenttype/forms">
-  <Display>DocumentLibraryForm</Display>
-  <Edit>DocumentLibraryForm</Edit>
-  <New>DocumentLibraryForm</New>
-</FormTemplates>
+<p:properties xmlns:p="http://schemas.microsoft.com/office/2006/metadata/properties" xmlns:xsi="http://www.w3.org/2001/XMLSchema-instance" xmlns:pc="http://schemas.microsoft.com/office/infopath/2007/PartnerControls">
+  <documentManagement/>
+</p:properties>
 </file>
 
 <file path=customXml/itemProps1.xml><?xml version="1.0" encoding="utf-8"?>
-<ds:datastoreItem xmlns:ds="http://schemas.openxmlformats.org/officeDocument/2006/customXml" ds:itemID="{3473EA1A-2744-48E8-B2A3-4F89C0FC849C}">
+<ds:datastoreItem xmlns:ds="http://schemas.openxmlformats.org/officeDocument/2006/customXml" ds:itemID="{87FD8B20-B89A-4B23-9329-175195DD4D8A}">
   <ds:schemaRefs>
-    <ds:schemaRef ds:uri="http://purl.org/dc/terms/"/>
-    <ds:schemaRef ds:uri="http://schemas.openxmlformats.org/package/2006/metadata/core-properties"/>
-    <ds:schemaRef ds:uri="http://schemas.microsoft.com/office/2006/documentManagement/types"/>
-    <ds:schemaRef ds:uri="http://schemas.microsoft.com/office/infopath/2007/PartnerControls"/>
-    <ds:schemaRef ds:uri="http://purl.org/dc/elements/1.1/"/>
-    <ds:schemaRef ds:uri="http://schemas.microsoft.com/office/2006/metadata/properties"/>
-    <ds:schemaRef ds:uri="http://www.w3.org/XML/1998/namespace"/>
-    <ds:schemaRef ds:uri="http://purl.org/dc/dcmitype/"/>
+    <ds:schemaRef ds:uri="http://schemas.microsoft.com/sharepoint/v3/contenttype/forms"/>
   </ds:schemaRefs>
 </ds:datastoreItem>
 </file>
@@ -11297,9 +12221,16 @@
 </file>
 
 <file path=customXml/itemProps3.xml><?xml version="1.0" encoding="utf-8"?>
-<ds:datastoreItem xmlns:ds="http://schemas.openxmlformats.org/officeDocument/2006/customXml" ds:itemID="{87FD8B20-B89A-4B23-9329-175195DD4D8A}">
+<ds:datastoreItem xmlns:ds="http://schemas.openxmlformats.org/officeDocument/2006/customXml" ds:itemID="{3473EA1A-2744-48E8-B2A3-4F89C0FC849C}">
   <ds:schemaRefs>
-    <ds:schemaRef ds:uri="http://schemas.microsoft.com/sharepoint/v3/contenttype/forms"/>
+    <ds:schemaRef ds:uri="http://schemas.microsoft.com/office/2006/documentManagement/types"/>
+    <ds:schemaRef ds:uri="http://purl.org/dc/terms/"/>
+    <ds:schemaRef ds:uri="http://schemas.openxmlformats.org/package/2006/metadata/core-properties"/>
+    <ds:schemaRef ds:uri="http://purl.org/dc/dcmitype/"/>
+    <ds:schemaRef ds:uri="http://schemas.microsoft.com/office/infopath/2007/PartnerControls"/>
+    <ds:schemaRef ds:uri="http://purl.org/dc/elements/1.1/"/>
+    <ds:schemaRef ds:uri="http://schemas.microsoft.com/office/2006/metadata/properties"/>
+    <ds:schemaRef ds:uri="http://www.w3.org/XML/1998/namespace"/>
   </ds:schemaRefs>
 </ds:datastoreItem>
 </file>
--- a/CPSC-24500/Week06/2017SpringW06Slides.pptx
+++ b/CPSC-24500/Week06/2017SpringW06Slides.pptx
@@ -5,7 +5,7 @@
     <p:sldMasterId id="2147483648" r:id="rId4"/>
   </p:sldMasterIdLst>
   <p:notesMasterIdLst>
-    <p:notesMasterId r:id="rId32"/>
+    <p:notesMasterId r:id="rId34"/>
   </p:notesMasterIdLst>
   <p:sldIdLst>
     <p:sldId id="381" r:id="rId5"/>
@@ -32,9 +32,11 @@
     <p:sldId id="517" r:id="rId26"/>
     <p:sldId id="475" r:id="rId27"/>
     <p:sldId id="514" r:id="rId28"/>
-    <p:sldId id="473" r:id="rId29"/>
-    <p:sldId id="497" r:id="rId30"/>
-    <p:sldId id="490" r:id="rId31"/>
+    <p:sldId id="518" r:id="rId29"/>
+    <p:sldId id="520" r:id="rId30"/>
+    <p:sldId id="521" r:id="rId31"/>
+    <p:sldId id="497" r:id="rId32"/>
+    <p:sldId id="490" r:id="rId33"/>
   </p:sldIdLst>
   <p:sldSz cx="12192000" cy="6858000"/>
   <p:notesSz cx="7315200" cy="9601200"/>
@@ -226,7 +228,7 @@
           <a:p>
             <a:fld id="{91ED72D7-FE6F-4B82-8D31-76BC00B06094}" type="datetimeFigureOut">
               <a:rPr lang="en-US" smtClean="0"/>
-              <a:t>4/25/2017</a:t>
+              <a:t>4/27/2017</a:t>
             </a:fld>
             <a:endParaRPr lang="en-US" dirty="0"/>
           </a:p>
@@ -2267,6 +2269,24 @@
           <a:bodyPr/>
           <a:lstStyle/>
           <a:p>
+            <a:r>
+              <a:rPr lang="en-US" sz="1000" dirty="0" err="1"/>
+              <a:t>FastPrimeLite</a:t>
+            </a:r>
+            <a:r>
+              <a:rPr lang="en-US" sz="1000" dirty="0"/>
+              <a:t>: I don’t want this week’s assignment to be difficult because of finding prime numbers and threading! This is intended to be an exercise in taking some things that we know like finding prime numbers and threading and becoming comfortable with implementing them in Visual Studio and C#. As such, my </a:t>
+            </a:r>
+            <a:r>
+              <a:rPr lang="en-US" sz="1000" dirty="0" err="1"/>
+              <a:t>FastPrimeLite</a:t>
+            </a:r>
+            <a:r>
+              <a:rPr lang="en-US" sz="1000" dirty="0"/>
+              <a:t> application that I am going to show today is going to be very much like what you will need to do from a logic perspective for this week’s assignment. You should feel free to copy (well type it in yourself, update the variable, and get the syntax correct) the code for you to become familiar with Visual Studio and C# editing, debugging, and updating. </a:t>
+            </a:r>
+          </a:p>
+          <a:p>
             <a:endParaRPr lang="en-US" sz="1000" dirty="0"/>
           </a:p>
         </p:txBody>
@@ -2354,33 +2374,7 @@
             <a:pPr marL="0" indent="0">
               <a:buNone/>
             </a:pPr>
-            <a:r>
-              <a:rPr lang="en-US" sz="1000" dirty="0"/>
-              <a:t>Application performance is  ALWAYS a challenge. Learn how to optimize, test, and enhance the performance regularly. It can’t be built in at the end of a project!</a:t>
-            </a:r>
-          </a:p>
-          <a:p>
-            <a:pPr marL="0" indent="0">
-              <a:buNone/>
-            </a:pPr>
             <a:endParaRPr lang="en-US" sz="1000" dirty="0"/>
-          </a:p>
-          <a:p>
-            <a:pPr marL="0" indent="0">
-              <a:buNone/>
-            </a:pPr>
-            <a:r>
-              <a:rPr lang="en-US" sz="1000" dirty="0"/>
-              <a:t>Given our experience with </a:t>
-            </a:r>
-            <a:r>
-              <a:rPr lang="en-US" sz="1000" dirty="0" err="1"/>
-              <a:t>ThreadedRandomNumbers</a:t>
-            </a:r>
-            <a:r>
-              <a:rPr lang="en-US" sz="1000" dirty="0"/>
-              <a:t> you may want to experiment with extending Thread vs. implementing Runnable?</a:t>
-            </a:r>
           </a:p>
         </p:txBody>
       </p:sp>
@@ -2410,7 +2404,7 @@
     </p:spTree>
     <p:extLst>
       <p:ext uri="{BB962C8B-B14F-4D97-AF65-F5344CB8AC3E}">
-        <p14:creationId xmlns:p14="http://schemas.microsoft.com/office/powerpoint/2010/main" val="3451647471"/>
+        <p14:creationId xmlns:p14="http://schemas.microsoft.com/office/powerpoint/2010/main" val="472950922"/>
       </p:ext>
     </p:extLst>
   </p:cSld>
@@ -2464,7 +2458,10 @@
           <a:bodyPr/>
           <a:lstStyle/>
           <a:p>
-            <a:endParaRPr lang="en-US" dirty="0"/>
+            <a:pPr marL="0" indent="0">
+              <a:buNone/>
+            </a:pPr>
+            <a:endParaRPr lang="en-US" sz="1000" dirty="0"/>
           </a:p>
         </p:txBody>
       </p:sp>
@@ -2494,7 +2491,7 @@
     </p:spTree>
     <p:extLst>
       <p:ext uri="{BB962C8B-B14F-4D97-AF65-F5344CB8AC3E}">
-        <p14:creationId xmlns:p14="http://schemas.microsoft.com/office/powerpoint/2010/main" val="4010604235"/>
+        <p14:creationId xmlns:p14="http://schemas.microsoft.com/office/powerpoint/2010/main" val="106941514"/>
       </p:ext>
     </p:extLst>
   </p:cSld>
@@ -2548,6 +2545,82 @@
           <a:bodyPr/>
           <a:lstStyle/>
           <a:p>
+            <a:pPr marL="0" indent="0">
+              <a:buNone/>
+            </a:pPr>
+            <a:r>
+              <a:rPr lang="en-US" sz="1000" dirty="0"/>
+              <a:t>I want you to be focused on learning the C# environment and syntax and not on </a:t>
+            </a:r>
+            <a:r>
+              <a:rPr lang="en-US" sz="1000" dirty="0" err="1"/>
+              <a:t>reimplenting</a:t>
+            </a:r>
+            <a:r>
+              <a:rPr lang="en-US" sz="1000" dirty="0"/>
+              <a:t> </a:t>
+            </a:r>
+            <a:r>
+              <a:rPr lang="en-US" sz="1000" dirty="0" err="1"/>
+              <a:t>FastPrime</a:t>
+            </a:r>
+            <a:r>
+              <a:rPr lang="en-US" sz="1000" dirty="0"/>
+              <a:t> to be better. </a:t>
+            </a:r>
+          </a:p>
+          <a:p>
+            <a:pPr marL="0" indent="0">
+              <a:buNone/>
+            </a:pPr>
+            <a:r>
+              <a:rPr lang="en-US" sz="1000" dirty="0"/>
+              <a:t>Your application should be your own; however, you’re welcome and encouraged to copy significant elements of </a:t>
+            </a:r>
+            <a:r>
+              <a:rPr lang="en-US" sz="1000" dirty="0" err="1"/>
+              <a:t>FastPrimeLite</a:t>
+            </a:r>
+            <a:r>
+              <a:rPr lang="en-US" sz="1000" dirty="0"/>
+              <a:t> in your assignment. You should type it in yourself, change the names of the classes and variables at a minimum, implement the missing features, use at least four threads, and generally enhance the implementation.</a:t>
+            </a:r>
+          </a:p>
+          <a:p>
+            <a:pPr marL="0" indent="0">
+              <a:buNone/>
+            </a:pPr>
+            <a:r>
+              <a:rPr lang="en-US" sz="1000" dirty="0"/>
+              <a:t>The crossed out items are items that will not be implemented if </a:t>
+            </a:r>
+            <a:r>
+              <a:rPr lang="en-US" sz="1000" dirty="0" err="1"/>
+              <a:t>FastPrimeLite</a:t>
+            </a:r>
+            <a:r>
+              <a:rPr lang="en-US" sz="1000" dirty="0"/>
+              <a:t> but that you will need to implement separately.</a:t>
+            </a:r>
+          </a:p>
+          <a:p>
+            <a:pPr marL="0" indent="0">
+              <a:buNone/>
+            </a:pPr>
+            <a:endParaRPr lang="en-US" sz="1000" dirty="0"/>
+          </a:p>
+          <a:p>
+            <a:pPr marL="0" indent="0">
+              <a:buNone/>
+            </a:pPr>
+            <a:r>
+              <a:rPr lang="en-US" sz="1000" dirty="0"/>
+              <a:t>Please don’t forget the easy things like your name at the top and start/end times, </a:t>
+            </a:r>
+            <a:r>
+              <a:rPr lang="en-US" sz="1000" dirty="0" err="1"/>
+              <a:t>etc</a:t>
+            </a:r>
             <a:endParaRPr lang="en-US" sz="1000" dirty="0"/>
           </a:p>
         </p:txBody>
@@ -2570,6 +2643,174 @@
             <a:fld id="{5394DE12-7B9B-46AA-AC19-C30A49928B9B}" type="slidenum">
               <a:rPr lang="en-US" smtClean="0"/>
               <a:t>27</a:t>
+            </a:fld>
+            <a:endParaRPr lang="en-US" dirty="0"/>
+          </a:p>
+        </p:txBody>
+      </p:sp>
+    </p:spTree>
+    <p:extLst>
+      <p:ext uri="{BB962C8B-B14F-4D97-AF65-F5344CB8AC3E}">
+        <p14:creationId xmlns:p14="http://schemas.microsoft.com/office/powerpoint/2010/main" val="394118486"/>
+      </p:ext>
+    </p:extLst>
+  </p:cSld>
+  <p:clrMapOvr>
+    <a:masterClrMapping/>
+  </p:clrMapOvr>
+</p:notes>
+</file>
+
+<file path=ppt/notesSlides/notesSlide28.xml><?xml version="1.0" encoding="utf-8"?>
+<p:notes xmlns:a="http://schemas.openxmlformats.org/drawingml/2006/main" xmlns:r="http://schemas.openxmlformats.org/officeDocument/2006/relationships" xmlns:p="http://schemas.openxmlformats.org/presentationml/2006/main">
+  <p:cSld>
+    <p:spTree>
+      <p:nvGrpSpPr>
+        <p:cNvPr id="1" name=""/>
+        <p:cNvGrpSpPr/>
+        <p:nvPr/>
+      </p:nvGrpSpPr>
+      <p:grpSpPr>
+        <a:xfrm>
+          <a:off x="0" y="0"/>
+          <a:ext cx="0" cy="0"/>
+          <a:chOff x="0" y="0"/>
+          <a:chExt cx="0" cy="0"/>
+        </a:xfrm>
+      </p:grpSpPr>
+      <p:sp>
+        <p:nvSpPr>
+          <p:cNvPr id="2" name="Slide Image Placeholder 1"/>
+          <p:cNvSpPr>
+            <a:spLocks noGrp="1" noRot="1" noChangeAspect="1"/>
+          </p:cNvSpPr>
+          <p:nvPr>
+            <p:ph type="sldImg"/>
+          </p:nvPr>
+        </p:nvSpPr>
+        <p:spPr/>
+      </p:sp>
+      <p:sp>
+        <p:nvSpPr>
+          <p:cNvPr id="3" name="Notes Placeholder 2"/>
+          <p:cNvSpPr>
+            <a:spLocks noGrp="1"/>
+          </p:cNvSpPr>
+          <p:nvPr>
+            <p:ph type="body" idx="1"/>
+          </p:nvPr>
+        </p:nvSpPr>
+        <p:spPr/>
+        <p:txBody>
+          <a:bodyPr/>
+          <a:lstStyle/>
+          <a:p>
+            <a:endParaRPr lang="en-US" dirty="0"/>
+          </a:p>
+        </p:txBody>
+      </p:sp>
+      <p:sp>
+        <p:nvSpPr>
+          <p:cNvPr id="4" name="Slide Number Placeholder 3"/>
+          <p:cNvSpPr>
+            <a:spLocks noGrp="1"/>
+          </p:cNvSpPr>
+          <p:nvPr>
+            <p:ph type="sldNum" sz="quarter" idx="10"/>
+          </p:nvPr>
+        </p:nvSpPr>
+        <p:spPr/>
+        <p:txBody>
+          <a:bodyPr/>
+          <a:lstStyle/>
+          <a:p>
+            <a:fld id="{5394DE12-7B9B-46AA-AC19-C30A49928B9B}" type="slidenum">
+              <a:rPr lang="en-US" smtClean="0"/>
+              <a:t>28</a:t>
+            </a:fld>
+            <a:endParaRPr lang="en-US" dirty="0"/>
+          </a:p>
+        </p:txBody>
+      </p:sp>
+    </p:spTree>
+    <p:extLst>
+      <p:ext uri="{BB962C8B-B14F-4D97-AF65-F5344CB8AC3E}">
+        <p14:creationId xmlns:p14="http://schemas.microsoft.com/office/powerpoint/2010/main" val="4010604235"/>
+      </p:ext>
+    </p:extLst>
+  </p:cSld>
+  <p:clrMapOvr>
+    <a:masterClrMapping/>
+  </p:clrMapOvr>
+</p:notes>
+</file>
+
+<file path=ppt/notesSlides/notesSlide29.xml><?xml version="1.0" encoding="utf-8"?>
+<p:notes xmlns:a="http://schemas.openxmlformats.org/drawingml/2006/main" xmlns:r="http://schemas.openxmlformats.org/officeDocument/2006/relationships" xmlns:p="http://schemas.openxmlformats.org/presentationml/2006/main">
+  <p:cSld>
+    <p:spTree>
+      <p:nvGrpSpPr>
+        <p:cNvPr id="1" name=""/>
+        <p:cNvGrpSpPr/>
+        <p:nvPr/>
+      </p:nvGrpSpPr>
+      <p:grpSpPr>
+        <a:xfrm>
+          <a:off x="0" y="0"/>
+          <a:ext cx="0" cy="0"/>
+          <a:chOff x="0" y="0"/>
+          <a:chExt cx="0" cy="0"/>
+        </a:xfrm>
+      </p:grpSpPr>
+      <p:sp>
+        <p:nvSpPr>
+          <p:cNvPr id="2" name="Slide Image Placeholder 1"/>
+          <p:cNvSpPr>
+            <a:spLocks noGrp="1" noRot="1" noChangeAspect="1"/>
+          </p:cNvSpPr>
+          <p:nvPr>
+            <p:ph type="sldImg"/>
+          </p:nvPr>
+        </p:nvSpPr>
+        <p:spPr/>
+      </p:sp>
+      <p:sp>
+        <p:nvSpPr>
+          <p:cNvPr id="3" name="Notes Placeholder 2"/>
+          <p:cNvSpPr>
+            <a:spLocks noGrp="1"/>
+          </p:cNvSpPr>
+          <p:nvPr>
+            <p:ph type="body" idx="1"/>
+          </p:nvPr>
+        </p:nvSpPr>
+        <p:spPr/>
+        <p:txBody>
+          <a:bodyPr/>
+          <a:lstStyle/>
+          <a:p>
+            <a:endParaRPr lang="en-US" sz="1000" dirty="0"/>
+          </a:p>
+        </p:txBody>
+      </p:sp>
+      <p:sp>
+        <p:nvSpPr>
+          <p:cNvPr id="4" name="Slide Number Placeholder 3"/>
+          <p:cNvSpPr>
+            <a:spLocks noGrp="1"/>
+          </p:cNvSpPr>
+          <p:nvPr>
+            <p:ph type="sldNum" sz="quarter" idx="10"/>
+          </p:nvPr>
+        </p:nvSpPr>
+        <p:spPr/>
+        <p:txBody>
+          <a:bodyPr/>
+          <a:lstStyle/>
+          <a:p>
+            <a:fld id="{5394DE12-7B9B-46AA-AC19-C30A49928B9B}" type="slidenum">
+              <a:rPr lang="en-US" smtClean="0"/>
+              <a:t>29</a:t>
             </a:fld>
             <a:endParaRPr lang="en-US" dirty="0"/>
           </a:p>
@@ -3344,7 +3585,7 @@
           <a:p>
             <a:fld id="{969F32F5-AB1C-41B2-AE79-C9DE1D1745A4}" type="datetimeFigureOut">
               <a:rPr lang="en-US" smtClean="0"/>
-              <a:t>4/25/2017</a:t>
+              <a:t>4/27/2017</a:t>
             </a:fld>
             <a:endParaRPr lang="en-US" dirty="0"/>
           </a:p>
@@ -3512,7 +3753,7 @@
           <a:p>
             <a:fld id="{969F32F5-AB1C-41B2-AE79-C9DE1D1745A4}" type="datetimeFigureOut">
               <a:rPr lang="en-US" smtClean="0"/>
-              <a:t>4/25/2017</a:t>
+              <a:t>4/27/2017</a:t>
             </a:fld>
             <a:endParaRPr lang="en-US" dirty="0"/>
           </a:p>
@@ -3690,7 +3931,7 @@
           <a:p>
             <a:fld id="{969F32F5-AB1C-41B2-AE79-C9DE1D1745A4}" type="datetimeFigureOut">
               <a:rPr lang="en-US" smtClean="0"/>
-              <a:t>4/25/2017</a:t>
+              <a:t>4/27/2017</a:t>
             </a:fld>
             <a:endParaRPr lang="en-US" dirty="0"/>
           </a:p>
@@ -3858,7 +4099,7 @@
           <a:p>
             <a:fld id="{969F32F5-AB1C-41B2-AE79-C9DE1D1745A4}" type="datetimeFigureOut">
               <a:rPr lang="en-US" smtClean="0"/>
-              <a:t>4/25/2017</a:t>
+              <a:t>4/27/2017</a:t>
             </a:fld>
             <a:endParaRPr lang="en-US" dirty="0"/>
           </a:p>
@@ -4103,7 +4344,7 @@
           <a:p>
             <a:fld id="{969F32F5-AB1C-41B2-AE79-C9DE1D1745A4}" type="datetimeFigureOut">
               <a:rPr lang="en-US" smtClean="0"/>
-              <a:t>4/25/2017</a:t>
+              <a:t>4/27/2017</a:t>
             </a:fld>
             <a:endParaRPr lang="en-US" dirty="0"/>
           </a:p>
@@ -4332,7 +4573,7 @@
           <a:p>
             <a:fld id="{969F32F5-AB1C-41B2-AE79-C9DE1D1745A4}" type="datetimeFigureOut">
               <a:rPr lang="en-US" smtClean="0"/>
-              <a:t>4/25/2017</a:t>
+              <a:t>4/27/2017</a:t>
             </a:fld>
             <a:endParaRPr lang="en-US" dirty="0"/>
           </a:p>
@@ -4696,7 +4937,7 @@
           <a:p>
             <a:fld id="{969F32F5-AB1C-41B2-AE79-C9DE1D1745A4}" type="datetimeFigureOut">
               <a:rPr lang="en-US" smtClean="0"/>
-              <a:t>4/25/2017</a:t>
+              <a:t>4/27/2017</a:t>
             </a:fld>
             <a:endParaRPr lang="en-US" dirty="0"/>
           </a:p>
@@ -4813,7 +5054,7 @@
           <a:p>
             <a:fld id="{969F32F5-AB1C-41B2-AE79-C9DE1D1745A4}" type="datetimeFigureOut">
               <a:rPr lang="en-US" smtClean="0"/>
-              <a:t>4/25/2017</a:t>
+              <a:t>4/27/2017</a:t>
             </a:fld>
             <a:endParaRPr lang="en-US" dirty="0"/>
           </a:p>
@@ -4908,7 +5149,7 @@
           <a:p>
             <a:fld id="{969F32F5-AB1C-41B2-AE79-C9DE1D1745A4}" type="datetimeFigureOut">
               <a:rPr lang="en-US" smtClean="0"/>
-              <a:t>4/25/2017</a:t>
+              <a:t>4/27/2017</a:t>
             </a:fld>
             <a:endParaRPr lang="en-US" dirty="0"/>
           </a:p>
@@ -5183,7 +5424,7 @@
           <a:p>
             <a:fld id="{969F32F5-AB1C-41B2-AE79-C9DE1D1745A4}" type="datetimeFigureOut">
               <a:rPr lang="en-US" smtClean="0"/>
-              <a:t>4/25/2017</a:t>
+              <a:t>4/27/2017</a:t>
             </a:fld>
             <a:endParaRPr lang="en-US" dirty="0"/>
           </a:p>
@@ -5435,7 +5676,7 @@
           <a:p>
             <a:fld id="{969F32F5-AB1C-41B2-AE79-C9DE1D1745A4}" type="datetimeFigureOut">
               <a:rPr lang="en-US" smtClean="0"/>
-              <a:t>4/25/2017</a:t>
+              <a:t>4/27/2017</a:t>
             </a:fld>
             <a:endParaRPr lang="en-US" dirty="0"/>
           </a:p>
@@ -5646,7 +5887,7 @@
           <a:p>
             <a:fld id="{969F32F5-AB1C-41B2-AE79-C9DE1D1745A4}" type="datetimeFigureOut">
               <a:rPr lang="en-US" smtClean="0"/>
-              <a:t>4/25/2017</a:t>
+              <a:t>4/27/2017</a:t>
             </a:fld>
             <a:endParaRPr lang="en-US" dirty="0"/>
           </a:p>
@@ -8167,7 +8408,7 @@
             </a:br>
             <a:r>
               <a:rPr lang="en-US" sz="1800" dirty="0"/>
-              <a:t>Session: Week 6 Session 3 Preview</a:t>
+              <a:t>Session: Week 6 Session 2 Plus</a:t>
             </a:r>
             <a:br>
               <a:rPr lang="en-US" sz="1800" dirty="0"/>
@@ -9327,7 +9568,7 @@
             </a:r>
             <a:r>
               <a:rPr lang="en-US" sz="2000" dirty="0"/>
-              <a:t>  </a:t>
+              <a:t> </a:t>
             </a:r>
             <a:r>
               <a:rPr lang="en-US" sz="2000" dirty="0">
@@ -9533,7 +9774,7 @@
             </a:br>
             <a:r>
               <a:rPr lang="en-US" sz="1800" dirty="0"/>
-              <a:t>Session: Week 6 Session 3</a:t>
+              <a:t>Session: Week 6 Session 3 (Lunch &amp; Learn)</a:t>
             </a:r>
             <a:br>
               <a:rPr lang="en-US" sz="1800" dirty="0"/>
@@ -9572,7 +9813,7 @@
       </p:pic>
       <p:sp>
         <p:nvSpPr>
-          <p:cNvPr id="6" name="Content Placeholder 5"/>
+          <p:cNvPr id="8" name="Content Placeholder 2"/>
           <p:cNvSpPr>
             <a:spLocks noGrp="1"/>
           </p:cNvSpPr>
@@ -9580,26 +9821,42 @@
             <p:ph idx="1"/>
           </p:nvPr>
         </p:nvSpPr>
-        <p:spPr/>
+        <p:spPr>
+          <a:xfrm>
+            <a:off x="838200" y="1795301"/>
+            <a:ext cx="10718950" cy="4571242"/>
+          </a:xfrm>
+        </p:spPr>
         <p:txBody>
           <a:bodyPr>
-            <a:normAutofit/>
+            <a:noAutofit/>
           </a:bodyPr>
           <a:lstStyle/>
+          <a:p>
+            <a:pPr marL="0" indent="0">
+              <a:buNone/>
+            </a:pPr>
+            <a:r>
+              <a:rPr lang="en-US" sz="2000" u="sng" dirty="0"/>
+              <a:t>Agenda:</a:t>
+            </a:r>
+          </a:p>
           <a:p>
             <a:pPr marL="457200" indent="-457200">
               <a:buFont typeface="+mj-lt"/>
               <a:buAutoNum type="arabicPeriod"/>
             </a:pPr>
             <a:r>
-              <a:rPr lang="en-US" sz="2000" dirty="0">
-                <a:solidFill>
-                  <a:schemeClr val="bg1">
-                    <a:lumMod val="65000"/>
-                  </a:schemeClr>
-                </a:solidFill>
-              </a:rPr>
-              <a:t>Download and install Visual Studio... And implement Hello World in C#</a:t>
+              <a:rPr lang="en-US" sz="2000" dirty="0"/>
+              <a:t>Review </a:t>
+            </a:r>
+            <a:r>
+              <a:rPr lang="en-US" sz="2000" dirty="0" err="1"/>
+              <a:t>FastPrime</a:t>
+            </a:r>
+            <a:r>
+              <a:rPr lang="en-US" sz="2000" dirty="0"/>
+              <a:t> C# Assignment</a:t>
             </a:r>
           </a:p>
           <a:p>
@@ -9608,127 +9865,9 @@
               <a:buAutoNum type="arabicPeriod"/>
             </a:pPr>
             <a:r>
-              <a:rPr lang="en-US" sz="2000" dirty="0">
-                <a:solidFill>
-                  <a:schemeClr val="bg1">
-                    <a:lumMod val="65000"/>
-                  </a:schemeClr>
-                </a:solidFill>
-              </a:rPr>
-              <a:t>Identify characteristics of Java, Python, and C#</a:t>
-            </a:r>
-          </a:p>
-          <a:p>
-            <a:pPr marL="457200" indent="-457200">
-              <a:buFont typeface="+mj-lt"/>
-              <a:buAutoNum type="arabicPeriod"/>
-            </a:pPr>
-            <a:r>
-              <a:rPr lang="en-US" sz="2000" dirty="0">
-                <a:solidFill>
-                  <a:schemeClr val="bg1">
-                    <a:lumMod val="65000"/>
-                  </a:schemeClr>
-                </a:solidFill>
-              </a:rPr>
-              <a:t>Professional positioning </a:t>
-            </a:r>
-          </a:p>
-          <a:p>
-            <a:pPr marL="457200" indent="-457200">
-              <a:buFont typeface="+mj-lt"/>
-              <a:buAutoNum type="arabicPeriod"/>
-            </a:pPr>
-            <a:r>
-              <a:rPr lang="en-US" sz="2000" strike="sngStrike" dirty="0">
-                <a:solidFill>
-                  <a:schemeClr val="bg1">
-                    <a:lumMod val="65000"/>
-                  </a:schemeClr>
-                </a:solidFill>
-              </a:rPr>
-              <a:t>Write non-object-oriented programs that use sequence, selection, and repetition </a:t>
-            </a:r>
-          </a:p>
-          <a:p>
-            <a:pPr marL="457200" indent="-457200">
-              <a:buFont typeface="+mj-lt"/>
-              <a:buAutoNum type="arabicPeriod"/>
-            </a:pPr>
-            <a:r>
-              <a:rPr lang="en-US" sz="2000" dirty="0">
-                <a:solidFill>
-                  <a:schemeClr val="bg1">
-                    <a:lumMod val="65000"/>
-                  </a:schemeClr>
-                </a:solidFill>
-              </a:rPr>
-              <a:t>Use Visual Studio 2017 to define C# classes, complete with properties, methods, and constructors… and much more</a:t>
-            </a:r>
-          </a:p>
-          <a:p>
-            <a:pPr marL="457200" indent="-457200">
-              <a:buFont typeface="+mj-lt"/>
-              <a:buAutoNum type="arabicPeriod"/>
-            </a:pPr>
-            <a:r>
-              <a:rPr lang="en-US" sz="2000" dirty="0">
-                <a:solidFill>
-                  <a:schemeClr val="bg1">
-                    <a:lumMod val="65000"/>
-                  </a:schemeClr>
-                </a:solidFill>
-              </a:rPr>
-              <a:t>Create classes and objects to carry out the work of your program</a:t>
-            </a:r>
-          </a:p>
-          <a:p>
-            <a:pPr marL="457200" indent="-457200">
-              <a:buFont typeface="+mj-lt"/>
-              <a:buAutoNum type="arabicPeriod"/>
-            </a:pPr>
-            <a:r>
-              <a:rPr lang="en-US" sz="2000" dirty="0">
-                <a:solidFill>
-                  <a:schemeClr val="bg1">
-                    <a:lumMod val="65000"/>
-                  </a:schemeClr>
-                </a:solidFill>
-              </a:rPr>
-              <a:t>Use inheritance to create a hierarchy of classes that are related to each other</a:t>
-            </a:r>
-          </a:p>
-          <a:p>
-            <a:pPr marL="457200" indent="-457200">
-              <a:buFont typeface="+mj-lt"/>
-              <a:buAutoNum type="arabicPeriod"/>
-            </a:pPr>
-            <a:r>
-              <a:rPr lang="en-US" sz="2000" dirty="0"/>
-              <a:t>Use .NET (C#) text file objects to create and read text files</a:t>
-            </a:r>
-          </a:p>
-          <a:p>
-            <a:pPr marL="457200" indent="-457200">
-              <a:buFont typeface="+mj-lt"/>
-              <a:buAutoNum type="arabicPeriod"/>
-            </a:pPr>
-            <a:r>
-              <a:rPr lang="en-US" sz="2000" dirty="0"/>
-              <a:t>Work with .NET (C#) lists</a:t>
-            </a:r>
-          </a:p>
-          <a:p>
-            <a:pPr marL="457200" indent="-457200">
-              <a:buFont typeface="+mj-lt"/>
-              <a:buAutoNum type="arabicPeriod"/>
-            </a:pPr>
-            <a:r>
-              <a:rPr lang="en-US" sz="2000" dirty="0"/>
-              <a:t>Deal with a list of related objects polymorphically</a:t>
-            </a:r>
-          </a:p>
-          <a:p>
+              <a:rPr lang="en-US" sz="2000" dirty="0" err="1"/>
+              <a:t>FastPrimeLite</a:t>
+            </a:r>
             <a:endParaRPr lang="en-US" sz="2000" dirty="0"/>
           </a:p>
         </p:txBody>
@@ -9791,127 +9930,39 @@
             </a:r>
             <a:r>
               <a:rPr lang="en-US" sz="3600" dirty="0"/>
-              <a:t>… plus Questions</a:t>
-            </a:r>
-          </a:p>
-        </p:txBody>
-      </p:sp>
-      <p:sp>
-        <p:nvSpPr>
-          <p:cNvPr id="3" name="Content Placeholder 2"/>
-          <p:cNvSpPr>
-            <a:spLocks noGrp="1"/>
-          </p:cNvSpPr>
-          <p:nvPr>
-            <p:ph idx="1"/>
-          </p:nvPr>
-        </p:nvSpPr>
+              <a:t> C#</a:t>
+            </a:r>
+          </a:p>
+        </p:txBody>
+      </p:sp>
+      <p:pic>
+        <p:nvPicPr>
+          <p:cNvPr id="6" name="Picture 5"/>
+          <p:cNvPicPr>
+            <a:picLocks noChangeAspect="1"/>
+          </p:cNvPicPr>
+          <p:nvPr/>
+        </p:nvPicPr>
+        <p:blipFill>
+          <a:blip r:embed="rId3"/>
+          <a:stretch>
+            <a:fillRect/>
+          </a:stretch>
+        </p:blipFill>
         <p:spPr>
           <a:xfrm>
-            <a:off x="838199" y="1549178"/>
-            <a:ext cx="10453578" cy="4783519"/>
+            <a:off x="1073889" y="1604179"/>
+            <a:ext cx="9601200" cy="4900223"/>
           </a:xfrm>
+          <a:prstGeom prst="rect">
+            <a:avLst/>
+          </a:prstGeom>
         </p:spPr>
-        <p:txBody>
-          <a:bodyPr>
-            <a:normAutofit/>
-          </a:bodyPr>
-          <a:lstStyle/>
-          <a:p>
-            <a:pPr marL="0" indent="0">
-              <a:buNone/>
-            </a:pPr>
-            <a:r>
-              <a:rPr lang="en-US" sz="2000" dirty="0"/>
-              <a:t>Write a performance optimized command line Java application that will programmatically find prime numbers [link] and store those numbers sorted in an output file. </a:t>
-            </a:r>
-          </a:p>
-          <a:p>
-            <a:pPr marL="0" indent="0">
-              <a:buNone/>
-            </a:pPr>
-            <a:r>
-              <a:rPr lang="en-US" sz="2000" dirty="0"/>
-              <a:t>In </a:t>
-            </a:r>
-            <a:r>
-              <a:rPr lang="en-US" sz="2000" dirty="0" err="1"/>
-              <a:t>FastPrime</a:t>
-            </a:r>
-            <a:r>
-              <a:rPr lang="en-US" sz="2000" dirty="0"/>
-              <a:t> we will create a command line Java application that will:</a:t>
-            </a:r>
-          </a:p>
-          <a:p>
-            <a:pPr marL="457200" indent="-457200">
-              <a:buFont typeface="+mj-lt"/>
-              <a:buAutoNum type="arabicPeriod"/>
-            </a:pPr>
-            <a:r>
-              <a:rPr lang="en-US" sz="2000" dirty="0"/>
-              <a:t>Use multiple threads to find the prime numbers between two numbers</a:t>
-            </a:r>
-          </a:p>
-          <a:p>
-            <a:pPr marL="457200" indent="-457200">
-              <a:buFont typeface="+mj-lt"/>
-              <a:buAutoNum type="arabicPeriod"/>
-            </a:pPr>
-            <a:r>
-              <a:rPr lang="en-US" sz="2000" dirty="0"/>
-              <a:t>Sort those results and store them to a file</a:t>
-            </a:r>
-          </a:p>
-          <a:p>
-            <a:pPr marL="457200" indent="-457200">
-              <a:buFont typeface="+mj-lt"/>
-              <a:buAutoNum type="arabicPeriod"/>
-            </a:pPr>
-            <a:r>
-              <a:rPr lang="en-US" sz="2000" dirty="0"/>
-              <a:t>Perform some timings</a:t>
-            </a:r>
-          </a:p>
-          <a:p>
-            <a:pPr marL="457200" indent="-457200">
-              <a:buFont typeface="+mj-lt"/>
-              <a:buAutoNum type="arabicPeriod"/>
-            </a:pPr>
-            <a:r>
-              <a:rPr lang="en-US" sz="2000" dirty="0"/>
-              <a:t>… And do this all </a:t>
-            </a:r>
-            <a:r>
-              <a:rPr lang="en-US" sz="2000" u="sng" dirty="0"/>
-              <a:t>very</a:t>
-            </a:r>
-            <a:r>
-              <a:rPr lang="en-US" sz="2000" dirty="0"/>
-              <a:t> fast</a:t>
-            </a:r>
-          </a:p>
-          <a:p>
-            <a:pPr marL="0" indent="0">
-              <a:buNone/>
-            </a:pPr>
-            <a:endParaRPr lang="en-US" sz="2000" dirty="0"/>
-          </a:p>
-          <a:p>
-            <a:pPr marL="0" indent="0">
-              <a:buNone/>
-            </a:pPr>
-            <a:r>
-              <a:rPr lang="en-US" sz="2000" dirty="0"/>
-              <a:t>See the details in this week’s assignment</a:t>
-            </a:r>
-          </a:p>
-        </p:txBody>
-      </p:sp>
+      </p:pic>
     </p:spTree>
     <p:extLst>
       <p:ext uri="{BB962C8B-B14F-4D97-AF65-F5344CB8AC3E}">
-        <p14:creationId xmlns:p14="http://schemas.microsoft.com/office/powerpoint/2010/main" val="1093881097"/>
+        <p14:creationId xmlns:p14="http://schemas.microsoft.com/office/powerpoint/2010/main" val="1179229604"/>
       </p:ext>
     </p:extLst>
   </p:cSld>
@@ -9922,6 +9973,311 @@
 </file>
 
 <file path=ppt/slides/slide26.xml><?xml version="1.0" encoding="utf-8"?>
+<p:sld xmlns:a="http://schemas.openxmlformats.org/drawingml/2006/main" xmlns:r="http://schemas.openxmlformats.org/officeDocument/2006/relationships" xmlns:p="http://schemas.openxmlformats.org/presentationml/2006/main">
+  <p:cSld>
+    <p:spTree>
+      <p:nvGrpSpPr>
+        <p:cNvPr id="1" name=""/>
+        <p:cNvGrpSpPr/>
+        <p:nvPr/>
+      </p:nvGrpSpPr>
+      <p:grpSpPr>
+        <a:xfrm>
+          <a:off x="0" y="0"/>
+          <a:ext cx="0" cy="0"/>
+          <a:chOff x="0" y="0"/>
+          <a:chExt cx="0" cy="0"/>
+        </a:xfrm>
+      </p:grpSpPr>
+      <p:sp>
+        <p:nvSpPr>
+          <p:cNvPr id="2" name="Title 1"/>
+          <p:cNvSpPr>
+            <a:spLocks noGrp="1"/>
+          </p:cNvSpPr>
+          <p:nvPr>
+            <p:ph type="title"/>
+          </p:nvPr>
+        </p:nvSpPr>
+        <p:spPr>
+          <a:xfrm>
+            <a:off x="838200" y="365125"/>
+            <a:ext cx="10411047" cy="1325563"/>
+          </a:xfrm>
+        </p:spPr>
+        <p:txBody>
+          <a:bodyPr>
+            <a:normAutofit/>
+          </a:bodyPr>
+          <a:lstStyle/>
+          <a:p>
+            <a:r>
+              <a:rPr lang="en-US" sz="3600" dirty="0" err="1"/>
+              <a:t>FastPrime</a:t>
+            </a:r>
+            <a:r>
+              <a:rPr lang="en-US" sz="3600" dirty="0"/>
+              <a:t> C# (continued)</a:t>
+            </a:r>
+          </a:p>
+        </p:txBody>
+      </p:sp>
+      <p:pic>
+        <p:nvPicPr>
+          <p:cNvPr id="3" name="Picture 2"/>
+          <p:cNvPicPr>
+            <a:picLocks noChangeAspect="1"/>
+          </p:cNvPicPr>
+          <p:nvPr/>
+        </p:nvPicPr>
+        <p:blipFill>
+          <a:blip r:embed="rId3"/>
+          <a:stretch>
+            <a:fillRect/>
+          </a:stretch>
+        </p:blipFill>
+        <p:spPr>
+          <a:xfrm>
+            <a:off x="1073889" y="1690688"/>
+            <a:ext cx="9532743" cy="2721824"/>
+          </a:xfrm>
+          <a:prstGeom prst="rect">
+            <a:avLst/>
+          </a:prstGeom>
+        </p:spPr>
+      </p:pic>
+    </p:spTree>
+    <p:extLst>
+      <p:ext uri="{BB962C8B-B14F-4D97-AF65-F5344CB8AC3E}">
+        <p14:creationId xmlns:p14="http://schemas.microsoft.com/office/powerpoint/2010/main" val="786509951"/>
+      </p:ext>
+    </p:extLst>
+  </p:cSld>
+  <p:clrMapOvr>
+    <a:masterClrMapping/>
+  </p:clrMapOvr>
+</p:sld>
+</file>
+
+<file path=ppt/slides/slide27.xml><?xml version="1.0" encoding="utf-8"?>
+<p:sld xmlns:a="http://schemas.openxmlformats.org/drawingml/2006/main" xmlns:r="http://schemas.openxmlformats.org/officeDocument/2006/relationships" xmlns:p="http://schemas.openxmlformats.org/presentationml/2006/main">
+  <p:cSld>
+    <p:spTree>
+      <p:nvGrpSpPr>
+        <p:cNvPr id="1" name=""/>
+        <p:cNvGrpSpPr/>
+        <p:nvPr/>
+      </p:nvGrpSpPr>
+      <p:grpSpPr>
+        <a:xfrm>
+          <a:off x="0" y="0"/>
+          <a:ext cx="0" cy="0"/>
+          <a:chOff x="0" y="0"/>
+          <a:chExt cx="0" cy="0"/>
+        </a:xfrm>
+      </p:grpSpPr>
+      <p:sp>
+        <p:nvSpPr>
+          <p:cNvPr id="2" name="Title 1"/>
+          <p:cNvSpPr>
+            <a:spLocks noGrp="1"/>
+          </p:cNvSpPr>
+          <p:nvPr>
+            <p:ph type="title"/>
+          </p:nvPr>
+        </p:nvSpPr>
+        <p:spPr>
+          <a:xfrm>
+            <a:off x="838200" y="365125"/>
+            <a:ext cx="10411047" cy="1325563"/>
+          </a:xfrm>
+        </p:spPr>
+        <p:txBody>
+          <a:bodyPr>
+            <a:normAutofit/>
+          </a:bodyPr>
+          <a:lstStyle/>
+          <a:p>
+            <a:r>
+              <a:rPr lang="en-US" sz="3600" dirty="0" err="1"/>
+              <a:t>FastPrimeLite</a:t>
+            </a:r>
+            <a:endParaRPr lang="en-US" sz="3600" dirty="0"/>
+          </a:p>
+        </p:txBody>
+      </p:sp>
+      <p:sp>
+        <p:nvSpPr>
+          <p:cNvPr id="4" name="Content Placeholder 2"/>
+          <p:cNvSpPr>
+            <a:spLocks noGrp="1"/>
+          </p:cNvSpPr>
+          <p:nvPr>
+            <p:ph idx="1"/>
+          </p:nvPr>
+        </p:nvSpPr>
+        <p:spPr>
+          <a:xfrm>
+            <a:off x="838200" y="1481640"/>
+            <a:ext cx="10718950" cy="5062699"/>
+          </a:xfrm>
+        </p:spPr>
+        <p:txBody>
+          <a:bodyPr>
+            <a:noAutofit/>
+          </a:bodyPr>
+          <a:lstStyle/>
+          <a:p>
+            <a:pPr marL="0" indent="0">
+              <a:buNone/>
+            </a:pPr>
+            <a:r>
+              <a:rPr lang="en-US" sz="2000" u="sng" dirty="0"/>
+              <a:t>Features:</a:t>
+            </a:r>
+          </a:p>
+          <a:p>
+            <a:pPr marL="457200" indent="-457200">
+              <a:buFont typeface="+mj-lt"/>
+              <a:buAutoNum type="arabicPeriod"/>
+            </a:pPr>
+            <a:r>
+              <a:rPr lang="en-US" sz="2000" dirty="0"/>
+              <a:t>Develop  application entirely in Visual Studio 2017 and C#</a:t>
+            </a:r>
+          </a:p>
+          <a:p>
+            <a:pPr marL="457200" indent="-457200">
+              <a:buFont typeface="+mj-lt"/>
+              <a:buAutoNum type="arabicPeriod"/>
+            </a:pPr>
+            <a:r>
+              <a:rPr lang="en-US" sz="2000" dirty="0"/>
+              <a:t>Take in two command line arguments that represent the start and end number </a:t>
+            </a:r>
+          </a:p>
+          <a:p>
+            <a:pPr marL="457200" indent="-457200">
+              <a:buFont typeface="+mj-lt"/>
+              <a:buAutoNum type="arabicPeriod"/>
+            </a:pPr>
+            <a:r>
+              <a:rPr lang="en-US" sz="2000" strike="sngStrike" dirty="0"/>
+              <a:t>Fail gracefully with a meaningful error message if inappropriate arguments are passed in </a:t>
+            </a:r>
+          </a:p>
+          <a:p>
+            <a:pPr marL="457200" indent="-457200">
+              <a:buFont typeface="+mj-lt"/>
+              <a:buAutoNum type="arabicPeriod"/>
+            </a:pPr>
+            <a:r>
+              <a:rPr lang="en-US" sz="2000" dirty="0"/>
+              <a:t>Find the prime numbers in the range</a:t>
+            </a:r>
+          </a:p>
+          <a:p>
+            <a:pPr marL="457200" indent="-457200">
+              <a:buFont typeface="+mj-lt"/>
+              <a:buAutoNum type="arabicPeriod"/>
+            </a:pPr>
+            <a:r>
+              <a:rPr lang="en-US" sz="2000" dirty="0"/>
+              <a:t>Add numbers to a list</a:t>
+            </a:r>
+          </a:p>
+          <a:p>
+            <a:pPr marL="457200" indent="-457200">
+              <a:buFont typeface="+mj-lt"/>
+              <a:buAutoNum type="arabicPeriod"/>
+            </a:pPr>
+            <a:r>
+              <a:rPr lang="en-US" sz="2000" dirty="0"/>
+              <a:t>Sort the list</a:t>
+            </a:r>
+          </a:p>
+          <a:p>
+            <a:pPr marL="457200" indent="-457200">
+              <a:buFont typeface="+mj-lt"/>
+              <a:buAutoNum type="arabicPeriod"/>
+            </a:pPr>
+            <a:r>
+              <a:rPr lang="en-US" sz="2000" dirty="0"/>
+              <a:t>Use multiple threads… I will use 3 and you should use at least 4</a:t>
+            </a:r>
+          </a:p>
+          <a:p>
+            <a:pPr marL="457200" indent="-457200">
+              <a:buFont typeface="+mj-lt"/>
+              <a:buAutoNum type="arabicPeriod"/>
+            </a:pPr>
+            <a:r>
+              <a:rPr lang="en-US" sz="2000" dirty="0"/>
+              <a:t>Each prime number should be printed to the console window </a:t>
+            </a:r>
+          </a:p>
+          <a:p>
+            <a:pPr marL="457200" indent="-457200">
+              <a:buFont typeface="+mj-lt"/>
+              <a:buAutoNum type="arabicPeriod"/>
+            </a:pPr>
+            <a:r>
+              <a:rPr lang="en-US" sz="2000" dirty="0"/>
+              <a:t>Write to the  console (1) the number of prime number found (and stored in the file), </a:t>
+            </a:r>
+            <a:r>
+              <a:rPr lang="en-US" sz="2000" strike="sngStrike" dirty="0"/>
+              <a:t>(2) the start time, (3) the finish time,</a:t>
+            </a:r>
+            <a:r>
+              <a:rPr lang="en-US" sz="2000" dirty="0"/>
+              <a:t> and (4) elapsed time</a:t>
+            </a:r>
+          </a:p>
+          <a:p>
+            <a:pPr marL="457200" indent="-457200">
+              <a:buFont typeface="+mj-lt"/>
+              <a:buAutoNum type="arabicPeriod"/>
+            </a:pPr>
+            <a:r>
+              <a:rPr lang="en-US" sz="2000" dirty="0"/>
+              <a:t>Output results to text file called FastPrimeLite.txt </a:t>
+            </a:r>
+          </a:p>
+          <a:p>
+            <a:pPr marL="457200" indent="-457200">
+              <a:buFont typeface="+mj-lt"/>
+              <a:buAutoNum type="arabicPeriod"/>
+            </a:pPr>
+            <a:r>
+              <a:rPr lang="en-US" sz="2000" dirty="0"/>
+              <a:t>Review the location of </a:t>
+            </a:r>
+            <a:r>
+              <a:rPr lang="en-US" sz="2000" dirty="0" err="1"/>
+              <a:t>Program.cs</a:t>
+            </a:r>
+            <a:r>
+              <a:rPr lang="en-US" sz="2000" dirty="0"/>
+              <a:t> and the release executable named “FastPrimeLite.exe</a:t>
+            </a:r>
+          </a:p>
+        </p:txBody>
+      </p:sp>
+    </p:spTree>
+    <p:extLst>
+      <p:ext uri="{BB962C8B-B14F-4D97-AF65-F5344CB8AC3E}">
+        <p14:creationId xmlns:p14="http://schemas.microsoft.com/office/powerpoint/2010/main" val="1699693233"/>
+      </p:ext>
+    </p:extLst>
+  </p:cSld>
+  <p:clrMapOvr>
+    <a:masterClrMapping/>
+  </p:clrMapOvr>
+</p:sld>
+</file>
+
+<file path=ppt/slides/slide28.xml><?xml version="1.0" encoding="utf-8"?>
 <p:sld xmlns:a="http://schemas.openxmlformats.org/drawingml/2006/main" xmlns:r="http://schemas.openxmlformats.org/officeDocument/2006/relationships" xmlns:p="http://schemas.openxmlformats.org/presentationml/2006/main">
   <p:cSld>
     <p:bg>
@@ -10041,7 +10397,7 @@
 </p:sld>
 </file>
 
-<file path=ppt/slides/slide27.xml><?xml version="1.0" encoding="utf-8"?>
+<file path=ppt/slides/slide29.xml><?xml version="1.0" encoding="utf-8"?>
 <p:sld xmlns:a="http://schemas.openxmlformats.org/drawingml/2006/main" xmlns:r="http://schemas.openxmlformats.org/officeDocument/2006/relationships" xmlns:p="http://schemas.openxmlformats.org/presentationml/2006/main">
   <p:cSld>
     <p:bg>
@@ -12068,12 +12424,9 @@
 </file>
 
 <file path=customXml/item1.xml><?xml version="1.0" encoding="utf-8"?>
-<?mso-contentType ?>
-<FormTemplates xmlns="http://schemas.microsoft.com/sharepoint/v3/contenttype/forms">
-  <Display>DocumentLibraryForm</Display>
-  <Edit>DocumentLibraryForm</Edit>
-  <New>DocumentLibraryForm</New>
-</FormTemplates>
+<p:properties xmlns:p="http://schemas.microsoft.com/office/2006/metadata/properties" xmlns:xsi="http://www.w3.org/2001/XMLSchema-instance" xmlns:pc="http://schemas.microsoft.com/office/infopath/2007/PartnerControls">
+  <documentManagement/>
+</p:properties>
 </file>
 
 <file path=customXml/item2.xml><?xml version="1.0" encoding="utf-8"?>
@@ -12191,15 +12544,25 @@
 </file>
 
 <file path=customXml/item3.xml><?xml version="1.0" encoding="utf-8"?>
-<p:properties xmlns:p="http://schemas.microsoft.com/office/2006/metadata/properties" xmlns:xsi="http://www.w3.org/2001/XMLSchema-instance" xmlns:pc="http://schemas.microsoft.com/office/infopath/2007/PartnerControls">
-  <documentManagement/>
-</p:properties>
+<?mso-contentType ?>
+<FormTemplates xmlns="http://schemas.microsoft.com/sharepoint/v3/contenttype/forms">
+  <Display>DocumentLibraryForm</Display>
+  <Edit>DocumentLibraryForm</Edit>
+  <New>DocumentLibraryForm</New>
+</FormTemplates>
 </file>
 
 <file path=customXml/itemProps1.xml><?xml version="1.0" encoding="utf-8"?>
-<ds:datastoreItem xmlns:ds="http://schemas.openxmlformats.org/officeDocument/2006/customXml" ds:itemID="{87FD8B20-B89A-4B23-9329-175195DD4D8A}">
+<ds:datastoreItem xmlns:ds="http://schemas.openxmlformats.org/officeDocument/2006/customXml" ds:itemID="{3473EA1A-2744-48E8-B2A3-4F89C0FC849C}">
   <ds:schemaRefs>
-    <ds:schemaRef ds:uri="http://schemas.microsoft.com/sharepoint/v3/contenttype/forms"/>
+    <ds:schemaRef ds:uri="http://purl.org/dc/terms/"/>
+    <ds:schemaRef ds:uri="http://schemas.openxmlformats.org/package/2006/metadata/core-properties"/>
+    <ds:schemaRef ds:uri="http://schemas.microsoft.com/office/2006/documentManagement/types"/>
+    <ds:schemaRef ds:uri="http://purl.org/dc/dcmitype/"/>
+    <ds:schemaRef ds:uri="http://schemas.microsoft.com/office/infopath/2007/PartnerControls"/>
+    <ds:schemaRef ds:uri="http://purl.org/dc/elements/1.1/"/>
+    <ds:schemaRef ds:uri="http://schemas.microsoft.com/office/2006/metadata/properties"/>
+    <ds:schemaRef ds:uri="http://www.w3.org/XML/1998/namespace"/>
   </ds:schemaRefs>
 </ds:datastoreItem>
 </file>
@@ -12221,16 +12584,9 @@
 </file>
 
 <file path=customXml/itemProps3.xml><?xml version="1.0" encoding="utf-8"?>
-<ds:datastoreItem xmlns:ds="http://schemas.openxmlformats.org/officeDocument/2006/customXml" ds:itemID="{3473EA1A-2744-48E8-B2A3-4F89C0FC849C}">
+<ds:datastoreItem xmlns:ds="http://schemas.openxmlformats.org/officeDocument/2006/customXml" ds:itemID="{87FD8B20-B89A-4B23-9329-175195DD4D8A}">
   <ds:schemaRefs>
-    <ds:schemaRef ds:uri="http://schemas.microsoft.com/office/2006/documentManagement/types"/>
-    <ds:schemaRef ds:uri="http://purl.org/dc/terms/"/>
-    <ds:schemaRef ds:uri="http://schemas.openxmlformats.org/package/2006/metadata/core-properties"/>
-    <ds:schemaRef ds:uri="http://purl.org/dc/dcmitype/"/>
-    <ds:schemaRef ds:uri="http://schemas.microsoft.com/office/infopath/2007/PartnerControls"/>
-    <ds:schemaRef ds:uri="http://purl.org/dc/elements/1.1/"/>
-    <ds:schemaRef ds:uri="http://schemas.microsoft.com/office/2006/metadata/properties"/>
-    <ds:schemaRef ds:uri="http://www.w3.org/XML/1998/namespace"/>
+    <ds:schemaRef ds:uri="http://schemas.microsoft.com/sharepoint/v3/contenttype/forms"/>
   </ds:schemaRefs>
 </ds:datastoreItem>
 </file>